--- a/Phan_tich_yeu_cau.pptx
+++ b/Phan_tich_yeu_cau.pptx
@@ -1,15 +1,15 @@
 
 <file path=ppt/presentation.xml><?xml version="1.0" encoding="utf-8"?>
-<p:presentation xmlns:a="http://schemas.openxmlformats.org/drawingml/2006/main" xmlns:r="http://schemas.openxmlformats.org/officeDocument/2006/relationships" xmlns:p="http://schemas.openxmlformats.org/presentationml/2006/main" saveSubsetFonts="1">
+<p:presentation xmlns:a="http://schemas.openxmlformats.org/drawingml/2006/main" xmlns:r="http://schemas.openxmlformats.org/officeDocument/2006/relationships" xmlns:p="http://schemas.openxmlformats.org/presentationml/2006/main">
   <p:sldMasterIdLst>
     <p:sldMasterId id="2147483648" r:id="rId1"/>
   </p:sldMasterIdLst>
+  <p:notesMasterIdLst>
+    <p:notesMasterId r:id="rId5"/>
+  </p:notesMasterIdLst>
   <p:sldIdLst>
-    <p:sldId id="256" r:id="rId2"/>
-    <p:sldId id="257" r:id="rId3"/>
-    <p:sldId id="260" r:id="rId4"/>
-    <p:sldId id="258" r:id="rId5"/>
-    <p:sldId id="259" r:id="rId6"/>
+    <p:sldId id="256" r:id="rId3"/>
+    <p:sldId id="263" r:id="rId4"/>
   </p:sldIdLst>
   <p:sldSz cx="12192000" cy="6858000"/>
   <p:notesSz cx="6858000" cy="9144000"/>
@@ -111,6 +111,439 @@
 </p:presentation>
 </file>
 
+<file path=ppt/notesMasters/notesMaster1.xml><?xml version="1.0" encoding="utf-8"?>
+<p:notesMaster xmlns:a="http://schemas.openxmlformats.org/drawingml/2006/main" xmlns:r="http://schemas.openxmlformats.org/officeDocument/2006/relationships" xmlns:p="http://schemas.openxmlformats.org/presentationml/2006/main">
+  <p:cSld>
+    <p:bg>
+      <p:bgRef idx="1001">
+        <a:schemeClr val="bg1"/>
+      </p:bgRef>
+    </p:bg>
+    <p:spTree>
+      <p:nvGrpSpPr>
+        <p:cNvPr id="1" name=""/>
+        <p:cNvGrpSpPr/>
+        <p:nvPr/>
+      </p:nvGrpSpPr>
+      <p:grpSpPr>
+        <a:xfrm>
+          <a:off x="0" y="0"/>
+          <a:ext cx="0" cy="0"/>
+          <a:chOff x="0" y="0"/>
+          <a:chExt cx="0" cy="0"/>
+        </a:xfrm>
+      </p:grpSpPr>
+      <p:sp>
+        <p:nvSpPr>
+          <p:cNvPr id="2" name="Header Placeholder 1"/>
+          <p:cNvSpPr>
+            <a:spLocks noGrp="1"/>
+          </p:cNvSpPr>
+          <p:nvPr>
+            <p:ph type="hdr" sz="quarter"/>
+          </p:nvPr>
+        </p:nvSpPr>
+        <p:spPr>
+          <a:xfrm>
+            <a:off x="0" y="0"/>
+            <a:ext cx="2971800" cy="458788"/>
+          </a:xfrm>
+          <a:prstGeom prst="rect">
+            <a:avLst/>
+          </a:prstGeom>
+        </p:spPr>
+        <p:txBody>
+          <a:bodyPr vert="horz" lIns="91440" tIns="45720" rIns="91440" bIns="45720" rtlCol="0"/>
+          <a:lstStyle>
+            <a:lvl1pPr algn="l">
+              <a:defRPr sz="1200"/>
+            </a:lvl1pPr>
+          </a:lstStyle>
+          <a:p>
+            <a:endParaRPr lang="en-US"/>
+          </a:p>
+        </p:txBody>
+      </p:sp>
+      <p:sp>
+        <p:nvSpPr>
+          <p:cNvPr id="3" name="Date Placeholder 2"/>
+          <p:cNvSpPr>
+            <a:spLocks noGrp="1"/>
+          </p:cNvSpPr>
+          <p:nvPr>
+            <p:ph type="dt" idx="1"/>
+          </p:nvPr>
+        </p:nvSpPr>
+        <p:spPr>
+          <a:xfrm>
+            <a:off x="3884613" y="0"/>
+            <a:ext cx="2971800" cy="458788"/>
+          </a:xfrm>
+          <a:prstGeom prst="rect">
+            <a:avLst/>
+          </a:prstGeom>
+        </p:spPr>
+        <p:txBody>
+          <a:bodyPr vert="horz" lIns="91440" tIns="45720" rIns="91440" bIns="45720" rtlCol="0"/>
+          <a:lstStyle>
+            <a:lvl1pPr algn="r">
+              <a:defRPr sz="1200"/>
+            </a:lvl1pPr>
+          </a:lstStyle>
+          <a:p>
+            <a:fld id="{3EFD42F7-718C-4B98-AAEC-167E6DDD60A7}" type="datetimeFigureOut">
+              <a:rPr lang="en-US" smtClean="0"/>
+            </a:fld>
+            <a:endParaRPr lang="en-US"/>
+          </a:p>
+        </p:txBody>
+      </p:sp>
+      <p:sp>
+        <p:nvSpPr>
+          <p:cNvPr id="4" name="Slide Image Placeholder 3"/>
+          <p:cNvSpPr>
+            <a:spLocks noGrp="1" noRot="1" noChangeAspect="1"/>
+          </p:cNvSpPr>
+          <p:nvPr>
+            <p:ph type="sldImg" idx="2"/>
+          </p:nvPr>
+        </p:nvSpPr>
+        <p:spPr>
+          <a:xfrm>
+            <a:off x="685800" y="1143000"/>
+            <a:ext cx="5486400" cy="3086100"/>
+          </a:xfrm>
+          <a:prstGeom prst="rect">
+            <a:avLst/>
+          </a:prstGeom>
+          <a:noFill/>
+          <a:ln w="12700">
+            <a:solidFill>
+              <a:prstClr val="black"/>
+            </a:solidFill>
+          </a:ln>
+        </p:spPr>
+        <p:txBody>
+          <a:bodyPr vert="horz" lIns="91440" tIns="45720" rIns="91440" bIns="45720" rtlCol="0" anchor="ctr"/>
+          <a:lstStyle/>
+          <a:p>
+            <a:endParaRPr lang="en-US"/>
+          </a:p>
+        </p:txBody>
+      </p:sp>
+      <p:sp>
+        <p:nvSpPr>
+          <p:cNvPr id="5" name="Notes Placeholder 4"/>
+          <p:cNvSpPr>
+            <a:spLocks noGrp="1"/>
+          </p:cNvSpPr>
+          <p:nvPr>
+            <p:ph type="body" sz="quarter" idx="3"/>
+          </p:nvPr>
+        </p:nvSpPr>
+        <p:spPr>
+          <a:xfrm>
+            <a:off x="685800" y="4400550"/>
+            <a:ext cx="5486400" cy="3600450"/>
+          </a:xfrm>
+          <a:prstGeom prst="rect">
+            <a:avLst/>
+          </a:prstGeom>
+        </p:spPr>
+        <p:txBody>
+          <a:bodyPr vert="horz" lIns="91440" tIns="45720" rIns="91440" bIns="45720" rtlCol="0"/>
+          <a:lstStyle/>
+          <a:p>
+            <a:pPr lvl="0"/>
+            <a:r>
+              <a:rPr lang="en-US" smtClean="0"/>
+              <a:t>Click to edit Master text styles</a:t>
+            </a:r>
+            <a:endParaRPr lang="en-US" smtClean="0"/>
+          </a:p>
+          <a:p>
+            <a:pPr lvl="1"/>
+            <a:r>
+              <a:rPr lang="en-US" smtClean="0"/>
+              <a:t>Second level</a:t>
+            </a:r>
+            <a:endParaRPr lang="en-US" smtClean="0"/>
+          </a:p>
+          <a:p>
+            <a:pPr lvl="2"/>
+            <a:r>
+              <a:rPr lang="en-US" smtClean="0"/>
+              <a:t>Third level</a:t>
+            </a:r>
+            <a:endParaRPr lang="en-US" smtClean="0"/>
+          </a:p>
+          <a:p>
+            <a:pPr lvl="3"/>
+            <a:r>
+              <a:rPr lang="en-US" smtClean="0"/>
+              <a:t>Fourth level</a:t>
+            </a:r>
+            <a:endParaRPr lang="en-US" smtClean="0"/>
+          </a:p>
+          <a:p>
+            <a:pPr lvl="4"/>
+            <a:r>
+              <a:rPr lang="en-US" smtClean="0"/>
+              <a:t>Fifth level</a:t>
+            </a:r>
+            <a:endParaRPr lang="en-US"/>
+          </a:p>
+        </p:txBody>
+      </p:sp>
+      <p:sp>
+        <p:nvSpPr>
+          <p:cNvPr id="6" name="Footer Placeholder 5"/>
+          <p:cNvSpPr>
+            <a:spLocks noGrp="1"/>
+          </p:cNvSpPr>
+          <p:nvPr>
+            <p:ph type="ftr" sz="quarter" idx="4"/>
+          </p:nvPr>
+        </p:nvSpPr>
+        <p:spPr>
+          <a:xfrm>
+            <a:off x="0" y="8685213"/>
+            <a:ext cx="2971800" cy="458787"/>
+          </a:xfrm>
+          <a:prstGeom prst="rect">
+            <a:avLst/>
+          </a:prstGeom>
+        </p:spPr>
+        <p:txBody>
+          <a:bodyPr vert="horz" lIns="91440" tIns="45720" rIns="91440" bIns="45720" rtlCol="0" anchor="b"/>
+          <a:lstStyle>
+            <a:lvl1pPr algn="l">
+              <a:defRPr sz="1200"/>
+            </a:lvl1pPr>
+          </a:lstStyle>
+          <a:p>
+            <a:endParaRPr lang="en-US"/>
+          </a:p>
+        </p:txBody>
+      </p:sp>
+      <p:sp>
+        <p:nvSpPr>
+          <p:cNvPr id="7" name="Slide Number Placeholder 6"/>
+          <p:cNvSpPr>
+            <a:spLocks noGrp="1"/>
+          </p:cNvSpPr>
+          <p:nvPr>
+            <p:ph type="sldNum" sz="quarter" idx="5"/>
+          </p:nvPr>
+        </p:nvSpPr>
+        <p:spPr>
+          <a:xfrm>
+            <a:off x="3884613" y="8685213"/>
+            <a:ext cx="2971800" cy="458787"/>
+          </a:xfrm>
+          <a:prstGeom prst="rect">
+            <a:avLst/>
+          </a:prstGeom>
+        </p:spPr>
+        <p:txBody>
+          <a:bodyPr vert="horz" lIns="91440" tIns="45720" rIns="91440" bIns="45720" rtlCol="0" anchor="b"/>
+          <a:lstStyle>
+            <a:lvl1pPr algn="r">
+              <a:defRPr sz="1200"/>
+            </a:lvl1pPr>
+          </a:lstStyle>
+          <a:p>
+            <a:fld id="{21B2AA4F-B828-4D7C-AFD3-893933DAFCB4}" type="slidenum">
+              <a:rPr lang="en-US" smtClean="0"/>
+            </a:fld>
+            <a:endParaRPr lang="en-US"/>
+          </a:p>
+        </p:txBody>
+      </p:sp>
+    </p:spTree>
+  </p:cSld>
+  <p:clrMap bg1="lt1" tx1="dk1" bg2="lt2" tx2="dk2" accent1="accent1" accent2="accent2" accent3="accent3" accent4="accent4" accent5="accent5" accent6="accent6" hlink="hlink" folHlink="folHlink"/>
+  <p:notesStyle>
+    <a:lvl1pPr marL="0" algn="l" defTabSz="914400" rtl="0" eaLnBrk="1" latinLnBrk="0" hangingPunct="1">
+      <a:defRPr sz="1200" kern="1200">
+        <a:solidFill>
+          <a:schemeClr val="tx1"/>
+        </a:solidFill>
+        <a:latin typeface="+mn-lt"/>
+        <a:ea typeface="+mn-ea"/>
+        <a:cs typeface="+mn-cs"/>
+      </a:defRPr>
+    </a:lvl1pPr>
+    <a:lvl2pPr marL="457200" algn="l" defTabSz="914400" rtl="0" eaLnBrk="1" latinLnBrk="0" hangingPunct="1">
+      <a:defRPr sz="1200" kern="1200">
+        <a:solidFill>
+          <a:schemeClr val="tx1"/>
+        </a:solidFill>
+        <a:latin typeface="+mn-lt"/>
+        <a:ea typeface="+mn-ea"/>
+        <a:cs typeface="+mn-cs"/>
+      </a:defRPr>
+    </a:lvl2pPr>
+    <a:lvl3pPr marL="914400" algn="l" defTabSz="914400" rtl="0" eaLnBrk="1" latinLnBrk="0" hangingPunct="1">
+      <a:defRPr sz="1200" kern="1200">
+        <a:solidFill>
+          <a:schemeClr val="tx1"/>
+        </a:solidFill>
+        <a:latin typeface="+mn-lt"/>
+        <a:ea typeface="+mn-ea"/>
+        <a:cs typeface="+mn-cs"/>
+      </a:defRPr>
+    </a:lvl3pPr>
+    <a:lvl4pPr marL="1371600" algn="l" defTabSz="914400" rtl="0" eaLnBrk="1" latinLnBrk="0" hangingPunct="1">
+      <a:defRPr sz="1200" kern="1200">
+        <a:solidFill>
+          <a:schemeClr val="tx1"/>
+        </a:solidFill>
+        <a:latin typeface="+mn-lt"/>
+        <a:ea typeface="+mn-ea"/>
+        <a:cs typeface="+mn-cs"/>
+      </a:defRPr>
+    </a:lvl4pPr>
+    <a:lvl5pPr marL="1828800" algn="l" defTabSz="914400" rtl="0" eaLnBrk="1" latinLnBrk="0" hangingPunct="1">
+      <a:defRPr sz="1200" kern="1200">
+        <a:solidFill>
+          <a:schemeClr val="tx1"/>
+        </a:solidFill>
+        <a:latin typeface="+mn-lt"/>
+        <a:ea typeface="+mn-ea"/>
+        <a:cs typeface="+mn-cs"/>
+      </a:defRPr>
+    </a:lvl5pPr>
+    <a:lvl6pPr marL="2286000" algn="l" defTabSz="914400" rtl="0" eaLnBrk="1" latinLnBrk="0" hangingPunct="1">
+      <a:defRPr sz="1200" kern="1200">
+        <a:solidFill>
+          <a:schemeClr val="tx1"/>
+        </a:solidFill>
+        <a:latin typeface="+mn-lt"/>
+        <a:ea typeface="+mn-ea"/>
+        <a:cs typeface="+mn-cs"/>
+      </a:defRPr>
+    </a:lvl6pPr>
+    <a:lvl7pPr marL="2743200" algn="l" defTabSz="914400" rtl="0" eaLnBrk="1" latinLnBrk="0" hangingPunct="1">
+      <a:defRPr sz="1200" kern="1200">
+        <a:solidFill>
+          <a:schemeClr val="tx1"/>
+        </a:solidFill>
+        <a:latin typeface="+mn-lt"/>
+        <a:ea typeface="+mn-ea"/>
+        <a:cs typeface="+mn-cs"/>
+      </a:defRPr>
+    </a:lvl7pPr>
+    <a:lvl8pPr marL="3200400" algn="l" defTabSz="914400" rtl="0" eaLnBrk="1" latinLnBrk="0" hangingPunct="1">
+      <a:defRPr sz="1200" kern="1200">
+        <a:solidFill>
+          <a:schemeClr val="tx1"/>
+        </a:solidFill>
+        <a:latin typeface="+mn-lt"/>
+        <a:ea typeface="+mn-ea"/>
+        <a:cs typeface="+mn-cs"/>
+      </a:defRPr>
+    </a:lvl8pPr>
+    <a:lvl9pPr marL="3657600" algn="l" defTabSz="914400" rtl="0" eaLnBrk="1" latinLnBrk="0" hangingPunct="1">
+      <a:defRPr sz="1200" kern="1200">
+        <a:solidFill>
+          <a:schemeClr val="tx1"/>
+        </a:solidFill>
+        <a:latin typeface="+mn-lt"/>
+        <a:ea typeface="+mn-ea"/>
+        <a:cs typeface="+mn-cs"/>
+      </a:defRPr>
+    </a:lvl9pPr>
+  </p:notesStyle>
+</p:notesMaster>
+</file>
+
+<file path=ppt/notesSlides/notesSlide1.xml><?xml version="1.0" encoding="utf-8"?>
+<p:notes xmlns:a="http://schemas.openxmlformats.org/drawingml/2006/main" xmlns:r="http://schemas.openxmlformats.org/officeDocument/2006/relationships" xmlns:p="http://schemas.openxmlformats.org/presentationml/2006/main">
+  <p:cSld>
+    <p:spTree>
+      <p:nvGrpSpPr>
+        <p:cNvPr id="1" name=""/>
+        <p:cNvGrpSpPr/>
+        <p:nvPr/>
+      </p:nvGrpSpPr>
+      <p:grpSpPr>
+        <a:xfrm>
+          <a:off x="0" y="0"/>
+          <a:ext cx="0" cy="0"/>
+          <a:chOff x="0" y="0"/>
+          <a:chExt cx="0" cy="0"/>
+        </a:xfrm>
+      </p:grpSpPr>
+      <p:sp>
+        <p:nvSpPr>
+          <p:cNvPr id="2" name="Slide Image Placeholder 1"/>
+          <p:cNvSpPr>
+            <a:spLocks noGrp="1" noRot="1" noChangeAspect="1"/>
+          </p:cNvSpPr>
+          <p:nvPr>
+            <p:ph type="sldImg"/>
+          </p:nvPr>
+        </p:nvSpPr>
+        <p:spPr/>
+      </p:sp>
+      <p:sp>
+        <p:nvSpPr>
+          <p:cNvPr id="3" name="Notes Placeholder 2"/>
+          <p:cNvSpPr>
+            <a:spLocks noGrp="1"/>
+          </p:cNvSpPr>
+          <p:nvPr>
+            <p:ph type="body" idx="1"/>
+          </p:nvPr>
+        </p:nvSpPr>
+        <p:spPr/>
+        <p:txBody>
+          <a:bodyPr/>
+          <a:lstStyle/>
+          <a:p>
+            <a:endParaRPr lang="en-US"/>
+          </a:p>
+        </p:txBody>
+      </p:sp>
+      <p:sp>
+        <p:nvSpPr>
+          <p:cNvPr id="4" name="Slide Number Placeholder 3"/>
+          <p:cNvSpPr>
+            <a:spLocks noGrp="1"/>
+          </p:cNvSpPr>
+          <p:nvPr>
+            <p:ph type="sldNum" sz="quarter" idx="10"/>
+          </p:nvPr>
+        </p:nvSpPr>
+        <p:spPr/>
+        <p:txBody>
+          <a:bodyPr/>
+          <a:lstStyle/>
+          <a:p>
+            <a:fld id="{1C6F55E1-8FA1-4431-8CCD-46EFB1EBE07A}" type="slidenum">
+              <a:rPr lang="vi-VN" smtClean="0">
+                <a:solidFill>
+                  <a:prstClr val="black"/>
+                </a:solidFill>
+              </a:rPr>
+            </a:fld>
+            <a:endParaRPr lang="vi-VN">
+              <a:solidFill>
+                <a:prstClr val="black"/>
+              </a:solidFill>
+            </a:endParaRPr>
+          </a:p>
+        </p:txBody>
+      </p:sp>
+    </p:spTree>
+  </p:cSld>
+  <p:clrMapOvr>
+    <a:masterClrMapping/>
+  </p:clrMapOvr>
+</p:notes>
+</file>
+
 <file path=ppt/slideLayouts/slideLayout1.xml><?xml version="1.0" encoding="utf-8"?>
 <p:sldLayout xmlns:a="http://schemas.openxmlformats.org/drawingml/2006/main" xmlns:r="http://schemas.openxmlformats.org/officeDocument/2006/relationships" xmlns:p="http://schemas.openxmlformats.org/presentationml/2006/main" type="title" preserve="1">
   <p:cSld name="Title Slide">
@@ -130,13 +563,7 @@
       </p:grpSpPr>
       <p:sp>
         <p:nvSpPr>
-          <p:cNvPr id="2" name="Title 1">
-            <a:extLst>
-              <a:ext uri="{FF2B5EF4-FFF2-40B4-BE49-F238E27FC236}">
-                <a16:creationId xmlns:a16="http://schemas.microsoft.com/office/drawing/2014/main" id="{1BA6472E-A88D-3470-C6CD-533D87247E78}"/>
-              </a:ext>
-            </a:extLst>
-          </p:cNvPr>
+          <p:cNvPr id="2" name="Title 1"/>
           <p:cNvSpPr>
             <a:spLocks noGrp="1"/>
           </p:cNvSpPr>
@@ -162,18 +589,13 @@
               <a:rPr lang="en-US"/>
               <a:t>Click to edit Master title style</a:t>
             </a:r>
-          </a:p>
-        </p:txBody>
-      </p:sp>
-      <p:sp>
-        <p:nvSpPr>
-          <p:cNvPr id="3" name="Subtitle 2">
-            <a:extLst>
-              <a:ext uri="{FF2B5EF4-FFF2-40B4-BE49-F238E27FC236}">
-                <a16:creationId xmlns:a16="http://schemas.microsoft.com/office/drawing/2014/main" id="{DAE9A45D-356B-5C39-AB24-57AE7DD5CCFB}"/>
-              </a:ext>
-            </a:extLst>
-          </p:cNvPr>
+            <a:endParaRPr lang="en-US"/>
+          </a:p>
+        </p:txBody>
+      </p:sp>
+      <p:sp>
+        <p:nvSpPr>
+          <p:cNvPr id="3" name="Subtitle 2"/>
           <p:cNvSpPr>
             <a:spLocks noGrp="1"/>
           </p:cNvSpPr>
@@ -232,18 +654,13 @@
               <a:rPr lang="en-US"/>
               <a:t>Click to edit Master subtitle style</a:t>
             </a:r>
-          </a:p>
-        </p:txBody>
-      </p:sp>
-      <p:sp>
-        <p:nvSpPr>
-          <p:cNvPr id="4" name="Date Placeholder 3">
-            <a:extLst>
-              <a:ext uri="{FF2B5EF4-FFF2-40B4-BE49-F238E27FC236}">
-                <a16:creationId xmlns:a16="http://schemas.microsoft.com/office/drawing/2014/main" id="{253B2986-C57D-398D-6F66-8524148A8509}"/>
-              </a:ext>
-            </a:extLst>
-          </p:cNvPr>
+            <a:endParaRPr lang="en-US"/>
+          </a:p>
+        </p:txBody>
+      </p:sp>
+      <p:sp>
+        <p:nvSpPr>
+          <p:cNvPr id="4" name="Date Placeholder 3"/>
           <p:cNvSpPr>
             <a:spLocks noGrp="1"/>
           </p:cNvSpPr>
@@ -258,7 +675,6 @@
           <a:p>
             <a:fld id="{FBA2BC42-914E-4530-9991-6E582F6133C1}" type="datetimeFigureOut">
               <a:rPr lang="en-US" smtClean="0"/>
-              <a:t>9/16/2025</a:t>
             </a:fld>
             <a:endParaRPr lang="en-US"/>
           </a:p>
@@ -266,13 +682,7 @@
       </p:sp>
       <p:sp>
         <p:nvSpPr>
-          <p:cNvPr id="5" name="Footer Placeholder 4">
-            <a:extLst>
-              <a:ext uri="{FF2B5EF4-FFF2-40B4-BE49-F238E27FC236}">
-                <a16:creationId xmlns:a16="http://schemas.microsoft.com/office/drawing/2014/main" id="{EB5972CF-50A1-5D22-C72C-73632ADC9F0C}"/>
-              </a:ext>
-            </a:extLst>
-          </p:cNvPr>
+          <p:cNvPr id="5" name="Footer Placeholder 4"/>
           <p:cNvSpPr>
             <a:spLocks noGrp="1"/>
           </p:cNvSpPr>
@@ -291,13 +701,7 @@
       </p:sp>
       <p:sp>
         <p:nvSpPr>
-          <p:cNvPr id="6" name="Slide Number Placeholder 5">
-            <a:extLst>
-              <a:ext uri="{FF2B5EF4-FFF2-40B4-BE49-F238E27FC236}">
-                <a16:creationId xmlns:a16="http://schemas.microsoft.com/office/drawing/2014/main" id="{EC621C04-CF99-312D-EE63-62856330C8C8}"/>
-              </a:ext>
-            </a:extLst>
-          </p:cNvPr>
+          <p:cNvPr id="6" name="Slide Number Placeholder 5"/>
           <p:cNvSpPr>
             <a:spLocks noGrp="1"/>
           </p:cNvSpPr>
@@ -312,18 +716,12 @@
           <a:p>
             <a:fld id="{AB0B7D32-87DC-4278-AA91-BC11DFAA815A}" type="slidenum">
               <a:rPr lang="en-US" smtClean="0"/>
-              <a:t>‹#›</a:t>
             </a:fld>
             <a:endParaRPr lang="en-US"/>
           </a:p>
         </p:txBody>
       </p:sp>
     </p:spTree>
-    <p:extLst>
-      <p:ext uri="{BB962C8B-B14F-4D97-AF65-F5344CB8AC3E}">
-        <p14:creationId xmlns:p14="http://schemas.microsoft.com/office/powerpoint/2010/main" val="683350403"/>
-      </p:ext>
-    </p:extLst>
   </p:cSld>
   <p:clrMapOvr>
     <a:masterClrMapping/>
@@ -350,13 +748,7 @@
       </p:grpSpPr>
       <p:sp>
         <p:nvSpPr>
-          <p:cNvPr id="2" name="Title 1">
-            <a:extLst>
-              <a:ext uri="{FF2B5EF4-FFF2-40B4-BE49-F238E27FC236}">
-                <a16:creationId xmlns:a16="http://schemas.microsoft.com/office/drawing/2014/main" id="{13E74268-21B3-38A1-C29E-81927BF31462}"/>
-              </a:ext>
-            </a:extLst>
-          </p:cNvPr>
+          <p:cNvPr id="2" name="Title 1"/>
           <p:cNvSpPr>
             <a:spLocks noGrp="1"/>
           </p:cNvSpPr>
@@ -373,18 +765,13 @@
               <a:rPr lang="en-US"/>
               <a:t>Click to edit Master title style</a:t>
             </a:r>
-          </a:p>
-        </p:txBody>
-      </p:sp>
-      <p:sp>
-        <p:nvSpPr>
-          <p:cNvPr id="3" name="Vertical Text Placeholder 2">
-            <a:extLst>
-              <a:ext uri="{FF2B5EF4-FFF2-40B4-BE49-F238E27FC236}">
-                <a16:creationId xmlns:a16="http://schemas.microsoft.com/office/drawing/2014/main" id="{9CC9C94E-2936-68AD-9CE8-ACF5C3631A8F}"/>
-              </a:ext>
-            </a:extLst>
-          </p:cNvPr>
+            <a:endParaRPr lang="en-US"/>
+          </a:p>
+        </p:txBody>
+      </p:sp>
+      <p:sp>
+        <p:nvSpPr>
+          <p:cNvPr id="3" name="Vertical Text Placeholder 2"/>
           <p:cNvSpPr>
             <a:spLocks noGrp="1"/>
           </p:cNvSpPr>
@@ -402,6 +789,7 @@
               <a:rPr lang="en-US"/>
               <a:t>Click to edit Master text styles</a:t>
             </a:r>
+            <a:endParaRPr lang="en-US"/>
           </a:p>
           <a:p>
             <a:pPr lvl="1"/>
@@ -409,6 +797,7 @@
               <a:rPr lang="en-US"/>
               <a:t>Second level</a:t>
             </a:r>
+            <a:endParaRPr lang="en-US"/>
           </a:p>
           <a:p>
             <a:pPr lvl="2"/>
@@ -416,6 +805,7 @@
               <a:rPr lang="en-US"/>
               <a:t>Third level</a:t>
             </a:r>
+            <a:endParaRPr lang="en-US"/>
           </a:p>
           <a:p>
             <a:pPr lvl="3"/>
@@ -423,6 +813,7 @@
               <a:rPr lang="en-US"/>
               <a:t>Fourth level</a:t>
             </a:r>
+            <a:endParaRPr lang="en-US"/>
           </a:p>
           <a:p>
             <a:pPr lvl="4"/>
@@ -430,18 +821,13 @@
               <a:rPr lang="en-US"/>
               <a:t>Fifth level</a:t>
             </a:r>
-          </a:p>
-        </p:txBody>
-      </p:sp>
-      <p:sp>
-        <p:nvSpPr>
-          <p:cNvPr id="4" name="Date Placeholder 3">
-            <a:extLst>
-              <a:ext uri="{FF2B5EF4-FFF2-40B4-BE49-F238E27FC236}">
-                <a16:creationId xmlns:a16="http://schemas.microsoft.com/office/drawing/2014/main" id="{8F60A7D4-F57B-72E3-2D7E-3A4A16119E5E}"/>
-              </a:ext>
-            </a:extLst>
-          </p:cNvPr>
+            <a:endParaRPr lang="en-US"/>
+          </a:p>
+        </p:txBody>
+      </p:sp>
+      <p:sp>
+        <p:nvSpPr>
+          <p:cNvPr id="4" name="Date Placeholder 3"/>
           <p:cNvSpPr>
             <a:spLocks noGrp="1"/>
           </p:cNvSpPr>
@@ -456,7 +842,6 @@
           <a:p>
             <a:fld id="{FBA2BC42-914E-4530-9991-6E582F6133C1}" type="datetimeFigureOut">
               <a:rPr lang="en-US" smtClean="0"/>
-              <a:t>9/16/2025</a:t>
             </a:fld>
             <a:endParaRPr lang="en-US"/>
           </a:p>
@@ -464,13 +849,7 @@
       </p:sp>
       <p:sp>
         <p:nvSpPr>
-          <p:cNvPr id="5" name="Footer Placeholder 4">
-            <a:extLst>
-              <a:ext uri="{FF2B5EF4-FFF2-40B4-BE49-F238E27FC236}">
-                <a16:creationId xmlns:a16="http://schemas.microsoft.com/office/drawing/2014/main" id="{BA74765F-2FA5-17A5-6468-0199477AAD7C}"/>
-              </a:ext>
-            </a:extLst>
-          </p:cNvPr>
+          <p:cNvPr id="5" name="Footer Placeholder 4"/>
           <p:cNvSpPr>
             <a:spLocks noGrp="1"/>
           </p:cNvSpPr>
@@ -489,13 +868,7 @@
       </p:sp>
       <p:sp>
         <p:nvSpPr>
-          <p:cNvPr id="6" name="Slide Number Placeholder 5">
-            <a:extLst>
-              <a:ext uri="{FF2B5EF4-FFF2-40B4-BE49-F238E27FC236}">
-                <a16:creationId xmlns:a16="http://schemas.microsoft.com/office/drawing/2014/main" id="{133D99FF-3B13-C75F-5B80-4134CFEDFCB7}"/>
-              </a:ext>
-            </a:extLst>
-          </p:cNvPr>
+          <p:cNvPr id="6" name="Slide Number Placeholder 5"/>
           <p:cNvSpPr>
             <a:spLocks noGrp="1"/>
           </p:cNvSpPr>
@@ -510,18 +883,12 @@
           <a:p>
             <a:fld id="{AB0B7D32-87DC-4278-AA91-BC11DFAA815A}" type="slidenum">
               <a:rPr lang="en-US" smtClean="0"/>
-              <a:t>‹#›</a:t>
             </a:fld>
             <a:endParaRPr lang="en-US"/>
           </a:p>
         </p:txBody>
       </p:sp>
     </p:spTree>
-    <p:extLst>
-      <p:ext uri="{BB962C8B-B14F-4D97-AF65-F5344CB8AC3E}">
-        <p14:creationId xmlns:p14="http://schemas.microsoft.com/office/powerpoint/2010/main" val="2413929373"/>
-      </p:ext>
-    </p:extLst>
   </p:cSld>
   <p:clrMapOvr>
     <a:masterClrMapping/>
@@ -548,13 +915,7 @@
       </p:grpSpPr>
       <p:sp>
         <p:nvSpPr>
-          <p:cNvPr id="2" name="Vertical Title 1">
-            <a:extLst>
-              <a:ext uri="{FF2B5EF4-FFF2-40B4-BE49-F238E27FC236}">
-                <a16:creationId xmlns:a16="http://schemas.microsoft.com/office/drawing/2014/main" id="{EDD5A377-543D-7735-81C9-26036FAE9D8E}"/>
-              </a:ext>
-            </a:extLst>
-          </p:cNvPr>
+          <p:cNvPr id="2" name="Vertical Title 1"/>
           <p:cNvSpPr>
             <a:spLocks noGrp="1"/>
           </p:cNvSpPr>
@@ -576,18 +937,13 @@
               <a:rPr lang="en-US"/>
               <a:t>Click to edit Master title style</a:t>
             </a:r>
-          </a:p>
-        </p:txBody>
-      </p:sp>
-      <p:sp>
-        <p:nvSpPr>
-          <p:cNvPr id="3" name="Vertical Text Placeholder 2">
-            <a:extLst>
-              <a:ext uri="{FF2B5EF4-FFF2-40B4-BE49-F238E27FC236}">
-                <a16:creationId xmlns:a16="http://schemas.microsoft.com/office/drawing/2014/main" id="{C1EC95BE-5AAD-1D8D-89CC-F2A712A34F7F}"/>
-              </a:ext>
-            </a:extLst>
-          </p:cNvPr>
+            <a:endParaRPr lang="en-US"/>
+          </a:p>
+        </p:txBody>
+      </p:sp>
+      <p:sp>
+        <p:nvSpPr>
+          <p:cNvPr id="3" name="Vertical Text Placeholder 2"/>
           <p:cNvSpPr>
             <a:spLocks noGrp="1"/>
           </p:cNvSpPr>
@@ -610,6 +966,7 @@
               <a:rPr lang="en-US"/>
               <a:t>Click to edit Master text styles</a:t>
             </a:r>
+            <a:endParaRPr lang="en-US"/>
           </a:p>
           <a:p>
             <a:pPr lvl="1"/>
@@ -617,6 +974,7 @@
               <a:rPr lang="en-US"/>
               <a:t>Second level</a:t>
             </a:r>
+            <a:endParaRPr lang="en-US"/>
           </a:p>
           <a:p>
             <a:pPr lvl="2"/>
@@ -624,6 +982,7 @@
               <a:rPr lang="en-US"/>
               <a:t>Third level</a:t>
             </a:r>
+            <a:endParaRPr lang="en-US"/>
           </a:p>
           <a:p>
             <a:pPr lvl="3"/>
@@ -631,6 +990,7 @@
               <a:rPr lang="en-US"/>
               <a:t>Fourth level</a:t>
             </a:r>
+            <a:endParaRPr lang="en-US"/>
           </a:p>
           <a:p>
             <a:pPr lvl="4"/>
@@ -638,18 +998,13 @@
               <a:rPr lang="en-US"/>
               <a:t>Fifth level</a:t>
             </a:r>
-          </a:p>
-        </p:txBody>
-      </p:sp>
-      <p:sp>
-        <p:nvSpPr>
-          <p:cNvPr id="4" name="Date Placeholder 3">
-            <a:extLst>
-              <a:ext uri="{FF2B5EF4-FFF2-40B4-BE49-F238E27FC236}">
-                <a16:creationId xmlns:a16="http://schemas.microsoft.com/office/drawing/2014/main" id="{7CF5D0A6-5E37-2414-4FC1-4F10D39B2D05}"/>
-              </a:ext>
-            </a:extLst>
-          </p:cNvPr>
+            <a:endParaRPr lang="en-US"/>
+          </a:p>
+        </p:txBody>
+      </p:sp>
+      <p:sp>
+        <p:nvSpPr>
+          <p:cNvPr id="4" name="Date Placeholder 3"/>
           <p:cNvSpPr>
             <a:spLocks noGrp="1"/>
           </p:cNvSpPr>
@@ -664,7 +1019,6 @@
           <a:p>
             <a:fld id="{FBA2BC42-914E-4530-9991-6E582F6133C1}" type="datetimeFigureOut">
               <a:rPr lang="en-US" smtClean="0"/>
-              <a:t>9/16/2025</a:t>
             </a:fld>
             <a:endParaRPr lang="en-US"/>
           </a:p>
@@ -672,13 +1026,7 @@
       </p:sp>
       <p:sp>
         <p:nvSpPr>
-          <p:cNvPr id="5" name="Footer Placeholder 4">
-            <a:extLst>
-              <a:ext uri="{FF2B5EF4-FFF2-40B4-BE49-F238E27FC236}">
-                <a16:creationId xmlns:a16="http://schemas.microsoft.com/office/drawing/2014/main" id="{4642ECAB-6AED-16C0-5FB8-D0256E519B8C}"/>
-              </a:ext>
-            </a:extLst>
-          </p:cNvPr>
+          <p:cNvPr id="5" name="Footer Placeholder 4"/>
           <p:cNvSpPr>
             <a:spLocks noGrp="1"/>
           </p:cNvSpPr>
@@ -697,13 +1045,7 @@
       </p:sp>
       <p:sp>
         <p:nvSpPr>
-          <p:cNvPr id="6" name="Slide Number Placeholder 5">
-            <a:extLst>
-              <a:ext uri="{FF2B5EF4-FFF2-40B4-BE49-F238E27FC236}">
-                <a16:creationId xmlns:a16="http://schemas.microsoft.com/office/drawing/2014/main" id="{C381D953-5C5B-9892-CEAB-1649DC454673}"/>
-              </a:ext>
-            </a:extLst>
-          </p:cNvPr>
+          <p:cNvPr id="6" name="Slide Number Placeholder 5"/>
           <p:cNvSpPr>
             <a:spLocks noGrp="1"/>
           </p:cNvSpPr>
@@ -718,18 +1060,12 @@
           <a:p>
             <a:fld id="{AB0B7D32-87DC-4278-AA91-BC11DFAA815A}" type="slidenum">
               <a:rPr lang="en-US" smtClean="0"/>
-              <a:t>‹#›</a:t>
             </a:fld>
             <a:endParaRPr lang="en-US"/>
           </a:p>
         </p:txBody>
       </p:sp>
     </p:spTree>
-    <p:extLst>
-      <p:ext uri="{BB962C8B-B14F-4D97-AF65-F5344CB8AC3E}">
-        <p14:creationId xmlns:p14="http://schemas.microsoft.com/office/powerpoint/2010/main" val="1442592860"/>
-      </p:ext>
-    </p:extLst>
   </p:cSld>
   <p:clrMapOvr>
     <a:masterClrMapping/>
@@ -756,13 +1092,7 @@
       </p:grpSpPr>
       <p:sp>
         <p:nvSpPr>
-          <p:cNvPr id="2" name="Title 1">
-            <a:extLst>
-              <a:ext uri="{FF2B5EF4-FFF2-40B4-BE49-F238E27FC236}">
-                <a16:creationId xmlns:a16="http://schemas.microsoft.com/office/drawing/2014/main" id="{4929D50F-E492-BFD8-A78D-3D2C34B0284A}"/>
-              </a:ext>
-            </a:extLst>
-          </p:cNvPr>
+          <p:cNvPr id="2" name="Title 1"/>
           <p:cNvSpPr>
             <a:spLocks noGrp="1"/>
           </p:cNvSpPr>
@@ -779,18 +1109,13 @@
               <a:rPr lang="en-US"/>
               <a:t>Click to edit Master title style</a:t>
             </a:r>
-          </a:p>
-        </p:txBody>
-      </p:sp>
-      <p:sp>
-        <p:nvSpPr>
-          <p:cNvPr id="3" name="Content Placeholder 2">
-            <a:extLst>
-              <a:ext uri="{FF2B5EF4-FFF2-40B4-BE49-F238E27FC236}">
-                <a16:creationId xmlns:a16="http://schemas.microsoft.com/office/drawing/2014/main" id="{29C121D3-A6FE-21C5-C7EE-C868B895DBE7}"/>
-              </a:ext>
-            </a:extLst>
-          </p:cNvPr>
+            <a:endParaRPr lang="en-US"/>
+          </a:p>
+        </p:txBody>
+      </p:sp>
+      <p:sp>
+        <p:nvSpPr>
+          <p:cNvPr id="3" name="Content Placeholder 2"/>
           <p:cNvSpPr>
             <a:spLocks noGrp="1"/>
           </p:cNvSpPr>
@@ -808,6 +1133,7 @@
               <a:rPr lang="en-US"/>
               <a:t>Click to edit Master text styles</a:t>
             </a:r>
+            <a:endParaRPr lang="en-US"/>
           </a:p>
           <a:p>
             <a:pPr lvl="1"/>
@@ -815,6 +1141,7 @@
               <a:rPr lang="en-US"/>
               <a:t>Second level</a:t>
             </a:r>
+            <a:endParaRPr lang="en-US"/>
           </a:p>
           <a:p>
             <a:pPr lvl="2"/>
@@ -822,6 +1149,7 @@
               <a:rPr lang="en-US"/>
               <a:t>Third level</a:t>
             </a:r>
+            <a:endParaRPr lang="en-US"/>
           </a:p>
           <a:p>
             <a:pPr lvl="3"/>
@@ -829,6 +1157,7 @@
               <a:rPr lang="en-US"/>
               <a:t>Fourth level</a:t>
             </a:r>
+            <a:endParaRPr lang="en-US"/>
           </a:p>
           <a:p>
             <a:pPr lvl="4"/>
@@ -836,18 +1165,13 @@
               <a:rPr lang="en-US"/>
               <a:t>Fifth level</a:t>
             </a:r>
-          </a:p>
-        </p:txBody>
-      </p:sp>
-      <p:sp>
-        <p:nvSpPr>
-          <p:cNvPr id="4" name="Date Placeholder 3">
-            <a:extLst>
-              <a:ext uri="{FF2B5EF4-FFF2-40B4-BE49-F238E27FC236}">
-                <a16:creationId xmlns:a16="http://schemas.microsoft.com/office/drawing/2014/main" id="{C9D749CB-B070-E5A4-16DA-242DFB1624CE}"/>
-              </a:ext>
-            </a:extLst>
-          </p:cNvPr>
+            <a:endParaRPr lang="en-US"/>
+          </a:p>
+        </p:txBody>
+      </p:sp>
+      <p:sp>
+        <p:nvSpPr>
+          <p:cNvPr id="4" name="Date Placeholder 3"/>
           <p:cNvSpPr>
             <a:spLocks noGrp="1"/>
           </p:cNvSpPr>
@@ -862,7 +1186,6 @@
           <a:p>
             <a:fld id="{FBA2BC42-914E-4530-9991-6E582F6133C1}" type="datetimeFigureOut">
               <a:rPr lang="en-US" smtClean="0"/>
-              <a:t>9/16/2025</a:t>
             </a:fld>
             <a:endParaRPr lang="en-US"/>
           </a:p>
@@ -870,13 +1193,7 @@
       </p:sp>
       <p:sp>
         <p:nvSpPr>
-          <p:cNvPr id="5" name="Footer Placeholder 4">
-            <a:extLst>
-              <a:ext uri="{FF2B5EF4-FFF2-40B4-BE49-F238E27FC236}">
-                <a16:creationId xmlns:a16="http://schemas.microsoft.com/office/drawing/2014/main" id="{1A92903D-11FA-9F79-9197-9ABCC90D18A6}"/>
-              </a:ext>
-            </a:extLst>
-          </p:cNvPr>
+          <p:cNvPr id="5" name="Footer Placeholder 4"/>
           <p:cNvSpPr>
             <a:spLocks noGrp="1"/>
           </p:cNvSpPr>
@@ -895,13 +1212,7 @@
       </p:sp>
       <p:sp>
         <p:nvSpPr>
-          <p:cNvPr id="6" name="Slide Number Placeholder 5">
-            <a:extLst>
-              <a:ext uri="{FF2B5EF4-FFF2-40B4-BE49-F238E27FC236}">
-                <a16:creationId xmlns:a16="http://schemas.microsoft.com/office/drawing/2014/main" id="{FB7B918F-2581-D099-6025-08AFF211491A}"/>
-              </a:ext>
-            </a:extLst>
-          </p:cNvPr>
+          <p:cNvPr id="6" name="Slide Number Placeholder 5"/>
           <p:cNvSpPr>
             <a:spLocks noGrp="1"/>
           </p:cNvSpPr>
@@ -916,18 +1227,12 @@
           <a:p>
             <a:fld id="{AB0B7D32-87DC-4278-AA91-BC11DFAA815A}" type="slidenum">
               <a:rPr lang="en-US" smtClean="0"/>
-              <a:t>‹#›</a:t>
             </a:fld>
             <a:endParaRPr lang="en-US"/>
           </a:p>
         </p:txBody>
       </p:sp>
     </p:spTree>
-    <p:extLst>
-      <p:ext uri="{BB962C8B-B14F-4D97-AF65-F5344CB8AC3E}">
-        <p14:creationId xmlns:p14="http://schemas.microsoft.com/office/powerpoint/2010/main" val="296562118"/>
-      </p:ext>
-    </p:extLst>
   </p:cSld>
   <p:clrMapOvr>
     <a:masterClrMapping/>
@@ -954,13 +1259,7 @@
       </p:grpSpPr>
       <p:sp>
         <p:nvSpPr>
-          <p:cNvPr id="2" name="Title 1">
-            <a:extLst>
-              <a:ext uri="{FF2B5EF4-FFF2-40B4-BE49-F238E27FC236}">
-                <a16:creationId xmlns:a16="http://schemas.microsoft.com/office/drawing/2014/main" id="{E92A8778-44B2-4F90-A856-E089D7F73714}"/>
-              </a:ext>
-            </a:extLst>
-          </p:cNvPr>
+          <p:cNvPr id="2" name="Title 1"/>
           <p:cNvSpPr>
             <a:spLocks noGrp="1"/>
           </p:cNvSpPr>
@@ -986,18 +1285,13 @@
               <a:rPr lang="en-US"/>
               <a:t>Click to edit Master title style</a:t>
             </a:r>
-          </a:p>
-        </p:txBody>
-      </p:sp>
-      <p:sp>
-        <p:nvSpPr>
-          <p:cNvPr id="3" name="Text Placeholder 2">
-            <a:extLst>
-              <a:ext uri="{FF2B5EF4-FFF2-40B4-BE49-F238E27FC236}">
-                <a16:creationId xmlns:a16="http://schemas.microsoft.com/office/drawing/2014/main" id="{92CC180C-6A72-BF60-D3E4-D429F5E06E8A}"/>
-              </a:ext>
-            </a:extLst>
-          </p:cNvPr>
+            <a:endParaRPr lang="en-US"/>
+          </a:p>
+        </p:txBody>
+      </p:sp>
+      <p:sp>
+        <p:nvSpPr>
+          <p:cNvPr id="3" name="Text Placeholder 2"/>
           <p:cNvSpPr>
             <a:spLocks noGrp="1"/>
           </p:cNvSpPr>
@@ -1111,18 +1405,13 @@
               <a:rPr lang="en-US"/>
               <a:t>Click to edit Master text styles</a:t>
             </a:r>
-          </a:p>
-        </p:txBody>
-      </p:sp>
-      <p:sp>
-        <p:nvSpPr>
-          <p:cNvPr id="4" name="Date Placeholder 3">
-            <a:extLst>
-              <a:ext uri="{FF2B5EF4-FFF2-40B4-BE49-F238E27FC236}">
-                <a16:creationId xmlns:a16="http://schemas.microsoft.com/office/drawing/2014/main" id="{0D594187-0B79-72E8-1B50-079AB8AE646D}"/>
-              </a:ext>
-            </a:extLst>
-          </p:cNvPr>
+            <a:endParaRPr lang="en-US"/>
+          </a:p>
+        </p:txBody>
+      </p:sp>
+      <p:sp>
+        <p:nvSpPr>
+          <p:cNvPr id="4" name="Date Placeholder 3"/>
           <p:cNvSpPr>
             <a:spLocks noGrp="1"/>
           </p:cNvSpPr>
@@ -1137,7 +1426,6 @@
           <a:p>
             <a:fld id="{FBA2BC42-914E-4530-9991-6E582F6133C1}" type="datetimeFigureOut">
               <a:rPr lang="en-US" smtClean="0"/>
-              <a:t>9/16/2025</a:t>
             </a:fld>
             <a:endParaRPr lang="en-US"/>
           </a:p>
@@ -1145,13 +1433,7 @@
       </p:sp>
       <p:sp>
         <p:nvSpPr>
-          <p:cNvPr id="5" name="Footer Placeholder 4">
-            <a:extLst>
-              <a:ext uri="{FF2B5EF4-FFF2-40B4-BE49-F238E27FC236}">
-                <a16:creationId xmlns:a16="http://schemas.microsoft.com/office/drawing/2014/main" id="{6E605EC3-744A-2CD3-5C9D-1FA2865514BC}"/>
-              </a:ext>
-            </a:extLst>
-          </p:cNvPr>
+          <p:cNvPr id="5" name="Footer Placeholder 4"/>
           <p:cNvSpPr>
             <a:spLocks noGrp="1"/>
           </p:cNvSpPr>
@@ -1170,13 +1452,7 @@
       </p:sp>
       <p:sp>
         <p:nvSpPr>
-          <p:cNvPr id="6" name="Slide Number Placeholder 5">
-            <a:extLst>
-              <a:ext uri="{FF2B5EF4-FFF2-40B4-BE49-F238E27FC236}">
-                <a16:creationId xmlns:a16="http://schemas.microsoft.com/office/drawing/2014/main" id="{24A5773E-0D94-6D35-D68E-F8B5C302CCAB}"/>
-              </a:ext>
-            </a:extLst>
-          </p:cNvPr>
+          <p:cNvPr id="6" name="Slide Number Placeholder 5"/>
           <p:cNvSpPr>
             <a:spLocks noGrp="1"/>
           </p:cNvSpPr>
@@ -1191,18 +1467,12 @@
           <a:p>
             <a:fld id="{AB0B7D32-87DC-4278-AA91-BC11DFAA815A}" type="slidenum">
               <a:rPr lang="en-US" smtClean="0"/>
-              <a:t>‹#›</a:t>
             </a:fld>
             <a:endParaRPr lang="en-US"/>
           </a:p>
         </p:txBody>
       </p:sp>
     </p:spTree>
-    <p:extLst>
-      <p:ext uri="{BB962C8B-B14F-4D97-AF65-F5344CB8AC3E}">
-        <p14:creationId xmlns:p14="http://schemas.microsoft.com/office/powerpoint/2010/main" val="2509995879"/>
-      </p:ext>
-    </p:extLst>
   </p:cSld>
   <p:clrMapOvr>
     <a:masterClrMapping/>
@@ -1229,13 +1499,7 @@
       </p:grpSpPr>
       <p:sp>
         <p:nvSpPr>
-          <p:cNvPr id="2" name="Title 1">
-            <a:extLst>
-              <a:ext uri="{FF2B5EF4-FFF2-40B4-BE49-F238E27FC236}">
-                <a16:creationId xmlns:a16="http://schemas.microsoft.com/office/drawing/2014/main" id="{CB725823-554E-84A0-6599-854D55CF85C3}"/>
-              </a:ext>
-            </a:extLst>
-          </p:cNvPr>
+          <p:cNvPr id="2" name="Title 1"/>
           <p:cNvSpPr>
             <a:spLocks noGrp="1"/>
           </p:cNvSpPr>
@@ -1252,18 +1516,13 @@
               <a:rPr lang="en-US"/>
               <a:t>Click to edit Master title style</a:t>
             </a:r>
-          </a:p>
-        </p:txBody>
-      </p:sp>
-      <p:sp>
-        <p:nvSpPr>
-          <p:cNvPr id="3" name="Content Placeholder 2">
-            <a:extLst>
-              <a:ext uri="{FF2B5EF4-FFF2-40B4-BE49-F238E27FC236}">
-                <a16:creationId xmlns:a16="http://schemas.microsoft.com/office/drawing/2014/main" id="{CD3C3FC2-0D1C-43F0-814D-0C2C95F118B9}"/>
-              </a:ext>
-            </a:extLst>
-          </p:cNvPr>
+            <a:endParaRPr lang="en-US"/>
+          </a:p>
+        </p:txBody>
+      </p:sp>
+      <p:sp>
+        <p:nvSpPr>
+          <p:cNvPr id="3" name="Content Placeholder 2"/>
           <p:cNvSpPr>
             <a:spLocks noGrp="1"/>
           </p:cNvSpPr>
@@ -1286,6 +1545,7 @@
               <a:rPr lang="en-US"/>
               <a:t>Click to edit Master text styles</a:t>
             </a:r>
+            <a:endParaRPr lang="en-US"/>
           </a:p>
           <a:p>
             <a:pPr lvl="1"/>
@@ -1293,6 +1553,7 @@
               <a:rPr lang="en-US"/>
               <a:t>Second level</a:t>
             </a:r>
+            <a:endParaRPr lang="en-US"/>
           </a:p>
           <a:p>
             <a:pPr lvl="2"/>
@@ -1300,6 +1561,7 @@
               <a:rPr lang="en-US"/>
               <a:t>Third level</a:t>
             </a:r>
+            <a:endParaRPr lang="en-US"/>
           </a:p>
           <a:p>
             <a:pPr lvl="3"/>
@@ -1307,6 +1569,7 @@
               <a:rPr lang="en-US"/>
               <a:t>Fourth level</a:t>
             </a:r>
+            <a:endParaRPr lang="en-US"/>
           </a:p>
           <a:p>
             <a:pPr lvl="4"/>
@@ -1314,18 +1577,13 @@
               <a:rPr lang="en-US"/>
               <a:t>Fifth level</a:t>
             </a:r>
-          </a:p>
-        </p:txBody>
-      </p:sp>
-      <p:sp>
-        <p:nvSpPr>
-          <p:cNvPr id="4" name="Content Placeholder 3">
-            <a:extLst>
-              <a:ext uri="{FF2B5EF4-FFF2-40B4-BE49-F238E27FC236}">
-                <a16:creationId xmlns:a16="http://schemas.microsoft.com/office/drawing/2014/main" id="{2CA8FAE2-4D8A-6A1C-D7B2-725B550F416A}"/>
-              </a:ext>
-            </a:extLst>
-          </p:cNvPr>
+            <a:endParaRPr lang="en-US"/>
+          </a:p>
+        </p:txBody>
+      </p:sp>
+      <p:sp>
+        <p:nvSpPr>
+          <p:cNvPr id="4" name="Content Placeholder 3"/>
           <p:cNvSpPr>
             <a:spLocks noGrp="1"/>
           </p:cNvSpPr>
@@ -1348,6 +1606,7 @@
               <a:rPr lang="en-US"/>
               <a:t>Click to edit Master text styles</a:t>
             </a:r>
+            <a:endParaRPr lang="en-US"/>
           </a:p>
           <a:p>
             <a:pPr lvl="1"/>
@@ -1355,6 +1614,7 @@
               <a:rPr lang="en-US"/>
               <a:t>Second level</a:t>
             </a:r>
+            <a:endParaRPr lang="en-US"/>
           </a:p>
           <a:p>
             <a:pPr lvl="2"/>
@@ -1362,6 +1622,7 @@
               <a:rPr lang="en-US"/>
               <a:t>Third level</a:t>
             </a:r>
+            <a:endParaRPr lang="en-US"/>
           </a:p>
           <a:p>
             <a:pPr lvl="3"/>
@@ -1369,6 +1630,7 @@
               <a:rPr lang="en-US"/>
               <a:t>Fourth level</a:t>
             </a:r>
+            <a:endParaRPr lang="en-US"/>
           </a:p>
           <a:p>
             <a:pPr lvl="4"/>
@@ -1376,18 +1638,13 @@
               <a:rPr lang="en-US"/>
               <a:t>Fifth level</a:t>
             </a:r>
-          </a:p>
-        </p:txBody>
-      </p:sp>
-      <p:sp>
-        <p:nvSpPr>
-          <p:cNvPr id="5" name="Date Placeholder 4">
-            <a:extLst>
-              <a:ext uri="{FF2B5EF4-FFF2-40B4-BE49-F238E27FC236}">
-                <a16:creationId xmlns:a16="http://schemas.microsoft.com/office/drawing/2014/main" id="{6DAD1BBA-C9DD-3BC4-FD31-A1F98163121D}"/>
-              </a:ext>
-            </a:extLst>
-          </p:cNvPr>
+            <a:endParaRPr lang="en-US"/>
+          </a:p>
+        </p:txBody>
+      </p:sp>
+      <p:sp>
+        <p:nvSpPr>
+          <p:cNvPr id="5" name="Date Placeholder 4"/>
           <p:cNvSpPr>
             <a:spLocks noGrp="1"/>
           </p:cNvSpPr>
@@ -1402,7 +1659,6 @@
           <a:p>
             <a:fld id="{FBA2BC42-914E-4530-9991-6E582F6133C1}" type="datetimeFigureOut">
               <a:rPr lang="en-US" smtClean="0"/>
-              <a:t>9/16/2025</a:t>
             </a:fld>
             <a:endParaRPr lang="en-US"/>
           </a:p>
@@ -1410,13 +1666,7 @@
       </p:sp>
       <p:sp>
         <p:nvSpPr>
-          <p:cNvPr id="6" name="Footer Placeholder 5">
-            <a:extLst>
-              <a:ext uri="{FF2B5EF4-FFF2-40B4-BE49-F238E27FC236}">
-                <a16:creationId xmlns:a16="http://schemas.microsoft.com/office/drawing/2014/main" id="{9375BE63-2401-E2E5-4681-40CB0744232A}"/>
-              </a:ext>
-            </a:extLst>
-          </p:cNvPr>
+          <p:cNvPr id="6" name="Footer Placeholder 5"/>
           <p:cNvSpPr>
             <a:spLocks noGrp="1"/>
           </p:cNvSpPr>
@@ -1435,13 +1685,7 @@
       </p:sp>
       <p:sp>
         <p:nvSpPr>
-          <p:cNvPr id="7" name="Slide Number Placeholder 6">
-            <a:extLst>
-              <a:ext uri="{FF2B5EF4-FFF2-40B4-BE49-F238E27FC236}">
-                <a16:creationId xmlns:a16="http://schemas.microsoft.com/office/drawing/2014/main" id="{144B3B12-8B48-839A-4099-84372103D051}"/>
-              </a:ext>
-            </a:extLst>
-          </p:cNvPr>
+          <p:cNvPr id="7" name="Slide Number Placeholder 6"/>
           <p:cNvSpPr>
             <a:spLocks noGrp="1"/>
           </p:cNvSpPr>
@@ -1456,18 +1700,12 @@
           <a:p>
             <a:fld id="{AB0B7D32-87DC-4278-AA91-BC11DFAA815A}" type="slidenum">
               <a:rPr lang="en-US" smtClean="0"/>
-              <a:t>‹#›</a:t>
             </a:fld>
             <a:endParaRPr lang="en-US"/>
           </a:p>
         </p:txBody>
       </p:sp>
     </p:spTree>
-    <p:extLst>
-      <p:ext uri="{BB962C8B-B14F-4D97-AF65-F5344CB8AC3E}">
-        <p14:creationId xmlns:p14="http://schemas.microsoft.com/office/powerpoint/2010/main" val="1027851965"/>
-      </p:ext>
-    </p:extLst>
   </p:cSld>
   <p:clrMapOvr>
     <a:masterClrMapping/>
@@ -1494,13 +1732,7 @@
       </p:grpSpPr>
       <p:sp>
         <p:nvSpPr>
-          <p:cNvPr id="2" name="Title 1">
-            <a:extLst>
-              <a:ext uri="{FF2B5EF4-FFF2-40B4-BE49-F238E27FC236}">
-                <a16:creationId xmlns:a16="http://schemas.microsoft.com/office/drawing/2014/main" id="{C388133B-A87E-FB4B-2C9B-25544B6B125C}"/>
-              </a:ext>
-            </a:extLst>
-          </p:cNvPr>
+          <p:cNvPr id="2" name="Title 1"/>
           <p:cNvSpPr>
             <a:spLocks noGrp="1"/>
           </p:cNvSpPr>
@@ -1522,18 +1754,13 @@
               <a:rPr lang="en-US"/>
               <a:t>Click to edit Master title style</a:t>
             </a:r>
-          </a:p>
-        </p:txBody>
-      </p:sp>
-      <p:sp>
-        <p:nvSpPr>
-          <p:cNvPr id="3" name="Text Placeholder 2">
-            <a:extLst>
-              <a:ext uri="{FF2B5EF4-FFF2-40B4-BE49-F238E27FC236}">
-                <a16:creationId xmlns:a16="http://schemas.microsoft.com/office/drawing/2014/main" id="{F93322E2-15BA-7B26-D308-D48D9B2CEC74}"/>
-              </a:ext>
-            </a:extLst>
-          </p:cNvPr>
+            <a:endParaRPr lang="en-US"/>
+          </a:p>
+        </p:txBody>
+      </p:sp>
+      <p:sp>
+        <p:nvSpPr>
+          <p:cNvPr id="3" name="Text Placeholder 2"/>
           <p:cNvSpPr>
             <a:spLocks noGrp="1"/>
           </p:cNvSpPr>
@@ -1593,18 +1820,13 @@
               <a:rPr lang="en-US"/>
               <a:t>Click to edit Master text styles</a:t>
             </a:r>
-          </a:p>
-        </p:txBody>
-      </p:sp>
-      <p:sp>
-        <p:nvSpPr>
-          <p:cNvPr id="4" name="Content Placeholder 3">
-            <a:extLst>
-              <a:ext uri="{FF2B5EF4-FFF2-40B4-BE49-F238E27FC236}">
-                <a16:creationId xmlns:a16="http://schemas.microsoft.com/office/drawing/2014/main" id="{7A9F4EB6-79C7-0840-BFB8-31E5CF38A30F}"/>
-              </a:ext>
-            </a:extLst>
-          </p:cNvPr>
+            <a:endParaRPr lang="en-US"/>
+          </a:p>
+        </p:txBody>
+      </p:sp>
+      <p:sp>
+        <p:nvSpPr>
+          <p:cNvPr id="4" name="Content Placeholder 3"/>
           <p:cNvSpPr>
             <a:spLocks noGrp="1"/>
           </p:cNvSpPr>
@@ -1627,6 +1849,7 @@
               <a:rPr lang="en-US"/>
               <a:t>Click to edit Master text styles</a:t>
             </a:r>
+            <a:endParaRPr lang="en-US"/>
           </a:p>
           <a:p>
             <a:pPr lvl="1"/>
@@ -1634,6 +1857,7 @@
               <a:rPr lang="en-US"/>
               <a:t>Second level</a:t>
             </a:r>
+            <a:endParaRPr lang="en-US"/>
           </a:p>
           <a:p>
             <a:pPr lvl="2"/>
@@ -1641,6 +1865,7 @@
               <a:rPr lang="en-US"/>
               <a:t>Third level</a:t>
             </a:r>
+            <a:endParaRPr lang="en-US"/>
           </a:p>
           <a:p>
             <a:pPr lvl="3"/>
@@ -1648,6 +1873,7 @@
               <a:rPr lang="en-US"/>
               <a:t>Fourth level</a:t>
             </a:r>
+            <a:endParaRPr lang="en-US"/>
           </a:p>
           <a:p>
             <a:pPr lvl="4"/>
@@ -1655,18 +1881,13 @@
               <a:rPr lang="en-US"/>
               <a:t>Fifth level</a:t>
             </a:r>
-          </a:p>
-        </p:txBody>
-      </p:sp>
-      <p:sp>
-        <p:nvSpPr>
-          <p:cNvPr id="5" name="Text Placeholder 4">
-            <a:extLst>
-              <a:ext uri="{FF2B5EF4-FFF2-40B4-BE49-F238E27FC236}">
-                <a16:creationId xmlns:a16="http://schemas.microsoft.com/office/drawing/2014/main" id="{80C35C30-3028-841A-FC84-595B39CDF34F}"/>
-              </a:ext>
-            </a:extLst>
-          </p:cNvPr>
+            <a:endParaRPr lang="en-US"/>
+          </a:p>
+        </p:txBody>
+      </p:sp>
+      <p:sp>
+        <p:nvSpPr>
+          <p:cNvPr id="5" name="Text Placeholder 4"/>
           <p:cNvSpPr>
             <a:spLocks noGrp="1"/>
           </p:cNvSpPr>
@@ -1726,18 +1947,13 @@
               <a:rPr lang="en-US"/>
               <a:t>Click to edit Master text styles</a:t>
             </a:r>
-          </a:p>
-        </p:txBody>
-      </p:sp>
-      <p:sp>
-        <p:nvSpPr>
-          <p:cNvPr id="6" name="Content Placeholder 5">
-            <a:extLst>
-              <a:ext uri="{FF2B5EF4-FFF2-40B4-BE49-F238E27FC236}">
-                <a16:creationId xmlns:a16="http://schemas.microsoft.com/office/drawing/2014/main" id="{D3DB6663-ED75-51AA-C907-1C72A55C6F43}"/>
-              </a:ext>
-            </a:extLst>
-          </p:cNvPr>
+            <a:endParaRPr lang="en-US"/>
+          </a:p>
+        </p:txBody>
+      </p:sp>
+      <p:sp>
+        <p:nvSpPr>
+          <p:cNvPr id="6" name="Content Placeholder 5"/>
           <p:cNvSpPr>
             <a:spLocks noGrp="1"/>
           </p:cNvSpPr>
@@ -1760,6 +1976,7 @@
               <a:rPr lang="en-US"/>
               <a:t>Click to edit Master text styles</a:t>
             </a:r>
+            <a:endParaRPr lang="en-US"/>
           </a:p>
           <a:p>
             <a:pPr lvl="1"/>
@@ -1767,6 +1984,7 @@
               <a:rPr lang="en-US"/>
               <a:t>Second level</a:t>
             </a:r>
+            <a:endParaRPr lang="en-US"/>
           </a:p>
           <a:p>
             <a:pPr lvl="2"/>
@@ -1774,6 +1992,7 @@
               <a:rPr lang="en-US"/>
               <a:t>Third level</a:t>
             </a:r>
+            <a:endParaRPr lang="en-US"/>
           </a:p>
           <a:p>
             <a:pPr lvl="3"/>
@@ -1781,6 +2000,7 @@
               <a:rPr lang="en-US"/>
               <a:t>Fourth level</a:t>
             </a:r>
+            <a:endParaRPr lang="en-US"/>
           </a:p>
           <a:p>
             <a:pPr lvl="4"/>
@@ -1788,18 +2008,13 @@
               <a:rPr lang="en-US"/>
               <a:t>Fifth level</a:t>
             </a:r>
-          </a:p>
-        </p:txBody>
-      </p:sp>
-      <p:sp>
-        <p:nvSpPr>
-          <p:cNvPr id="7" name="Date Placeholder 6">
-            <a:extLst>
-              <a:ext uri="{FF2B5EF4-FFF2-40B4-BE49-F238E27FC236}">
-                <a16:creationId xmlns:a16="http://schemas.microsoft.com/office/drawing/2014/main" id="{68898FD9-A6AE-BEFD-AB80-E850D5BCA7F7}"/>
-              </a:ext>
-            </a:extLst>
-          </p:cNvPr>
+            <a:endParaRPr lang="en-US"/>
+          </a:p>
+        </p:txBody>
+      </p:sp>
+      <p:sp>
+        <p:nvSpPr>
+          <p:cNvPr id="7" name="Date Placeholder 6"/>
           <p:cNvSpPr>
             <a:spLocks noGrp="1"/>
           </p:cNvSpPr>
@@ -1814,7 +2029,6 @@
           <a:p>
             <a:fld id="{FBA2BC42-914E-4530-9991-6E582F6133C1}" type="datetimeFigureOut">
               <a:rPr lang="en-US" smtClean="0"/>
-              <a:t>9/16/2025</a:t>
             </a:fld>
             <a:endParaRPr lang="en-US"/>
           </a:p>
@@ -1822,13 +2036,7 @@
       </p:sp>
       <p:sp>
         <p:nvSpPr>
-          <p:cNvPr id="8" name="Footer Placeholder 7">
-            <a:extLst>
-              <a:ext uri="{FF2B5EF4-FFF2-40B4-BE49-F238E27FC236}">
-                <a16:creationId xmlns:a16="http://schemas.microsoft.com/office/drawing/2014/main" id="{112EFF9A-C3AB-C706-94FF-66D24F82FC32}"/>
-              </a:ext>
-            </a:extLst>
-          </p:cNvPr>
+          <p:cNvPr id="8" name="Footer Placeholder 7"/>
           <p:cNvSpPr>
             <a:spLocks noGrp="1"/>
           </p:cNvSpPr>
@@ -1847,13 +2055,7 @@
       </p:sp>
       <p:sp>
         <p:nvSpPr>
-          <p:cNvPr id="9" name="Slide Number Placeholder 8">
-            <a:extLst>
-              <a:ext uri="{FF2B5EF4-FFF2-40B4-BE49-F238E27FC236}">
-                <a16:creationId xmlns:a16="http://schemas.microsoft.com/office/drawing/2014/main" id="{4E3215FA-825C-E407-5043-D555AB92E480}"/>
-              </a:ext>
-            </a:extLst>
-          </p:cNvPr>
+          <p:cNvPr id="9" name="Slide Number Placeholder 8"/>
           <p:cNvSpPr>
             <a:spLocks noGrp="1"/>
           </p:cNvSpPr>
@@ -1868,18 +2070,12 @@
           <a:p>
             <a:fld id="{AB0B7D32-87DC-4278-AA91-BC11DFAA815A}" type="slidenum">
               <a:rPr lang="en-US" smtClean="0"/>
-              <a:t>‹#›</a:t>
             </a:fld>
             <a:endParaRPr lang="en-US"/>
           </a:p>
         </p:txBody>
       </p:sp>
     </p:spTree>
-    <p:extLst>
-      <p:ext uri="{BB962C8B-B14F-4D97-AF65-F5344CB8AC3E}">
-        <p14:creationId xmlns:p14="http://schemas.microsoft.com/office/powerpoint/2010/main" val="1843569481"/>
-      </p:ext>
-    </p:extLst>
   </p:cSld>
   <p:clrMapOvr>
     <a:masterClrMapping/>
@@ -1906,13 +2102,7 @@
       </p:grpSpPr>
       <p:sp>
         <p:nvSpPr>
-          <p:cNvPr id="2" name="Title 1">
-            <a:extLst>
-              <a:ext uri="{FF2B5EF4-FFF2-40B4-BE49-F238E27FC236}">
-                <a16:creationId xmlns:a16="http://schemas.microsoft.com/office/drawing/2014/main" id="{D3CEBE7B-3EF7-38FA-AFE8-D2CDA020B950}"/>
-              </a:ext>
-            </a:extLst>
-          </p:cNvPr>
+          <p:cNvPr id="2" name="Title 1"/>
           <p:cNvSpPr>
             <a:spLocks noGrp="1"/>
           </p:cNvSpPr>
@@ -1929,18 +2119,13 @@
               <a:rPr lang="en-US"/>
               <a:t>Click to edit Master title style</a:t>
             </a:r>
-          </a:p>
-        </p:txBody>
-      </p:sp>
-      <p:sp>
-        <p:nvSpPr>
-          <p:cNvPr id="3" name="Date Placeholder 2">
-            <a:extLst>
-              <a:ext uri="{FF2B5EF4-FFF2-40B4-BE49-F238E27FC236}">
-                <a16:creationId xmlns:a16="http://schemas.microsoft.com/office/drawing/2014/main" id="{3303C97F-01C4-DDDF-CB3B-F29F73E171F5}"/>
-              </a:ext>
-            </a:extLst>
-          </p:cNvPr>
+            <a:endParaRPr lang="en-US"/>
+          </a:p>
+        </p:txBody>
+      </p:sp>
+      <p:sp>
+        <p:nvSpPr>
+          <p:cNvPr id="3" name="Date Placeholder 2"/>
           <p:cNvSpPr>
             <a:spLocks noGrp="1"/>
           </p:cNvSpPr>
@@ -1955,7 +2140,6 @@
           <a:p>
             <a:fld id="{FBA2BC42-914E-4530-9991-6E582F6133C1}" type="datetimeFigureOut">
               <a:rPr lang="en-US" smtClean="0"/>
-              <a:t>9/16/2025</a:t>
             </a:fld>
             <a:endParaRPr lang="en-US"/>
           </a:p>
@@ -1963,13 +2147,7 @@
       </p:sp>
       <p:sp>
         <p:nvSpPr>
-          <p:cNvPr id="4" name="Footer Placeholder 3">
-            <a:extLst>
-              <a:ext uri="{FF2B5EF4-FFF2-40B4-BE49-F238E27FC236}">
-                <a16:creationId xmlns:a16="http://schemas.microsoft.com/office/drawing/2014/main" id="{A33EFC54-27D2-31E5-2F41-F7E11595C411}"/>
-              </a:ext>
-            </a:extLst>
-          </p:cNvPr>
+          <p:cNvPr id="4" name="Footer Placeholder 3"/>
           <p:cNvSpPr>
             <a:spLocks noGrp="1"/>
           </p:cNvSpPr>
@@ -1988,13 +2166,7 @@
       </p:sp>
       <p:sp>
         <p:nvSpPr>
-          <p:cNvPr id="5" name="Slide Number Placeholder 4">
-            <a:extLst>
-              <a:ext uri="{FF2B5EF4-FFF2-40B4-BE49-F238E27FC236}">
-                <a16:creationId xmlns:a16="http://schemas.microsoft.com/office/drawing/2014/main" id="{806618B7-D13C-30F9-80E8-1E054CE53BF7}"/>
-              </a:ext>
-            </a:extLst>
-          </p:cNvPr>
+          <p:cNvPr id="5" name="Slide Number Placeholder 4"/>
           <p:cNvSpPr>
             <a:spLocks noGrp="1"/>
           </p:cNvSpPr>
@@ -2009,18 +2181,12 @@
           <a:p>
             <a:fld id="{AB0B7D32-87DC-4278-AA91-BC11DFAA815A}" type="slidenum">
               <a:rPr lang="en-US" smtClean="0"/>
-              <a:t>‹#›</a:t>
             </a:fld>
             <a:endParaRPr lang="en-US"/>
           </a:p>
         </p:txBody>
       </p:sp>
     </p:spTree>
-    <p:extLst>
-      <p:ext uri="{BB962C8B-B14F-4D97-AF65-F5344CB8AC3E}">
-        <p14:creationId xmlns:p14="http://schemas.microsoft.com/office/powerpoint/2010/main" val="3493158233"/>
-      </p:ext>
-    </p:extLst>
   </p:cSld>
   <p:clrMapOvr>
     <a:masterClrMapping/>
@@ -2047,13 +2213,7 @@
       </p:grpSpPr>
       <p:sp>
         <p:nvSpPr>
-          <p:cNvPr id="2" name="Date Placeholder 1">
-            <a:extLst>
-              <a:ext uri="{FF2B5EF4-FFF2-40B4-BE49-F238E27FC236}">
-                <a16:creationId xmlns:a16="http://schemas.microsoft.com/office/drawing/2014/main" id="{842FB8D6-485A-BE29-3311-21364E198342}"/>
-              </a:ext>
-            </a:extLst>
-          </p:cNvPr>
+          <p:cNvPr id="2" name="Date Placeholder 1"/>
           <p:cNvSpPr>
             <a:spLocks noGrp="1"/>
           </p:cNvSpPr>
@@ -2068,7 +2228,6 @@
           <a:p>
             <a:fld id="{FBA2BC42-914E-4530-9991-6E582F6133C1}" type="datetimeFigureOut">
               <a:rPr lang="en-US" smtClean="0"/>
-              <a:t>9/16/2025</a:t>
             </a:fld>
             <a:endParaRPr lang="en-US"/>
           </a:p>
@@ -2076,13 +2235,7 @@
       </p:sp>
       <p:sp>
         <p:nvSpPr>
-          <p:cNvPr id="3" name="Footer Placeholder 2">
-            <a:extLst>
-              <a:ext uri="{FF2B5EF4-FFF2-40B4-BE49-F238E27FC236}">
-                <a16:creationId xmlns:a16="http://schemas.microsoft.com/office/drawing/2014/main" id="{1A722200-57B3-7071-9BA2-3DC85CA0B617}"/>
-              </a:ext>
-            </a:extLst>
-          </p:cNvPr>
+          <p:cNvPr id="3" name="Footer Placeholder 2"/>
           <p:cNvSpPr>
             <a:spLocks noGrp="1"/>
           </p:cNvSpPr>
@@ -2101,13 +2254,7 @@
       </p:sp>
       <p:sp>
         <p:nvSpPr>
-          <p:cNvPr id="4" name="Slide Number Placeholder 3">
-            <a:extLst>
-              <a:ext uri="{FF2B5EF4-FFF2-40B4-BE49-F238E27FC236}">
-                <a16:creationId xmlns:a16="http://schemas.microsoft.com/office/drawing/2014/main" id="{18CA33C9-F0F1-D964-E1BD-EB73A57B2761}"/>
-              </a:ext>
-            </a:extLst>
-          </p:cNvPr>
+          <p:cNvPr id="4" name="Slide Number Placeholder 3"/>
           <p:cNvSpPr>
             <a:spLocks noGrp="1"/>
           </p:cNvSpPr>
@@ -2122,18 +2269,12 @@
           <a:p>
             <a:fld id="{AB0B7D32-87DC-4278-AA91-BC11DFAA815A}" type="slidenum">
               <a:rPr lang="en-US" smtClean="0"/>
-              <a:t>‹#›</a:t>
             </a:fld>
             <a:endParaRPr lang="en-US"/>
           </a:p>
         </p:txBody>
       </p:sp>
     </p:spTree>
-    <p:extLst>
-      <p:ext uri="{BB962C8B-B14F-4D97-AF65-F5344CB8AC3E}">
-        <p14:creationId xmlns:p14="http://schemas.microsoft.com/office/powerpoint/2010/main" val="2242016333"/>
-      </p:ext>
-    </p:extLst>
   </p:cSld>
   <p:clrMapOvr>
     <a:masterClrMapping/>
@@ -2160,13 +2301,7 @@
       </p:grpSpPr>
       <p:sp>
         <p:nvSpPr>
-          <p:cNvPr id="2" name="Title 1">
-            <a:extLst>
-              <a:ext uri="{FF2B5EF4-FFF2-40B4-BE49-F238E27FC236}">
-                <a16:creationId xmlns:a16="http://schemas.microsoft.com/office/drawing/2014/main" id="{70C911F9-2598-CBE7-84D6-C52BB86D4084}"/>
-              </a:ext>
-            </a:extLst>
-          </p:cNvPr>
+          <p:cNvPr id="2" name="Title 1"/>
           <p:cNvSpPr>
             <a:spLocks noGrp="1"/>
           </p:cNvSpPr>
@@ -2192,18 +2327,13 @@
               <a:rPr lang="en-US"/>
               <a:t>Click to edit Master title style</a:t>
             </a:r>
-          </a:p>
-        </p:txBody>
-      </p:sp>
-      <p:sp>
-        <p:nvSpPr>
-          <p:cNvPr id="3" name="Content Placeholder 2">
-            <a:extLst>
-              <a:ext uri="{FF2B5EF4-FFF2-40B4-BE49-F238E27FC236}">
-                <a16:creationId xmlns:a16="http://schemas.microsoft.com/office/drawing/2014/main" id="{B4155511-F9CB-FDCD-4B5E-5CF2B0019156}"/>
-              </a:ext>
-            </a:extLst>
-          </p:cNvPr>
+            <a:endParaRPr lang="en-US"/>
+          </a:p>
+        </p:txBody>
+      </p:sp>
+      <p:sp>
+        <p:nvSpPr>
+          <p:cNvPr id="3" name="Content Placeholder 2"/>
           <p:cNvSpPr>
             <a:spLocks noGrp="1"/>
           </p:cNvSpPr>
@@ -2254,6 +2384,7 @@
               <a:rPr lang="en-US"/>
               <a:t>Click to edit Master text styles</a:t>
             </a:r>
+            <a:endParaRPr lang="en-US"/>
           </a:p>
           <a:p>
             <a:pPr lvl="1"/>
@@ -2261,6 +2392,7 @@
               <a:rPr lang="en-US"/>
               <a:t>Second level</a:t>
             </a:r>
+            <a:endParaRPr lang="en-US"/>
           </a:p>
           <a:p>
             <a:pPr lvl="2"/>
@@ -2268,6 +2400,7 @@
               <a:rPr lang="en-US"/>
               <a:t>Third level</a:t>
             </a:r>
+            <a:endParaRPr lang="en-US"/>
           </a:p>
           <a:p>
             <a:pPr lvl="3"/>
@@ -2275,6 +2408,7 @@
               <a:rPr lang="en-US"/>
               <a:t>Fourth level</a:t>
             </a:r>
+            <a:endParaRPr lang="en-US"/>
           </a:p>
           <a:p>
             <a:pPr lvl="4"/>
@@ -2282,18 +2416,13 @@
               <a:rPr lang="en-US"/>
               <a:t>Fifth level</a:t>
             </a:r>
-          </a:p>
-        </p:txBody>
-      </p:sp>
-      <p:sp>
-        <p:nvSpPr>
-          <p:cNvPr id="4" name="Text Placeholder 3">
-            <a:extLst>
-              <a:ext uri="{FF2B5EF4-FFF2-40B4-BE49-F238E27FC236}">
-                <a16:creationId xmlns:a16="http://schemas.microsoft.com/office/drawing/2014/main" id="{1B6428DD-F76C-45F3-CD7D-F5746AC2E167}"/>
-              </a:ext>
-            </a:extLst>
-          </p:cNvPr>
+            <a:endParaRPr lang="en-US"/>
+          </a:p>
+        </p:txBody>
+      </p:sp>
+      <p:sp>
+        <p:nvSpPr>
+          <p:cNvPr id="4" name="Text Placeholder 3"/>
           <p:cNvSpPr>
             <a:spLocks noGrp="1"/>
           </p:cNvSpPr>
@@ -2353,18 +2482,13 @@
               <a:rPr lang="en-US"/>
               <a:t>Click to edit Master text styles</a:t>
             </a:r>
-          </a:p>
-        </p:txBody>
-      </p:sp>
-      <p:sp>
-        <p:nvSpPr>
-          <p:cNvPr id="5" name="Date Placeholder 4">
-            <a:extLst>
-              <a:ext uri="{FF2B5EF4-FFF2-40B4-BE49-F238E27FC236}">
-                <a16:creationId xmlns:a16="http://schemas.microsoft.com/office/drawing/2014/main" id="{FE07A8EB-A3D6-2822-3CE1-37D8F7E8B274}"/>
-              </a:ext>
-            </a:extLst>
-          </p:cNvPr>
+            <a:endParaRPr lang="en-US"/>
+          </a:p>
+        </p:txBody>
+      </p:sp>
+      <p:sp>
+        <p:nvSpPr>
+          <p:cNvPr id="5" name="Date Placeholder 4"/>
           <p:cNvSpPr>
             <a:spLocks noGrp="1"/>
           </p:cNvSpPr>
@@ -2379,7 +2503,6 @@
           <a:p>
             <a:fld id="{FBA2BC42-914E-4530-9991-6E582F6133C1}" type="datetimeFigureOut">
               <a:rPr lang="en-US" smtClean="0"/>
-              <a:t>9/16/2025</a:t>
             </a:fld>
             <a:endParaRPr lang="en-US"/>
           </a:p>
@@ -2387,13 +2510,7 @@
       </p:sp>
       <p:sp>
         <p:nvSpPr>
-          <p:cNvPr id="6" name="Footer Placeholder 5">
-            <a:extLst>
-              <a:ext uri="{FF2B5EF4-FFF2-40B4-BE49-F238E27FC236}">
-                <a16:creationId xmlns:a16="http://schemas.microsoft.com/office/drawing/2014/main" id="{051ABB1A-CBCF-80DE-8C48-6093AEB94DD8}"/>
-              </a:ext>
-            </a:extLst>
-          </p:cNvPr>
+          <p:cNvPr id="6" name="Footer Placeholder 5"/>
           <p:cNvSpPr>
             <a:spLocks noGrp="1"/>
           </p:cNvSpPr>
@@ -2412,13 +2529,7 @@
       </p:sp>
       <p:sp>
         <p:nvSpPr>
-          <p:cNvPr id="7" name="Slide Number Placeholder 6">
-            <a:extLst>
-              <a:ext uri="{FF2B5EF4-FFF2-40B4-BE49-F238E27FC236}">
-                <a16:creationId xmlns:a16="http://schemas.microsoft.com/office/drawing/2014/main" id="{333A7655-E871-166D-9443-D624626485AC}"/>
-              </a:ext>
-            </a:extLst>
-          </p:cNvPr>
+          <p:cNvPr id="7" name="Slide Number Placeholder 6"/>
           <p:cNvSpPr>
             <a:spLocks noGrp="1"/>
           </p:cNvSpPr>
@@ -2433,18 +2544,12 @@
           <a:p>
             <a:fld id="{AB0B7D32-87DC-4278-AA91-BC11DFAA815A}" type="slidenum">
               <a:rPr lang="en-US" smtClean="0"/>
-              <a:t>‹#›</a:t>
             </a:fld>
             <a:endParaRPr lang="en-US"/>
           </a:p>
         </p:txBody>
       </p:sp>
     </p:spTree>
-    <p:extLst>
-      <p:ext uri="{BB962C8B-B14F-4D97-AF65-F5344CB8AC3E}">
-        <p14:creationId xmlns:p14="http://schemas.microsoft.com/office/powerpoint/2010/main" val="2686429586"/>
-      </p:ext>
-    </p:extLst>
   </p:cSld>
   <p:clrMapOvr>
     <a:masterClrMapping/>
@@ -2471,13 +2576,7 @@
       </p:grpSpPr>
       <p:sp>
         <p:nvSpPr>
-          <p:cNvPr id="2" name="Title 1">
-            <a:extLst>
-              <a:ext uri="{FF2B5EF4-FFF2-40B4-BE49-F238E27FC236}">
-                <a16:creationId xmlns:a16="http://schemas.microsoft.com/office/drawing/2014/main" id="{D1BD6148-B2F3-138C-F68C-E77F95F6FA62}"/>
-              </a:ext>
-            </a:extLst>
-          </p:cNvPr>
+          <p:cNvPr id="2" name="Title 1"/>
           <p:cNvSpPr>
             <a:spLocks noGrp="1"/>
           </p:cNvSpPr>
@@ -2503,18 +2602,13 @@
               <a:rPr lang="en-US"/>
               <a:t>Click to edit Master title style</a:t>
             </a:r>
-          </a:p>
-        </p:txBody>
-      </p:sp>
-      <p:sp>
-        <p:nvSpPr>
-          <p:cNvPr id="3" name="Picture Placeholder 2">
-            <a:extLst>
-              <a:ext uri="{FF2B5EF4-FFF2-40B4-BE49-F238E27FC236}">
-                <a16:creationId xmlns:a16="http://schemas.microsoft.com/office/drawing/2014/main" id="{11417134-41B3-9052-74BA-A722FF62F438}"/>
-              </a:ext>
-            </a:extLst>
-          </p:cNvPr>
+            <a:endParaRPr lang="en-US"/>
+          </a:p>
+        </p:txBody>
+      </p:sp>
+      <p:sp>
+        <p:nvSpPr>
+          <p:cNvPr id="3" name="Picture Placeholder 2"/>
           <p:cNvSpPr>
             <a:spLocks noGrp="1"/>
           </p:cNvSpPr>
@@ -2575,13 +2669,7 @@
       </p:sp>
       <p:sp>
         <p:nvSpPr>
-          <p:cNvPr id="4" name="Text Placeholder 3">
-            <a:extLst>
-              <a:ext uri="{FF2B5EF4-FFF2-40B4-BE49-F238E27FC236}">
-                <a16:creationId xmlns:a16="http://schemas.microsoft.com/office/drawing/2014/main" id="{87456600-C1F4-04AA-27C6-08864BEFA2AB}"/>
-              </a:ext>
-            </a:extLst>
-          </p:cNvPr>
+          <p:cNvPr id="4" name="Text Placeholder 3"/>
           <p:cNvSpPr>
             <a:spLocks noGrp="1"/>
           </p:cNvSpPr>
@@ -2641,18 +2729,13 @@
               <a:rPr lang="en-US"/>
               <a:t>Click to edit Master text styles</a:t>
             </a:r>
-          </a:p>
-        </p:txBody>
-      </p:sp>
-      <p:sp>
-        <p:nvSpPr>
-          <p:cNvPr id="5" name="Date Placeholder 4">
-            <a:extLst>
-              <a:ext uri="{FF2B5EF4-FFF2-40B4-BE49-F238E27FC236}">
-                <a16:creationId xmlns:a16="http://schemas.microsoft.com/office/drawing/2014/main" id="{44085E8B-2857-017B-FD59-0DC0A916E4E9}"/>
-              </a:ext>
-            </a:extLst>
-          </p:cNvPr>
+            <a:endParaRPr lang="en-US"/>
+          </a:p>
+        </p:txBody>
+      </p:sp>
+      <p:sp>
+        <p:nvSpPr>
+          <p:cNvPr id="5" name="Date Placeholder 4"/>
           <p:cNvSpPr>
             <a:spLocks noGrp="1"/>
           </p:cNvSpPr>
@@ -2667,7 +2750,6 @@
           <a:p>
             <a:fld id="{FBA2BC42-914E-4530-9991-6E582F6133C1}" type="datetimeFigureOut">
               <a:rPr lang="en-US" smtClean="0"/>
-              <a:t>9/16/2025</a:t>
             </a:fld>
             <a:endParaRPr lang="en-US"/>
           </a:p>
@@ -2675,13 +2757,7 @@
       </p:sp>
       <p:sp>
         <p:nvSpPr>
-          <p:cNvPr id="6" name="Footer Placeholder 5">
-            <a:extLst>
-              <a:ext uri="{FF2B5EF4-FFF2-40B4-BE49-F238E27FC236}">
-                <a16:creationId xmlns:a16="http://schemas.microsoft.com/office/drawing/2014/main" id="{CFA2A25D-EF8F-760E-A068-E5313A2B2297}"/>
-              </a:ext>
-            </a:extLst>
-          </p:cNvPr>
+          <p:cNvPr id="6" name="Footer Placeholder 5"/>
           <p:cNvSpPr>
             <a:spLocks noGrp="1"/>
           </p:cNvSpPr>
@@ -2700,13 +2776,7 @@
       </p:sp>
       <p:sp>
         <p:nvSpPr>
-          <p:cNvPr id="7" name="Slide Number Placeholder 6">
-            <a:extLst>
-              <a:ext uri="{FF2B5EF4-FFF2-40B4-BE49-F238E27FC236}">
-                <a16:creationId xmlns:a16="http://schemas.microsoft.com/office/drawing/2014/main" id="{99F40EBB-6A6D-0AB8-F67E-1CB0E435A191}"/>
-              </a:ext>
-            </a:extLst>
-          </p:cNvPr>
+          <p:cNvPr id="7" name="Slide Number Placeholder 6"/>
           <p:cNvSpPr>
             <a:spLocks noGrp="1"/>
           </p:cNvSpPr>
@@ -2721,18 +2791,12 @@
           <a:p>
             <a:fld id="{AB0B7D32-87DC-4278-AA91-BC11DFAA815A}" type="slidenum">
               <a:rPr lang="en-US" smtClean="0"/>
-              <a:t>‹#›</a:t>
             </a:fld>
             <a:endParaRPr lang="en-US"/>
           </a:p>
         </p:txBody>
       </p:sp>
     </p:spTree>
-    <p:extLst>
-      <p:ext uri="{BB962C8B-B14F-4D97-AF65-F5344CB8AC3E}">
-        <p14:creationId xmlns:p14="http://schemas.microsoft.com/office/powerpoint/2010/main" val="53808344"/>
-      </p:ext>
-    </p:extLst>
   </p:cSld>
   <p:clrMapOvr>
     <a:masterClrMapping/>
@@ -2764,13 +2828,7 @@
       </p:grpSpPr>
       <p:sp>
         <p:nvSpPr>
-          <p:cNvPr id="2" name="Title Placeholder 1">
-            <a:extLst>
-              <a:ext uri="{FF2B5EF4-FFF2-40B4-BE49-F238E27FC236}">
-                <a16:creationId xmlns:a16="http://schemas.microsoft.com/office/drawing/2014/main" id="{ABEBC0ED-AC58-1CDC-2459-33FB00C0A230}"/>
-              </a:ext>
-            </a:extLst>
-          </p:cNvPr>
+          <p:cNvPr id="2" name="Title Placeholder 1"/>
           <p:cNvSpPr>
             <a:spLocks noGrp="1"/>
           </p:cNvSpPr>
@@ -2797,18 +2855,13 @@
               <a:rPr lang="en-US"/>
               <a:t>Click to edit Master title style</a:t>
             </a:r>
-          </a:p>
-        </p:txBody>
-      </p:sp>
-      <p:sp>
-        <p:nvSpPr>
-          <p:cNvPr id="3" name="Text Placeholder 2">
-            <a:extLst>
-              <a:ext uri="{FF2B5EF4-FFF2-40B4-BE49-F238E27FC236}">
-                <a16:creationId xmlns:a16="http://schemas.microsoft.com/office/drawing/2014/main" id="{010480F2-BC63-E891-0E58-E3A79B250CC5}"/>
-              </a:ext>
-            </a:extLst>
-          </p:cNvPr>
+            <a:endParaRPr lang="en-US"/>
+          </a:p>
+        </p:txBody>
+      </p:sp>
+      <p:sp>
+        <p:nvSpPr>
+          <p:cNvPr id="3" name="Text Placeholder 2"/>
           <p:cNvSpPr>
             <a:spLocks noGrp="1"/>
           </p:cNvSpPr>
@@ -2836,6 +2889,7 @@
               <a:rPr lang="en-US"/>
               <a:t>Click to edit Master text styles</a:t>
             </a:r>
+            <a:endParaRPr lang="en-US"/>
           </a:p>
           <a:p>
             <a:pPr lvl="1"/>
@@ -2843,6 +2897,7 @@
               <a:rPr lang="en-US"/>
               <a:t>Second level</a:t>
             </a:r>
+            <a:endParaRPr lang="en-US"/>
           </a:p>
           <a:p>
             <a:pPr lvl="2"/>
@@ -2850,6 +2905,7 @@
               <a:rPr lang="en-US"/>
               <a:t>Third level</a:t>
             </a:r>
+            <a:endParaRPr lang="en-US"/>
           </a:p>
           <a:p>
             <a:pPr lvl="3"/>
@@ -2857,6 +2913,7 @@
               <a:rPr lang="en-US"/>
               <a:t>Fourth level</a:t>
             </a:r>
+            <a:endParaRPr lang="en-US"/>
           </a:p>
           <a:p>
             <a:pPr lvl="4"/>
@@ -2864,18 +2921,13 @@
               <a:rPr lang="en-US"/>
               <a:t>Fifth level</a:t>
             </a:r>
-          </a:p>
-        </p:txBody>
-      </p:sp>
-      <p:sp>
-        <p:nvSpPr>
-          <p:cNvPr id="4" name="Date Placeholder 3">
-            <a:extLst>
-              <a:ext uri="{FF2B5EF4-FFF2-40B4-BE49-F238E27FC236}">
-                <a16:creationId xmlns:a16="http://schemas.microsoft.com/office/drawing/2014/main" id="{2BA76D47-E20C-FC3E-4FE1-68382F67A606}"/>
-              </a:ext>
-            </a:extLst>
-          </p:cNvPr>
+            <a:endParaRPr lang="en-US"/>
+          </a:p>
+        </p:txBody>
+      </p:sp>
+      <p:sp>
+        <p:nvSpPr>
+          <p:cNvPr id="4" name="Date Placeholder 3"/>
           <p:cNvSpPr>
             <a:spLocks noGrp="1"/>
           </p:cNvSpPr>
@@ -2908,7 +2960,6 @@
           <a:p>
             <a:fld id="{FBA2BC42-914E-4530-9991-6E582F6133C1}" type="datetimeFigureOut">
               <a:rPr lang="en-US" smtClean="0"/>
-              <a:t>9/16/2025</a:t>
             </a:fld>
             <a:endParaRPr lang="en-US"/>
           </a:p>
@@ -2916,13 +2967,7 @@
       </p:sp>
       <p:sp>
         <p:nvSpPr>
-          <p:cNvPr id="5" name="Footer Placeholder 4">
-            <a:extLst>
-              <a:ext uri="{FF2B5EF4-FFF2-40B4-BE49-F238E27FC236}">
-                <a16:creationId xmlns:a16="http://schemas.microsoft.com/office/drawing/2014/main" id="{4CA4FCB3-AECC-07D4-E109-FCBC819F0A73}"/>
-              </a:ext>
-            </a:extLst>
-          </p:cNvPr>
+          <p:cNvPr id="5" name="Footer Placeholder 4"/>
           <p:cNvSpPr>
             <a:spLocks noGrp="1"/>
           </p:cNvSpPr>
@@ -2959,13 +3004,7 @@
       </p:sp>
       <p:sp>
         <p:nvSpPr>
-          <p:cNvPr id="6" name="Slide Number Placeholder 5">
-            <a:extLst>
-              <a:ext uri="{FF2B5EF4-FFF2-40B4-BE49-F238E27FC236}">
-                <a16:creationId xmlns:a16="http://schemas.microsoft.com/office/drawing/2014/main" id="{8D0ADC37-A69B-C3AE-C542-8860898D7533}"/>
-              </a:ext>
-            </a:extLst>
-          </p:cNvPr>
+          <p:cNvPr id="6" name="Slide Number Placeholder 5"/>
           <p:cNvSpPr>
             <a:spLocks noGrp="1"/>
           </p:cNvSpPr>
@@ -2998,18 +3037,12 @@
           <a:p>
             <a:fld id="{AB0B7D32-87DC-4278-AA91-BC11DFAA815A}" type="slidenum">
               <a:rPr lang="en-US" smtClean="0"/>
-              <a:t>‹#›</a:t>
             </a:fld>
             <a:endParaRPr lang="en-US"/>
           </a:p>
         </p:txBody>
       </p:sp>
     </p:spTree>
-    <p:extLst>
-      <p:ext uri="{BB962C8B-B14F-4D97-AF65-F5344CB8AC3E}">
-        <p14:creationId xmlns:p14="http://schemas.microsoft.com/office/powerpoint/2010/main" val="1278813685"/>
-      </p:ext>
-    </p:extLst>
   </p:cSld>
   <p:clrMap bg1="lt1" tx1="dk1" bg2="lt2" tx2="dk2" accent1="accent1" accent2="accent2" accent3="accent3" accent4="accent4" accent5="accent5" accent6="accent6" hlink="hlink" folHlink="folHlink"/>
   <p:sldLayoutIdLst>
@@ -3327,13 +3360,7 @@
       </p:grpSpPr>
       <p:sp>
         <p:nvSpPr>
-          <p:cNvPr id="2" name="Title 1">
-            <a:extLst>
-              <a:ext uri="{FF2B5EF4-FFF2-40B4-BE49-F238E27FC236}">
-                <a16:creationId xmlns:a16="http://schemas.microsoft.com/office/drawing/2014/main" id="{9F2D26E3-0A79-D762-E580-11AF923E2600}"/>
-              </a:ext>
-            </a:extLst>
-          </p:cNvPr>
+          <p:cNvPr id="2" name="Title 1"/>
           <p:cNvSpPr>
             <a:spLocks noGrp="1"/>
           </p:cNvSpPr>
@@ -3352,13 +3379,7 @@
       </p:sp>
       <p:sp>
         <p:nvSpPr>
-          <p:cNvPr id="3" name="Subtitle 2">
-            <a:extLst>
-              <a:ext uri="{FF2B5EF4-FFF2-40B4-BE49-F238E27FC236}">
-                <a16:creationId xmlns:a16="http://schemas.microsoft.com/office/drawing/2014/main" id="{40911D4B-C92B-7EB4-2746-F7FBC435F726}"/>
-              </a:ext>
-            </a:extLst>
-          </p:cNvPr>
+          <p:cNvPr id="3" name="Subtitle 2"/>
           <p:cNvSpPr>
             <a:spLocks noGrp="1"/>
           </p:cNvSpPr>
@@ -3377,20 +3398,14 @@
       </p:sp>
       <p:pic>
         <p:nvPicPr>
-          <p:cNvPr id="5" name="Picture 4">
-            <a:extLst>
-              <a:ext uri="{FF2B5EF4-FFF2-40B4-BE49-F238E27FC236}">
-                <a16:creationId xmlns:a16="http://schemas.microsoft.com/office/drawing/2014/main" id="{07C31E28-472D-779A-70C4-BA7382896B6E}"/>
-              </a:ext>
-            </a:extLst>
-          </p:cNvPr>
+          <p:cNvPr id="5" name="Picture 4"/>
           <p:cNvPicPr>
             <a:picLocks noChangeAspect="1"/>
           </p:cNvPicPr>
           <p:nvPr/>
         </p:nvPicPr>
         <p:blipFill>
-          <a:blip r:embed="rId2"/>
+          <a:blip r:embed="rId1"/>
           <a:stretch>
             <a:fillRect/>
           </a:stretch>
@@ -3406,11 +3421,6 @@
         </p:spPr>
       </p:pic>
     </p:spTree>
-    <p:extLst>
-      <p:ext uri="{BB962C8B-B14F-4D97-AF65-F5344CB8AC3E}">
-        <p14:creationId xmlns:p14="http://schemas.microsoft.com/office/powerpoint/2010/main" val="4195589182"/>
-      </p:ext>
-    </p:extLst>
   </p:cSld>
   <p:clrMapOvr>
     <a:masterClrMapping/>
@@ -3437,1314 +3447,1922 @@
       </p:grpSpPr>
       <p:sp>
         <p:nvSpPr>
-          <p:cNvPr id="2" name="Title 1">
-            <a:extLst>
-              <a:ext uri="{FF2B5EF4-FFF2-40B4-BE49-F238E27FC236}">
-                <a16:creationId xmlns:a16="http://schemas.microsoft.com/office/drawing/2014/main" id="{C47A7265-E4FE-6484-C68C-EE1348BA8D44}"/>
-              </a:ext>
-            </a:extLst>
+          <p:cNvPr id="44" name="TextBox 43">
+            <a:hlinkClick r:id="" action="ppaction://noaction"/>
           </p:cNvPr>
-          <p:cNvSpPr>
-            <a:spLocks noGrp="1"/>
-          </p:cNvSpPr>
-          <p:nvPr>
-            <p:ph type="title"/>
-          </p:nvPr>
-        </p:nvSpPr>
-        <p:spPr/>
-        <p:txBody>
-          <a:bodyPr/>
-          <a:lstStyle/>
-          <a:p>
-            <a:r>
-              <a:rPr lang="en-US" dirty="0" err="1"/>
-              <a:t>Yêu</a:t>
-            </a:r>
-            <a:r>
-              <a:rPr lang="en-US" dirty="0"/>
+          <p:cNvSpPr txBox="1"/>
+          <p:nvPr/>
+        </p:nvSpPr>
+        <p:spPr>
+          <a:xfrm>
+            <a:off x="156069" y="862745"/>
+            <a:ext cx="11381175" cy="1599565"/>
+          </a:xfrm>
+          <a:prstGeom prst="rect">
+            <a:avLst/>
+          </a:prstGeom>
+          <a:solidFill>
+            <a:schemeClr val="bg1"/>
+          </a:solidFill>
+          <a:ln>
+            <a:solidFill>
+              <a:schemeClr val="accent1"/>
+            </a:solidFill>
+          </a:ln>
+        </p:spPr>
+        <p:txBody>
+          <a:bodyPr wrap="square" rtlCol="0">
+            <a:spAutoFit/>
+          </a:bodyPr>
+          <a:lstStyle/>
+          <a:p>
+            <a:pPr fontAlgn="auto">
+              <a:spcBef>
+                <a:spcPts val="0"/>
+              </a:spcBef>
+              <a:spcAft>
+                <a:spcPts val="0"/>
+              </a:spcAft>
+              <a:defRPr/>
+            </a:pPr>
+            <a:r>
+              <a:rPr lang="en-US" sz="1400">
+                <a:solidFill>
+                  <a:srgbClr val="0000FF"/>
+                </a:solidFill>
+                <a:latin typeface="Arial" panose="020B0604020202020204" pitchFamily="34" charset="0"/>
+                <a:cs typeface="Arial" panose="020B0604020202020204" pitchFamily="34" charset="0"/>
+              </a:rPr>
+              <a:t>Ngữ cảnh </a:t>
+            </a:r>
+            <a:br>
+              <a:rPr lang="en-US" sz="1400">
+                <a:solidFill>
+                  <a:prstClr val="black"/>
+                </a:solidFill>
+                <a:latin typeface="Arial" panose="020B0604020202020204" pitchFamily="34" charset="0"/>
+                <a:cs typeface="Arial" panose="020B0604020202020204" pitchFamily="34" charset="0"/>
+              </a:rPr>
+            </a:br>
+            <a:r>
+              <a:rPr lang="en-US" sz="1400">
+                <a:latin typeface="Arial" panose="020B0604020202020204" pitchFamily="34" charset="0"/>
+                <a:cs typeface="Arial" panose="020B0604020202020204" pitchFamily="34" charset="0"/>
+              </a:rPr>
+              <a:t>Hệ thống quản lý bán vé cho </a:t>
+            </a:r>
+            <a:r>
+              <a:rPr lang="en-US" sz="1400" b="1">
+                <a:latin typeface="Arial Bold" panose="020B0604020202020204" charset="0"/>
+                <a:cs typeface="Arial Bold" panose="020B0604020202020204" charset="0"/>
+              </a:rPr>
+              <a:t>1 rạp chiếu phim</a:t>
+            </a:r>
+            <a:r>
+              <a:rPr lang="en-US" sz="1400">
+                <a:latin typeface="Arial" panose="020B0604020202020204" pitchFamily="34" charset="0"/>
+                <a:cs typeface="Arial" panose="020B0604020202020204" pitchFamily="34" charset="0"/>
+              </a:rPr>
+              <a:t> duy nhất.</a:t>
+            </a:r>
+            <a:endParaRPr lang="en-US" sz="1400">
+              <a:latin typeface="Arial" panose="020B0604020202020204" pitchFamily="34" charset="0"/>
+              <a:cs typeface="Arial" panose="020B0604020202020204" pitchFamily="34" charset="0"/>
+            </a:endParaRPr>
+          </a:p>
+          <a:p>
+            <a:pPr fontAlgn="auto">
+              <a:spcBef>
+                <a:spcPts val="0"/>
+              </a:spcBef>
+              <a:spcAft>
+                <a:spcPts val="0"/>
+              </a:spcAft>
+              <a:defRPr/>
+            </a:pPr>
+            <a:r>
+              <a:rPr lang="en-US" sz="1400">
+                <a:latin typeface="Arial" panose="020B0604020202020204" pitchFamily="34" charset="0"/>
+                <a:cs typeface="Arial" panose="020B0604020202020204" pitchFamily="34" charset="0"/>
+              </a:rPr>
+              <a:t>Các thông tin cần quản lý: </a:t>
+            </a:r>
+            <a:r>
+              <a:rPr lang="en-US" sz="1400" b="1">
+                <a:latin typeface="Arial Bold" panose="020B0604020202020204" charset="0"/>
+                <a:cs typeface="Arial Bold" panose="020B0604020202020204" charset="0"/>
+              </a:rPr>
+              <a:t>Phim, Suất chiếu, Vé bán, Doanh thu.</a:t>
+            </a:r>
+            <a:endParaRPr lang="en-US" sz="1400" b="1">
+              <a:latin typeface="Arial Bold" panose="020B0604020202020204" charset="0"/>
+              <a:cs typeface="Arial Bold" panose="020B0604020202020204" charset="0"/>
+            </a:endParaRPr>
+          </a:p>
+          <a:p>
+            <a:pPr fontAlgn="auto">
+              <a:spcBef>
+                <a:spcPts val="0"/>
+              </a:spcBef>
+              <a:spcAft>
+                <a:spcPts val="0"/>
+              </a:spcAft>
+              <a:defRPr/>
+            </a:pPr>
+            <a:r>
+              <a:rPr lang="en-US" sz="1400" b="1">
+                <a:latin typeface="Arial Bold" panose="020B0604020202020204" charset="0"/>
+                <a:cs typeface="Arial Bold" panose="020B0604020202020204" charset="0"/>
+              </a:rPr>
+              <a:t>Rạp </a:t>
+            </a:r>
+            <a:r>
+              <a:rPr lang="en-US" sz="1400">
+                <a:latin typeface="Arial" panose="020B0604020202020204" pitchFamily="34" charset="0"/>
+                <a:cs typeface="Arial" panose="020B0604020202020204" pitchFamily="34" charset="0"/>
+              </a:rPr>
+              <a:t>có </a:t>
+            </a:r>
+            <a:r>
+              <a:rPr lang="en-US" sz="1400" b="1">
+                <a:latin typeface="Arial Bold" panose="020B0604020202020204" charset="0"/>
+                <a:cs typeface="Arial Bold" panose="020B0604020202020204" charset="0"/>
+              </a:rPr>
+              <a:t>4 phòng chiếu phim</a:t>
+            </a:r>
+            <a:r>
+              <a:rPr lang="en-US" sz="1400">
+                <a:latin typeface="Arial" panose="020B0604020202020204" pitchFamily="34" charset="0"/>
+                <a:cs typeface="Arial" panose="020B0604020202020204" pitchFamily="34" charset="0"/>
+              </a:rPr>
+              <a:t> thuộc 2 loại:</a:t>
+            </a:r>
+            <a:r>
+              <a:rPr lang="vi-VN" altLang="en-US" sz="1400">
+                <a:latin typeface="Arial" panose="020B0604020202020204" pitchFamily="34" charset="0"/>
+                <a:cs typeface="Arial" panose="020B0604020202020204" pitchFamily="34" charset="0"/>
+              </a:rPr>
               <a:t> </a:t>
             </a:r>
             <a:r>
-              <a:rPr lang="en-US" dirty="0" err="1"/>
-              <a:t>cầu</a:t>
-            </a:r>
-            <a:endParaRPr lang="en-US" dirty="0"/>
-          </a:p>
-        </p:txBody>
-      </p:sp>
-      <p:sp>
-        <p:nvSpPr>
-          <p:cNvPr id="3" name="Content Placeholder 2">
-            <a:extLst>
-              <a:ext uri="{FF2B5EF4-FFF2-40B4-BE49-F238E27FC236}">
-                <a16:creationId xmlns:a16="http://schemas.microsoft.com/office/drawing/2014/main" id="{568B8F08-1EB2-4397-73ED-4F324D21BFC9}"/>
-              </a:ext>
-            </a:extLst>
+              <a:rPr lang="en-US" sz="1400" b="1">
+                <a:latin typeface="Arial Bold" panose="020B0604020202020204" charset="0"/>
+                <a:cs typeface="Arial Bold" panose="020B0604020202020204" charset="0"/>
+              </a:rPr>
+              <a:t>Loại 1: có 100 ghế (giả sử 2 phòng)</a:t>
+            </a:r>
+            <a:r>
+              <a:rPr lang="vi-VN" altLang="en-US" sz="1400" b="1">
+                <a:latin typeface="Arial Bold" panose="020B0604020202020204" charset="0"/>
+                <a:cs typeface="Arial Bold" panose="020B0604020202020204" charset="0"/>
+              </a:rPr>
+              <a:t>, </a:t>
+            </a:r>
+            <a:r>
+              <a:rPr lang="en-US" sz="1400" b="1">
+                <a:latin typeface="Arial Bold" panose="020B0604020202020204" charset="0"/>
+                <a:cs typeface="Arial Bold" panose="020B0604020202020204" charset="0"/>
+              </a:rPr>
+              <a:t>Loại 2: có 60 ghế (giả sử 2 phòng)</a:t>
+            </a:r>
+            <a:endParaRPr lang="en-US" sz="1400" b="1">
+              <a:latin typeface="Arial Bold" panose="020B0604020202020204" charset="0"/>
+              <a:cs typeface="Arial Bold" panose="020B0604020202020204" charset="0"/>
+            </a:endParaRPr>
+          </a:p>
+          <a:p>
+            <a:pPr fontAlgn="auto">
+              <a:spcBef>
+                <a:spcPts val="0"/>
+              </a:spcBef>
+              <a:spcAft>
+                <a:spcPts val="0"/>
+              </a:spcAft>
+              <a:defRPr/>
+            </a:pPr>
+            <a:r>
+              <a:rPr lang="en-US" sz="1400">
+                <a:latin typeface="Arial" panose="020B0604020202020204" pitchFamily="34" charset="0"/>
+                <a:cs typeface="Arial" panose="020B0604020202020204" pitchFamily="34" charset="0"/>
+              </a:rPr>
+              <a:t>Mỗi ngày có </a:t>
+            </a:r>
+            <a:r>
+              <a:rPr lang="en-US" sz="1400" b="1">
+                <a:latin typeface="Arial Bold" panose="020B0604020202020204" charset="0"/>
+                <a:cs typeface="Arial Bold" panose="020B0604020202020204" charset="0"/>
+              </a:rPr>
+              <a:t>4 ca</a:t>
+            </a:r>
+            <a:r>
+              <a:rPr lang="en-US" sz="1400">
+                <a:latin typeface="Arial" panose="020B0604020202020204" pitchFamily="34" charset="0"/>
+                <a:cs typeface="Arial" panose="020B0604020202020204" pitchFamily="34" charset="0"/>
+              </a:rPr>
+              <a:t> chiếu cố định:</a:t>
+            </a:r>
+            <a:r>
+              <a:rPr lang="vi-VN" altLang="en-US" sz="1400">
+                <a:latin typeface="Arial" panose="020B0604020202020204" pitchFamily="34" charset="0"/>
+                <a:cs typeface="Arial" panose="020B0604020202020204" pitchFamily="34" charset="0"/>
+              </a:rPr>
+              <a:t> (</a:t>
+            </a:r>
+            <a:r>
+              <a:rPr lang="en-US" sz="1400" b="1">
+                <a:latin typeface="Arial Bold" panose="020B0604020202020204" charset="0"/>
+                <a:cs typeface="Arial Bold" panose="020B0604020202020204" charset="0"/>
+              </a:rPr>
+              <a:t>Sáng: 9h00 - 11h00</a:t>
+            </a:r>
+            <a:r>
+              <a:rPr lang="vi-VN" altLang="en-US" sz="1400" b="1">
+                <a:latin typeface="Arial Bold" panose="020B0604020202020204" charset="0"/>
+                <a:cs typeface="Arial Bold" panose="020B0604020202020204" charset="0"/>
+              </a:rPr>
+              <a:t>, </a:t>
+            </a:r>
+            <a:r>
+              <a:rPr lang="en-US" sz="1400" b="1">
+                <a:latin typeface="Arial Bold" panose="020B0604020202020204" charset="0"/>
+                <a:cs typeface="Arial Bold" panose="020B0604020202020204" charset="0"/>
+              </a:rPr>
+              <a:t>Chiều: 14h00 - 16h00</a:t>
+            </a:r>
+            <a:r>
+              <a:rPr lang="vi-VN" altLang="en-US" sz="1400" b="1">
+                <a:latin typeface="Arial Bold" panose="020B0604020202020204" charset="0"/>
+                <a:cs typeface="Arial Bold" panose="020B0604020202020204" charset="0"/>
+              </a:rPr>
+              <a:t>, </a:t>
+            </a:r>
+            <a:r>
+              <a:rPr lang="en-US" sz="1400" b="1">
+                <a:latin typeface="Arial Bold" panose="020B0604020202020204" charset="0"/>
+                <a:cs typeface="Arial Bold" panose="020B0604020202020204" charset="0"/>
+              </a:rPr>
+              <a:t>Tối: 18h00 - 20h00</a:t>
+            </a:r>
+            <a:r>
+              <a:rPr lang="vi-VN" altLang="en-US" sz="1400" b="1">
+                <a:latin typeface="Arial Bold" panose="020B0604020202020204" charset="0"/>
+                <a:cs typeface="Arial Bold" panose="020B0604020202020204" charset="0"/>
+              </a:rPr>
+              <a:t>, </a:t>
+            </a:r>
+            <a:r>
+              <a:rPr lang="en-US" sz="1400" b="1">
+                <a:latin typeface="Arial Bold" panose="020B0604020202020204" charset="0"/>
+                <a:cs typeface="Arial Bold" panose="020B0604020202020204" charset="0"/>
+              </a:rPr>
+              <a:t>Tối 2: 20h30 - 22h30</a:t>
+            </a:r>
+            <a:r>
+              <a:rPr lang="vi-VN" altLang="en-US" sz="1400">
+                <a:latin typeface="Arial" panose="020B0604020202020204" pitchFamily="34" charset="0"/>
+                <a:cs typeface="Arial" panose="020B0604020202020204" pitchFamily="34" charset="0"/>
+              </a:rPr>
+              <a:t>)</a:t>
+            </a:r>
+            <a:endParaRPr lang="vi-VN" altLang="en-US" sz="1400">
+              <a:latin typeface="Arial" panose="020B0604020202020204" pitchFamily="34" charset="0"/>
+              <a:cs typeface="Arial" panose="020B0604020202020204" pitchFamily="34" charset="0"/>
+            </a:endParaRPr>
+          </a:p>
+          <a:p>
+            <a:pPr fontAlgn="auto">
+              <a:spcBef>
+                <a:spcPts val="0"/>
+              </a:spcBef>
+              <a:spcAft>
+                <a:spcPts val="0"/>
+              </a:spcAft>
+              <a:defRPr/>
+            </a:pPr>
+            <a:r>
+              <a:rPr lang="vi-VN" altLang="en-US" sz="1400">
+                <a:latin typeface="Arial" panose="020B0604020202020204" pitchFamily="34" charset="0"/>
+                <a:cs typeface="Arial" panose="020B0604020202020204" pitchFamily="34" charset="0"/>
+              </a:rPr>
+              <a:t>Nhân sự: (1 Nhân viên Bán vé (Bộ phận Bán vé), 1 Nhân viên Quản lý (Bộ phận Quản lý), Khách hàng (người truy cập hệ thống để xem thông tin).</a:t>
+            </a:r>
+            <a:endParaRPr lang="vi-VN" altLang="en-US" sz="1400">
+              <a:latin typeface="Arial" panose="020B0604020202020204" pitchFamily="34" charset="0"/>
+              <a:cs typeface="Arial" panose="020B0604020202020204" pitchFamily="34" charset="0"/>
+            </a:endParaRPr>
+          </a:p>
+        </p:txBody>
+      </p:sp>
+      <p:sp>
+        <p:nvSpPr>
+          <p:cNvPr id="57" name="TextBox 56">
+            <a:hlinkClick r:id="" action="ppaction://noaction"/>
           </p:cNvPr>
-          <p:cNvSpPr>
-            <a:spLocks noGrp="1"/>
-          </p:cNvSpPr>
-          <p:nvPr>
-            <p:ph idx="1"/>
-          </p:nvPr>
-        </p:nvSpPr>
-        <p:spPr/>
-        <p:txBody>
-          <a:bodyPr/>
-          <a:lstStyle/>
-          <a:p>
-            <a:r>
-              <a:rPr lang="en-US" dirty="0" err="1"/>
-              <a:t>Yêu</a:t>
-            </a:r>
-            <a:r>
-              <a:rPr lang="en-US" dirty="0"/>
+          <p:cNvSpPr txBox="1"/>
+          <p:nvPr/>
+        </p:nvSpPr>
+        <p:spPr>
+          <a:xfrm>
+            <a:off x="156069" y="2612065"/>
+            <a:ext cx="7644648" cy="3753485"/>
+          </a:xfrm>
+          <a:prstGeom prst="rect">
+            <a:avLst/>
+          </a:prstGeom>
+          <a:solidFill>
+            <a:schemeClr val="bg1"/>
+          </a:solidFill>
+          <a:ln>
+            <a:solidFill>
+              <a:schemeClr val="accent1"/>
+            </a:solidFill>
+          </a:ln>
+        </p:spPr>
+        <p:txBody>
+          <a:bodyPr wrap="square" rtlCol="0">
+            <a:spAutoFit/>
+          </a:bodyPr>
+          <a:lstStyle/>
+          <a:p>
+            <a:pPr fontAlgn="auto">
+              <a:spcBef>
+                <a:spcPts val="0"/>
+              </a:spcBef>
+              <a:spcAft>
+                <a:spcPts val="0"/>
+              </a:spcAft>
+              <a:defRPr/>
+            </a:pPr>
+            <a:r>
+              <a:rPr lang="en-US" sz="1400">
+                <a:solidFill>
+                  <a:srgbClr val="0000FF"/>
+                </a:solidFill>
+                <a:latin typeface="Arial" panose="020B0604020202020204" pitchFamily="34" charset="0"/>
+                <a:cs typeface="Arial" panose="020B0604020202020204" pitchFamily="34" charset="0"/>
+              </a:rPr>
+              <a:t>Yêu cầu Chức năng </a:t>
+            </a:r>
+            <a:endParaRPr lang="en-US" sz="1400">
+              <a:solidFill>
+                <a:prstClr val="black"/>
+              </a:solidFill>
+              <a:latin typeface="Arial" panose="020B0604020202020204" pitchFamily="34" charset="0"/>
+              <a:cs typeface="Arial" panose="020B0604020202020204" pitchFamily="34" charset="0"/>
+            </a:endParaRPr>
+          </a:p>
+          <a:p>
+            <a:pPr>
+              <a:defRPr/>
+            </a:pPr>
+            <a:r>
+              <a:rPr lang="en-US" sz="1400">
+                <a:solidFill>
+                  <a:prstClr val="black"/>
+                </a:solidFill>
+                <a:latin typeface="Arial" panose="020B0604020202020204" pitchFamily="34" charset="0"/>
+                <a:cs typeface="Arial" panose="020B0604020202020204" pitchFamily="34" charset="0"/>
+              </a:rPr>
               <a:t> </a:t>
             </a:r>
             <a:r>
-              <a:rPr lang="en-US" dirty="0" err="1"/>
-              <a:t>cầu</a:t>
-            </a:r>
-            <a:r>
-              <a:rPr lang="en-US" dirty="0"/>
+              <a:rPr lang="en-US" sz="1400">
+                <a:solidFill>
+                  <a:schemeClr val="accent2">
+                    <a:lumMod val="50000"/>
+                  </a:schemeClr>
+                </a:solidFill>
+                <a:latin typeface="Arial" panose="020B0604020202020204" pitchFamily="34" charset="0"/>
+                <a:cs typeface="Arial" panose="020B0604020202020204" pitchFamily="34" charset="0"/>
+              </a:rPr>
+              <a:t>Khách tham quan </a:t>
+            </a:r>
+            <a:r>
+              <a:rPr lang="en-US" sz="1400" b="1">
+                <a:solidFill>
+                  <a:schemeClr val="accent2">
+                    <a:lumMod val="50000"/>
+                  </a:schemeClr>
+                </a:solidFill>
+                <a:latin typeface="Arial" panose="020B0604020202020204" pitchFamily="34" charset="0"/>
+                <a:cs typeface="Arial" panose="020B0604020202020204" pitchFamily="34" charset="0"/>
+              </a:rPr>
+              <a:t>: </a:t>
+            </a:r>
+            <a:r>
+              <a:rPr lang="en-US" sz="1400">
+                <a:solidFill>
+                  <a:srgbClr val="FF0000"/>
+                </a:solidFill>
+                <a:latin typeface="Arial" panose="020B0604020202020204" pitchFamily="34" charset="0"/>
+                <a:cs typeface="Arial" panose="020B0604020202020204" pitchFamily="34" charset="0"/>
+              </a:rPr>
+              <a:t>Xem </a:t>
+            </a:r>
+            <a:r>
+              <a:rPr lang="en-US" sz="1400">
+                <a:solidFill>
+                  <a:srgbClr val="002060"/>
+                </a:solidFill>
+                <a:latin typeface="Arial" panose="020B0604020202020204" pitchFamily="34" charset="0"/>
+                <a:cs typeface="Arial" panose="020B0604020202020204" pitchFamily="34" charset="0"/>
+              </a:rPr>
+              <a:t>  </a:t>
+            </a:r>
+            <a:r>
+              <a:rPr lang="en-US" sz="1400">
+                <a:latin typeface="Arial" panose="020B0604020202020204" pitchFamily="34" charset="0"/>
+                <a:cs typeface="Arial" panose="020B0604020202020204" pitchFamily="34" charset="0"/>
+              </a:rPr>
+              <a:t>Xem / Tra cứu Phim (Tên phim, Mô tả, Ảnh bìa, Trạng thái "Đang chiếu")</a:t>
+            </a:r>
+            <a:endParaRPr lang="en-US" sz="1400">
+              <a:latin typeface="Arial" panose="020B0604020202020204" pitchFamily="34" charset="0"/>
+              <a:cs typeface="Arial" panose="020B0604020202020204" pitchFamily="34" charset="0"/>
+            </a:endParaRPr>
+          </a:p>
+          <a:p>
+            <a:pPr>
+              <a:defRPr/>
+            </a:pPr>
+            <a:r>
+              <a:rPr lang="en-US" sz="1400" b="1">
+                <a:solidFill>
+                  <a:prstClr val="black"/>
+                </a:solidFill>
+                <a:latin typeface="Arial" panose="020B0604020202020204" pitchFamily="34" charset="0"/>
+                <a:cs typeface="Arial" panose="020B0604020202020204" pitchFamily="34" charset="0"/>
+              </a:rPr>
               <a:t> </a:t>
             </a:r>
             <a:r>
-              <a:rPr lang="en-US" dirty="0" err="1"/>
-              <a:t>chức</a:t>
-            </a:r>
-            <a:r>
-              <a:rPr lang="en-US" dirty="0"/>
+              <a:rPr lang="en-US" sz="1400">
+                <a:solidFill>
+                  <a:srgbClr val="ED7D31">
+                    <a:lumMod val="50000"/>
+                  </a:srgbClr>
+                </a:solidFill>
+                <a:latin typeface="Arial" panose="020B0604020202020204" pitchFamily="34" charset="0"/>
+                <a:cs typeface="Arial" panose="020B0604020202020204" pitchFamily="34" charset="0"/>
+              </a:rPr>
+              <a:t>Nhân viên Bán vé (Bộ phận Bán vé):</a:t>
+            </a:r>
+            <a:r>
+              <a:rPr lang="en-US" sz="1400">
+                <a:solidFill>
+                  <a:srgbClr val="ED7D31">
+                    <a:lumMod val="50000"/>
+                  </a:srgbClr>
+                </a:solidFill>
+                <a:latin typeface="Arial" panose="020B0604020202020204" pitchFamily="34" charset="0"/>
+                <a:cs typeface="Arial" panose="020B0604020202020204" pitchFamily="34" charset="0"/>
+              </a:rPr>
               <a:t> </a:t>
             </a:r>
-            <a:r>
-              <a:rPr lang="en-US" dirty="0" err="1"/>
-              <a:t>năng</a:t>
-            </a:r>
-            <a:r>
-              <a:rPr lang="en-US" dirty="0"/>
-              <a:t>:</a:t>
-            </a:r>
-          </a:p>
-          <a:p>
-            <a:pPr lvl="1"/>
-            <a:r>
-              <a:rPr lang="en-US" dirty="0" err="1"/>
-              <a:t>Bộ</a:t>
-            </a:r>
-            <a:r>
-              <a:rPr lang="en-US" dirty="0"/>
+            <a:endParaRPr lang="en-US" sz="1400">
+              <a:solidFill>
+                <a:srgbClr val="ED7D31">
+                  <a:lumMod val="50000"/>
+                </a:srgbClr>
+              </a:solidFill>
+              <a:latin typeface="Arial" panose="020B0604020202020204" pitchFamily="34" charset="0"/>
+              <a:cs typeface="Arial" panose="020B0604020202020204" pitchFamily="34" charset="0"/>
+            </a:endParaRPr>
+          </a:p>
+          <a:p>
+            <a:pPr>
+              <a:defRPr/>
+            </a:pPr>
+            <a:r>
+              <a:rPr lang="vi-VN" altLang="en-US" sz="1400">
+                <a:solidFill>
+                  <a:srgbClr val="ED7D31">
+                    <a:lumMod val="50000"/>
+                  </a:srgbClr>
+                </a:solidFill>
+                <a:latin typeface="Arial" panose="020B0604020202020204" pitchFamily="34" charset="0"/>
+                <a:cs typeface="Arial" panose="020B0604020202020204" pitchFamily="34" charset="0"/>
+              </a:rPr>
+              <a:t>	</a:t>
+            </a:r>
+            <a:r>
+              <a:rPr lang="en-US" sz="1400" b="1">
+                <a:solidFill>
+                  <a:srgbClr val="ED7D31">
+                    <a:lumMod val="50000"/>
+                  </a:srgbClr>
+                </a:solidFill>
+                <a:latin typeface="Arial" panose="020B0604020202020204" pitchFamily="34" charset="0"/>
+                <a:cs typeface="Arial" panose="020B0604020202020204" pitchFamily="34" charset="0"/>
+              </a:rPr>
               <a:t> </a:t>
             </a:r>
             <a:r>
-              <a:rPr lang="en-US" dirty="0" err="1"/>
-              <a:t>phận</a:t>
-            </a:r>
-            <a:r>
-              <a:rPr lang="en-US" dirty="0"/>
+              <a:rPr lang="en-US" sz="1400">
+                <a:solidFill>
+                  <a:srgbClr val="FF0000"/>
+                </a:solidFill>
+                <a:latin typeface="Arial" panose="020B0604020202020204" pitchFamily="34" charset="0"/>
+                <a:cs typeface="Arial" panose="020B0604020202020204" pitchFamily="34" charset="0"/>
+              </a:rPr>
+              <a:t>Xem </a:t>
+            </a:r>
+            <a:r>
+              <a:rPr lang="en-US" sz="1400">
+                <a:solidFill>
+                  <a:srgbClr val="002060"/>
+                </a:solidFill>
+                <a:latin typeface="Arial" panose="020B0604020202020204" pitchFamily="34" charset="0"/>
+                <a:cs typeface="Arial" panose="020B0604020202020204" pitchFamily="34" charset="0"/>
+              </a:rPr>
+              <a:t>  </a:t>
+            </a:r>
+            <a:r>
+              <a:rPr lang="en-US" sz="1400">
+                <a:latin typeface="Arial" panose="020B0604020202020204" pitchFamily="34" charset="0"/>
+                <a:cs typeface="Arial" panose="020B0604020202020204" pitchFamily="34" charset="0"/>
+              </a:rPr>
+              <a:t>Xem / Tra cứu Suất chiếu (Tên phim, Ca chiếu, Ngày chiếu)</a:t>
+            </a:r>
+            <a:endParaRPr lang="en-US" sz="1400">
+              <a:latin typeface="Arial" panose="020B0604020202020204" pitchFamily="34" charset="0"/>
+              <a:cs typeface="Arial" panose="020B0604020202020204" pitchFamily="34" charset="0"/>
+            </a:endParaRPr>
+          </a:p>
+          <a:p>
+            <a:pPr>
+              <a:defRPr/>
+            </a:pPr>
+            <a:r>
+              <a:rPr lang="vi-VN" altLang="en-US" sz="1400">
+                <a:latin typeface="Arial" panose="020B0604020202020204" pitchFamily="34" charset="0"/>
+                <a:cs typeface="Arial" panose="020B0604020202020204" pitchFamily="34" charset="0"/>
+              </a:rPr>
+              <a:t>	Bán vé (theo Suất chiếu đã chọn) tạo ra Vé Bán</a:t>
+            </a:r>
+            <a:endParaRPr lang="vi-VN" altLang="en-US" sz="1400">
+              <a:latin typeface="Arial" panose="020B0604020202020204" pitchFamily="34" charset="0"/>
+              <a:cs typeface="Arial" panose="020B0604020202020204" pitchFamily="34" charset="0"/>
+            </a:endParaRPr>
+          </a:p>
+          <a:p>
+            <a:pPr>
+              <a:defRPr/>
+            </a:pPr>
+            <a:r>
+              <a:rPr lang="en-US" sz="1400" b="1">
+                <a:solidFill>
+                  <a:srgbClr val="002060"/>
+                </a:solidFill>
+                <a:latin typeface="Arial" panose="020B0604020202020204" pitchFamily="34" charset="0"/>
+                <a:cs typeface="Arial" panose="020B0604020202020204" pitchFamily="34" charset="0"/>
+              </a:rPr>
+              <a:t>                                     </a:t>
+            </a:r>
+            <a:r>
+              <a:rPr lang="en-US" sz="1400">
+                <a:latin typeface="Arial" panose="020B0604020202020204" pitchFamily="34" charset="0"/>
+                <a:cs typeface="Arial" panose="020B0604020202020204" pitchFamily="34" charset="0"/>
+              </a:rPr>
               <a:t> </a:t>
             </a:r>
-            <a:r>
-              <a:rPr lang="en-US" dirty="0" err="1"/>
-              <a:t>bán</a:t>
-            </a:r>
-            <a:r>
-              <a:rPr lang="en-US" dirty="0"/>
+            <a:endParaRPr lang="en-US" sz="1400">
+              <a:latin typeface="Arial" panose="020B0604020202020204" pitchFamily="34" charset="0"/>
+              <a:cs typeface="Arial" panose="020B0604020202020204" pitchFamily="34" charset="0"/>
+            </a:endParaRPr>
+          </a:p>
+          <a:p>
+            <a:pPr>
+              <a:defRPr/>
+            </a:pPr>
+            <a:r>
+              <a:rPr lang="en-US" sz="1400">
+                <a:solidFill>
+                  <a:srgbClr val="FF0000"/>
+                </a:solidFill>
+                <a:latin typeface="Arial" panose="020B0604020202020204" pitchFamily="34" charset="0"/>
+                <a:cs typeface="Arial" panose="020B0604020202020204" pitchFamily="34" charset="0"/>
+              </a:rPr>
               <a:t> </a:t>
             </a:r>
             <a:r>
-              <a:rPr lang="en-US" dirty="0" err="1"/>
-              <a:t>vé</a:t>
-            </a:r>
-            <a:r>
-              <a:rPr lang="en-US" dirty="0"/>
-              <a:t>:</a:t>
-            </a:r>
-          </a:p>
-          <a:p>
-            <a:pPr lvl="2"/>
-            <a:r>
-              <a:rPr lang="en-US" dirty="0"/>
+              <a:rPr lang="en-US" sz="1400">
+                <a:solidFill>
+                  <a:srgbClr val="ED7D31">
+                    <a:lumMod val="50000"/>
+                  </a:srgbClr>
+                </a:solidFill>
+                <a:latin typeface="Arial" panose="020B0604020202020204" pitchFamily="34" charset="0"/>
+                <a:cs typeface="Arial" panose="020B0604020202020204" pitchFamily="34" charset="0"/>
+              </a:rPr>
+              <a:t>Quản lý  Nhập hàng </a:t>
+            </a:r>
+            <a:r>
+              <a:rPr lang="en-US" sz="1400" b="1">
+                <a:solidFill>
+                  <a:srgbClr val="ED7D31">
+                    <a:lumMod val="50000"/>
+                  </a:srgbClr>
+                </a:solidFill>
+                <a:latin typeface="Arial" panose="020B0604020202020204" pitchFamily="34" charset="0"/>
+                <a:cs typeface="Arial" panose="020B0604020202020204" pitchFamily="34" charset="0"/>
+              </a:rPr>
+              <a:t>: </a:t>
+            </a:r>
+            <a:r>
+              <a:rPr lang="en-US" sz="1400">
+                <a:solidFill>
+                  <a:srgbClr val="FF0000"/>
+                </a:solidFill>
+                <a:latin typeface="Arial" panose="020B0604020202020204" pitchFamily="34" charset="0"/>
+                <a:cs typeface="Arial" panose="020B0604020202020204" pitchFamily="34" charset="0"/>
+              </a:rPr>
+              <a:t>Xem </a:t>
+            </a:r>
+            <a:r>
+              <a:rPr lang="en-US" sz="1400">
+                <a:solidFill>
+                  <a:srgbClr val="002060"/>
+                </a:solidFill>
+                <a:latin typeface="Arial" panose="020B0604020202020204" pitchFamily="34" charset="0"/>
+                <a:cs typeface="Arial" panose="020B0604020202020204" pitchFamily="34" charset="0"/>
+              </a:rPr>
+              <a:t>  </a:t>
+            </a:r>
+            <a:r>
+              <a:rPr lang="en-US" sz="1400" b="1">
+                <a:solidFill>
+                  <a:srgbClr val="002060"/>
+                </a:solidFill>
+                <a:latin typeface="Arial" panose="020B0604020202020204" pitchFamily="34" charset="0"/>
+                <a:cs typeface="Arial" panose="020B0604020202020204" pitchFamily="34" charset="0"/>
+              </a:rPr>
+              <a:t>Tivi</a:t>
+            </a:r>
+            <a:r>
+              <a:rPr lang="en-US" sz="1400">
+                <a:solidFill>
+                  <a:srgbClr val="002060"/>
+                </a:solidFill>
+                <a:latin typeface="Arial" panose="020B0604020202020204" pitchFamily="34" charset="0"/>
+                <a:cs typeface="Arial" panose="020B0604020202020204" pitchFamily="34" charset="0"/>
+              </a:rPr>
+              <a:t> (Tên,  Đơn giá Nhập, Số lượng Tồn)</a:t>
+            </a:r>
+            <a:r>
+              <a:rPr lang="en-US" sz="1400">
+                <a:latin typeface="Arial" panose="020B0604020202020204" pitchFamily="34" charset="0"/>
+                <a:cs typeface="Arial" panose="020B0604020202020204" pitchFamily="34" charset="0"/>
+              </a:rPr>
+              <a:t> </a:t>
+            </a:r>
+            <a:br>
+              <a:rPr lang="en-US" sz="1400">
+                <a:latin typeface="Arial" panose="020B0604020202020204" pitchFamily="34" charset="0"/>
+                <a:cs typeface="Arial" panose="020B0604020202020204" pitchFamily="34" charset="0"/>
+              </a:rPr>
+            </a:br>
+            <a:r>
+              <a:rPr lang="en-US" sz="1400">
+                <a:latin typeface="Arial" panose="020B0604020202020204" pitchFamily="34" charset="0"/>
+                <a:cs typeface="Arial" panose="020B0604020202020204" pitchFamily="34" charset="0"/>
+              </a:rPr>
+              <a:t>                      +  </a:t>
+            </a:r>
+            <a:r>
+              <a:rPr lang="en-US" sz="1400" b="1">
+                <a:solidFill>
+                  <a:srgbClr val="002060"/>
+                </a:solidFill>
+                <a:latin typeface="Arial" panose="020B0604020202020204" pitchFamily="34" charset="0"/>
+                <a:cs typeface="Arial" panose="020B0604020202020204" pitchFamily="34" charset="0"/>
+              </a:rPr>
+              <a:t>Nhóm Tivi</a:t>
+            </a:r>
+            <a:r>
+              <a:rPr lang="en-US" sz="1400">
+                <a:solidFill>
+                  <a:srgbClr val="002060"/>
+                </a:solidFill>
+                <a:latin typeface="Arial" panose="020B0604020202020204" pitchFamily="34" charset="0"/>
+                <a:cs typeface="Arial" panose="020B0604020202020204" pitchFamily="34" charset="0"/>
+              </a:rPr>
+              <a:t> (Tên, Số lượng Tồn)</a:t>
+            </a:r>
+            <a:r>
+              <a:rPr lang="en-US" sz="1400">
+                <a:latin typeface="Arial" panose="020B0604020202020204" pitchFamily="34" charset="0"/>
+                <a:cs typeface="Arial" panose="020B0604020202020204" pitchFamily="34" charset="0"/>
+              </a:rPr>
+              <a:t> </a:t>
+            </a:r>
+            <a:r>
+              <a:rPr lang="en-US" sz="1400" b="1">
+                <a:solidFill>
+                  <a:srgbClr val="002060"/>
+                </a:solidFill>
+                <a:latin typeface="Arial" panose="020B0604020202020204" pitchFamily="34" charset="0"/>
+                <a:cs typeface="Arial" panose="020B0604020202020204" pitchFamily="34" charset="0"/>
+              </a:rPr>
+              <a:t> </a:t>
+            </a:r>
+            <a:r>
+              <a:rPr lang="en-US" sz="1400">
+                <a:solidFill>
+                  <a:srgbClr val="FF0000"/>
+                </a:solidFill>
+                <a:latin typeface="Arial" panose="020B0604020202020204" pitchFamily="34" charset="0"/>
+                <a:cs typeface="Arial" panose="020B0604020202020204" pitchFamily="34" charset="0"/>
+              </a:rPr>
+              <a:t>Cập nhật </a:t>
+            </a:r>
+            <a:r>
+              <a:rPr lang="en-US" sz="1400">
+                <a:solidFill>
+                  <a:srgbClr val="002060"/>
+                </a:solidFill>
+                <a:latin typeface="Arial" panose="020B0604020202020204" pitchFamily="34" charset="0"/>
+                <a:cs typeface="Arial" panose="020B0604020202020204" pitchFamily="34" charset="0"/>
+              </a:rPr>
+              <a:t>Đơn giá Nhập  </a:t>
+            </a:r>
+            <a:r>
+              <a:rPr lang="en-US" sz="1400" b="1">
+                <a:solidFill>
+                  <a:srgbClr val="002060"/>
+                </a:solidFill>
+                <a:latin typeface="Arial" panose="020B0604020202020204" pitchFamily="34" charset="0"/>
+                <a:cs typeface="Arial" panose="020B0604020202020204" pitchFamily="34" charset="0"/>
+              </a:rPr>
+              <a:t>Tivi  </a:t>
+            </a:r>
+            <a:r>
+              <a:rPr lang="en-US" sz="1400">
+                <a:latin typeface="Arial" panose="020B0604020202020204" pitchFamily="34" charset="0"/>
+                <a:cs typeface="Arial" panose="020B0604020202020204" pitchFamily="34" charset="0"/>
+              </a:rPr>
+              <a:t> </a:t>
+            </a:r>
+            <a:endParaRPr lang="en-US" sz="1400" b="1">
+              <a:solidFill>
+                <a:srgbClr val="ED7D31">
+                  <a:lumMod val="50000"/>
+                </a:srgbClr>
+              </a:solidFill>
+              <a:latin typeface="Arial" panose="020B0604020202020204" pitchFamily="34" charset="0"/>
+              <a:cs typeface="Arial" panose="020B0604020202020204" pitchFamily="34" charset="0"/>
+            </a:endParaRPr>
+          </a:p>
+          <a:p>
+            <a:pPr>
+              <a:defRPr/>
+            </a:pPr>
+            <a:r>
+              <a:rPr lang="en-US" sz="1400">
+                <a:solidFill>
+                  <a:schemeClr val="accent2">
+                    <a:lumMod val="50000"/>
+                  </a:schemeClr>
+                </a:solidFill>
+                <a:latin typeface="Arial" panose="020B0604020202020204" pitchFamily="34" charset="0"/>
+                <a:cs typeface="Arial" panose="020B0604020202020204" pitchFamily="34" charset="0"/>
+              </a:rPr>
+              <a:t> Nhân viên Bán hàng  </a:t>
+            </a:r>
+            <a:r>
+              <a:rPr lang="en-US" sz="1400" b="1">
+                <a:solidFill>
+                  <a:schemeClr val="accent2">
+                    <a:lumMod val="50000"/>
+                  </a:schemeClr>
+                </a:solidFill>
+                <a:latin typeface="Arial" panose="020B0604020202020204" pitchFamily="34" charset="0"/>
+                <a:cs typeface="Arial" panose="020B0604020202020204" pitchFamily="34" charset="0"/>
+              </a:rPr>
+              <a:t>: </a:t>
+            </a:r>
+            <a:r>
+              <a:rPr lang="en-US" sz="1400">
+                <a:solidFill>
+                  <a:srgbClr val="FF0000"/>
+                </a:solidFill>
+                <a:latin typeface="Arial" panose="020B0604020202020204" pitchFamily="34" charset="0"/>
+                <a:cs typeface="Arial" panose="020B0604020202020204" pitchFamily="34" charset="0"/>
+              </a:rPr>
+              <a:t>Xem </a:t>
+            </a:r>
+            <a:r>
+              <a:rPr lang="en-US" sz="1400">
+                <a:solidFill>
+                  <a:srgbClr val="002060"/>
+                </a:solidFill>
+                <a:latin typeface="Arial" panose="020B0604020202020204" pitchFamily="34" charset="0"/>
+                <a:cs typeface="Arial" panose="020B0604020202020204" pitchFamily="34" charset="0"/>
+              </a:rPr>
+              <a:t>  </a:t>
+            </a:r>
+            <a:r>
+              <a:rPr lang="en-US" sz="1400" b="1">
+                <a:solidFill>
+                  <a:srgbClr val="002060"/>
+                </a:solidFill>
+                <a:latin typeface="Arial" panose="020B0604020202020204" pitchFamily="34" charset="0"/>
+                <a:cs typeface="Arial" panose="020B0604020202020204" pitchFamily="34" charset="0"/>
+              </a:rPr>
+              <a:t>Tivi</a:t>
+            </a:r>
+            <a:r>
+              <a:rPr lang="en-US" sz="1400">
+                <a:solidFill>
+                  <a:srgbClr val="002060"/>
+                </a:solidFill>
+                <a:latin typeface="Arial" panose="020B0604020202020204" pitchFamily="34" charset="0"/>
+                <a:cs typeface="Arial" panose="020B0604020202020204" pitchFamily="34" charset="0"/>
+              </a:rPr>
+              <a:t> (Tên,  Đơn giá Bán,Số lượng Tồn ,Doanh thu)</a:t>
+            </a:r>
+            <a:r>
+              <a:rPr lang="en-US" sz="1400">
+                <a:latin typeface="Arial" panose="020B0604020202020204" pitchFamily="34" charset="0"/>
+                <a:cs typeface="Arial" panose="020B0604020202020204" pitchFamily="34" charset="0"/>
+              </a:rPr>
+              <a:t> </a:t>
+            </a:r>
+            <a:endParaRPr lang="en-US" sz="1400">
+              <a:latin typeface="Arial" panose="020B0604020202020204" pitchFamily="34" charset="0"/>
+              <a:cs typeface="Arial" panose="020B0604020202020204" pitchFamily="34" charset="0"/>
+            </a:endParaRPr>
+          </a:p>
+          <a:p>
+            <a:pPr>
+              <a:defRPr/>
+            </a:pPr>
+            <a:r>
+              <a:rPr lang="en-US" sz="1400">
+                <a:solidFill>
+                  <a:srgbClr val="FF0000"/>
+                </a:solidFill>
+                <a:latin typeface="Arial" panose="020B0604020202020204" pitchFamily="34" charset="0"/>
+                <a:cs typeface="Arial" panose="020B0604020202020204" pitchFamily="34" charset="0"/>
+              </a:rPr>
+              <a:t>                             </a:t>
+            </a:r>
+            <a:r>
+              <a:rPr lang="en-US" sz="1400">
+                <a:latin typeface="Arial" panose="020B0604020202020204" pitchFamily="34" charset="0"/>
+                <a:cs typeface="Arial" panose="020B0604020202020204" pitchFamily="34" charset="0"/>
+              </a:rPr>
+              <a:t>+</a:t>
+            </a:r>
+            <a:r>
+              <a:rPr lang="en-US" sz="1400">
+                <a:solidFill>
+                  <a:srgbClr val="FF0000"/>
+                </a:solidFill>
+                <a:latin typeface="Arial" panose="020B0604020202020204" pitchFamily="34" charset="0"/>
+                <a:cs typeface="Arial" panose="020B0604020202020204" pitchFamily="34" charset="0"/>
+              </a:rPr>
+              <a:t> </a:t>
+            </a:r>
+            <a:r>
+              <a:rPr lang="en-US" sz="1400">
+                <a:solidFill>
+                  <a:srgbClr val="002060"/>
+                </a:solidFill>
+                <a:latin typeface="Arial" panose="020B0604020202020204" pitchFamily="34" charset="0"/>
+                <a:cs typeface="Arial" panose="020B0604020202020204" pitchFamily="34" charset="0"/>
+              </a:rPr>
+              <a:t> Doanh thu </a:t>
+            </a:r>
+            <a:r>
+              <a:rPr lang="en-US" sz="1400">
+                <a:latin typeface="Arial" panose="020B0604020202020204" pitchFamily="34" charset="0"/>
+                <a:cs typeface="Arial" panose="020B0604020202020204" pitchFamily="34" charset="0"/>
+              </a:rPr>
+              <a:t>của </a:t>
+            </a:r>
+            <a:r>
+              <a:rPr lang="en-US" sz="1400" b="1">
+                <a:solidFill>
+                  <a:srgbClr val="002060"/>
+                </a:solidFill>
+                <a:latin typeface="Arial" panose="020B0604020202020204" pitchFamily="34" charset="0"/>
+                <a:cs typeface="Arial" panose="020B0604020202020204" pitchFamily="34" charset="0"/>
+              </a:rPr>
+              <a:t>chính mình   </a:t>
+            </a:r>
+            <a:r>
+              <a:rPr lang="en-US" sz="1400">
+                <a:solidFill>
+                  <a:srgbClr val="FF0000"/>
+                </a:solidFill>
+                <a:latin typeface="Arial" panose="020B0604020202020204" pitchFamily="34" charset="0"/>
+                <a:cs typeface="Arial" panose="020B0604020202020204" pitchFamily="34" charset="0"/>
+              </a:rPr>
               <a:t>Bán </a:t>
             </a:r>
             <a:r>
-              <a:rPr lang="en-US" dirty="0" err="1"/>
-              <a:t>vé</a:t>
-            </a:r>
-            <a:endParaRPr lang="en-US" dirty="0"/>
-          </a:p>
-          <a:p>
-            <a:pPr lvl="2"/>
-            <a:r>
-              <a:rPr lang="en-US" dirty="0"/>
-              <a:t>Tra </a:t>
-            </a:r>
-            <a:r>
-              <a:rPr lang="en-US" dirty="0" err="1"/>
-              <a:t>cứu</a:t>
-            </a:r>
-            <a:r>
-              <a:rPr lang="en-US" dirty="0"/>
+              <a:rPr lang="en-US" sz="1400" b="1">
+                <a:solidFill>
+                  <a:srgbClr val="002060"/>
+                </a:solidFill>
+                <a:latin typeface="Arial" panose="020B0604020202020204" pitchFamily="34" charset="0"/>
+                <a:cs typeface="Arial" panose="020B0604020202020204" pitchFamily="34" charset="0"/>
+              </a:rPr>
+              <a:t>Tivi</a:t>
+            </a:r>
+            <a:r>
+              <a:rPr lang="en-US" sz="1400" b="1">
+                <a:solidFill>
+                  <a:srgbClr val="FF0000"/>
+                </a:solidFill>
+                <a:latin typeface="Arial" panose="020B0604020202020204" pitchFamily="34" charset="0"/>
+                <a:cs typeface="Arial" panose="020B0604020202020204" pitchFamily="34" charset="0"/>
+              </a:rPr>
               <a:t> </a:t>
             </a:r>
             <a:r>
-              <a:rPr lang="en-US" dirty="0" err="1"/>
-              <a:t>xuất</a:t>
-            </a:r>
-            <a:r>
-              <a:rPr lang="en-US" dirty="0"/>
+              <a:rPr lang="en-US" sz="1400">
+                <a:solidFill>
+                  <a:srgbClr val="FF0000"/>
+                </a:solidFill>
+                <a:latin typeface="Arial" panose="020B0604020202020204" pitchFamily="34" charset="0"/>
+                <a:cs typeface="Arial" panose="020B0604020202020204" pitchFamily="34" charset="0"/>
+              </a:rPr>
               <a:t> </a:t>
             </a:r>
             <a:r>
-              <a:rPr lang="en-US" dirty="0" err="1"/>
-              <a:t>chiếu</a:t>
-            </a:r>
-            <a:r>
-              <a:rPr lang="en-US" dirty="0"/>
+              <a:rPr lang="en-US" sz="1400">
+                <a:latin typeface="Arial" panose="020B0604020202020204" pitchFamily="34" charset="0"/>
+                <a:cs typeface="Arial" panose="020B0604020202020204" pitchFamily="34" charset="0"/>
+              </a:rPr>
+              <a:t>theo Phiếu Bán </a:t>
+            </a:r>
+            <a:br>
+              <a:rPr lang="en-US" sz="1400">
+                <a:latin typeface="Arial" panose="020B0604020202020204" pitchFamily="34" charset="0"/>
+                <a:cs typeface="Arial" panose="020B0604020202020204" pitchFamily="34" charset="0"/>
+              </a:rPr>
+            </a:br>
+            <a:r>
+              <a:rPr lang="en-US" sz="1400">
+                <a:solidFill>
+                  <a:srgbClr val="FF0000"/>
+                </a:solidFill>
+                <a:latin typeface="Arial" panose="020B0604020202020204" pitchFamily="34" charset="0"/>
+                <a:cs typeface="Arial" panose="020B0604020202020204" pitchFamily="34" charset="0"/>
+              </a:rPr>
               <a:t> </a:t>
             </a:r>
             <a:r>
-              <a:rPr lang="en-US" dirty="0" err="1"/>
-              <a:t>phim</a:t>
-            </a:r>
-            <a:r>
-              <a:rPr lang="en-US" dirty="0"/>
+              <a:rPr lang="en-US" sz="1400">
+                <a:solidFill>
+                  <a:srgbClr val="ED7D31">
+                    <a:lumMod val="50000"/>
+                  </a:srgbClr>
+                </a:solidFill>
+                <a:latin typeface="Arial" panose="020B0604020202020204" pitchFamily="34" charset="0"/>
+                <a:cs typeface="Arial" panose="020B0604020202020204" pitchFamily="34" charset="0"/>
+              </a:rPr>
+              <a:t>Quản lý  Bán hàng </a:t>
+            </a:r>
+            <a:r>
+              <a:rPr lang="en-US" sz="1400" b="1">
+                <a:solidFill>
+                  <a:srgbClr val="ED7D31">
+                    <a:lumMod val="50000"/>
+                  </a:srgbClr>
+                </a:solidFill>
+                <a:latin typeface="Arial" panose="020B0604020202020204" pitchFamily="34" charset="0"/>
+                <a:cs typeface="Arial" panose="020B0604020202020204" pitchFamily="34" charset="0"/>
+              </a:rPr>
+              <a:t>:  </a:t>
+            </a:r>
+            <a:r>
+              <a:rPr lang="en-US" sz="1400">
+                <a:solidFill>
+                  <a:srgbClr val="FF0000"/>
+                </a:solidFill>
+                <a:latin typeface="Arial" panose="020B0604020202020204" pitchFamily="34" charset="0"/>
+                <a:cs typeface="Arial" panose="020B0604020202020204" pitchFamily="34" charset="0"/>
+              </a:rPr>
+              <a:t>Xem </a:t>
+            </a:r>
+            <a:r>
+              <a:rPr lang="en-US" sz="1400">
+                <a:solidFill>
+                  <a:srgbClr val="002060"/>
+                </a:solidFill>
+                <a:latin typeface="Arial" panose="020B0604020202020204" pitchFamily="34" charset="0"/>
+                <a:cs typeface="Arial" panose="020B0604020202020204" pitchFamily="34" charset="0"/>
+              </a:rPr>
               <a:t> </a:t>
             </a:r>
             <a:r>
-              <a:rPr lang="en-US" dirty="0" err="1"/>
-              <a:t>theo</a:t>
-            </a:r>
-            <a:r>
-              <a:rPr lang="en-US" dirty="0"/>
+              <a:rPr lang="en-US" sz="1400" b="1">
+                <a:solidFill>
+                  <a:srgbClr val="002060"/>
+                </a:solidFill>
+                <a:latin typeface="Arial" panose="020B0604020202020204" pitchFamily="34" charset="0"/>
+                <a:cs typeface="Arial" panose="020B0604020202020204" pitchFamily="34" charset="0"/>
+              </a:rPr>
+              <a:t>Tivi</a:t>
+            </a:r>
+            <a:r>
+              <a:rPr lang="en-US" sz="1400">
+                <a:solidFill>
+                  <a:srgbClr val="002060"/>
+                </a:solidFill>
+                <a:latin typeface="Arial" panose="020B0604020202020204" pitchFamily="34" charset="0"/>
+                <a:cs typeface="Arial" panose="020B0604020202020204" pitchFamily="34" charset="0"/>
+              </a:rPr>
+              <a:t> (Tên,  Đơn giá Bán , Số lượng Tồn ,Doanh thu)</a:t>
+            </a:r>
+            <a:r>
+              <a:rPr lang="en-US" sz="1400">
+                <a:latin typeface="Arial" panose="020B0604020202020204" pitchFamily="34" charset="0"/>
+                <a:cs typeface="Arial" panose="020B0604020202020204" pitchFamily="34" charset="0"/>
+              </a:rPr>
               <a:t> </a:t>
             </a:r>
-            <a:r>
-              <a:rPr lang="en-US" dirty="0" err="1"/>
-              <a:t>tiêu</a:t>
-            </a:r>
-            <a:r>
-              <a:rPr lang="en-US" dirty="0"/>
+            <a:endParaRPr lang="en-US" sz="1400">
+              <a:latin typeface="Arial" panose="020B0604020202020204" pitchFamily="34" charset="0"/>
+              <a:cs typeface="Arial" panose="020B0604020202020204" pitchFamily="34" charset="0"/>
+            </a:endParaRPr>
+          </a:p>
+          <a:p>
+            <a:pPr lvl="0">
+              <a:defRPr/>
+            </a:pPr>
+            <a:r>
+              <a:rPr lang="en-US" sz="1400" b="1">
+                <a:solidFill>
+                  <a:srgbClr val="002060"/>
+                </a:solidFill>
+                <a:latin typeface="Arial" panose="020B0604020202020204" pitchFamily="34" charset="0"/>
+                <a:cs typeface="Arial" panose="020B0604020202020204" pitchFamily="34" charset="0"/>
+              </a:rPr>
               <a:t> </a:t>
             </a:r>
             <a:r>
-              <a:rPr lang="en-US" dirty="0" err="1"/>
-              <a:t>chí</a:t>
-            </a:r>
-            <a:r>
-              <a:rPr lang="en-US" dirty="0"/>
+              <a:rPr lang="en-US" sz="1400">
+                <a:latin typeface="Arial" panose="020B0604020202020204" pitchFamily="34" charset="0"/>
+                <a:cs typeface="Arial" panose="020B0604020202020204" pitchFamily="34" charset="0"/>
+              </a:rPr>
+              <a:t> + </a:t>
+            </a:r>
+            <a:r>
+              <a:rPr lang="en-US" sz="1400" b="1">
+                <a:solidFill>
+                  <a:srgbClr val="002060"/>
+                </a:solidFill>
+                <a:latin typeface="Arial" panose="020B0604020202020204" pitchFamily="34" charset="0"/>
+                <a:cs typeface="Arial" panose="020B0604020202020204" pitchFamily="34" charset="0"/>
+              </a:rPr>
+              <a:t>Nhóm Tivi</a:t>
+            </a:r>
+            <a:r>
+              <a:rPr lang="en-US" sz="1400">
+                <a:solidFill>
+                  <a:srgbClr val="002060"/>
+                </a:solidFill>
+                <a:latin typeface="Arial" panose="020B0604020202020204" pitchFamily="34" charset="0"/>
+                <a:cs typeface="Arial" panose="020B0604020202020204" pitchFamily="34" charset="0"/>
+              </a:rPr>
+              <a:t> (Tên,Số lượng Tồn, Doanh thu )</a:t>
+            </a:r>
+            <a:r>
+              <a:rPr lang="en-US" sz="1400">
+                <a:latin typeface="Arial" panose="020B0604020202020204" pitchFamily="34" charset="0"/>
+                <a:cs typeface="Arial" panose="020B0604020202020204" pitchFamily="34" charset="0"/>
+              </a:rPr>
+              <a:t>+ </a:t>
+            </a:r>
+            <a:r>
+              <a:rPr lang="en-US" sz="1400" b="1">
+                <a:solidFill>
+                  <a:srgbClr val="002060"/>
+                </a:solidFill>
+                <a:latin typeface="Arial" panose="020B0604020202020204" pitchFamily="34" charset="0"/>
+                <a:cs typeface="Arial" panose="020B0604020202020204" pitchFamily="34" charset="0"/>
+              </a:rPr>
+              <a:t>Nhân viên bán hàng </a:t>
+            </a:r>
+            <a:r>
+              <a:rPr lang="en-US" sz="1400">
+                <a:solidFill>
+                  <a:srgbClr val="002060"/>
+                </a:solidFill>
+                <a:latin typeface="Arial" panose="020B0604020202020204" pitchFamily="34" charset="0"/>
+                <a:cs typeface="Arial" panose="020B0604020202020204" pitchFamily="34" charset="0"/>
+              </a:rPr>
+              <a:t>( Họ tên , Doanh thu ) </a:t>
+            </a:r>
+            <a:r>
+              <a:rPr lang="en-US" sz="1400">
+                <a:solidFill>
+                  <a:srgbClr val="FF0000"/>
+                </a:solidFill>
+                <a:latin typeface="Arial" panose="020B0604020202020204" pitchFamily="34" charset="0"/>
+                <a:cs typeface="Arial" panose="020B0604020202020204" pitchFamily="34" charset="0"/>
+              </a:rPr>
+              <a:t>Cập nhật </a:t>
+            </a:r>
+            <a:r>
+              <a:rPr lang="en-US" sz="1400">
+                <a:solidFill>
+                  <a:srgbClr val="002060"/>
+                </a:solidFill>
+                <a:latin typeface="Arial" panose="020B0604020202020204" pitchFamily="34" charset="0"/>
+                <a:cs typeface="Arial" panose="020B0604020202020204" pitchFamily="34" charset="0"/>
+              </a:rPr>
+              <a:t>Đơn giá Bán T</a:t>
+            </a:r>
+            <a:r>
+              <a:rPr lang="en-US" sz="1400" b="1">
+                <a:solidFill>
+                  <a:srgbClr val="002060"/>
+                </a:solidFill>
+                <a:latin typeface="Arial" panose="020B0604020202020204" pitchFamily="34" charset="0"/>
+                <a:cs typeface="Arial" panose="020B0604020202020204" pitchFamily="34" charset="0"/>
+              </a:rPr>
+              <a:t>ivi</a:t>
+            </a:r>
+            <a:r>
+              <a:rPr lang="en-US" sz="1400">
+                <a:solidFill>
+                  <a:srgbClr val="002060"/>
+                </a:solidFill>
+                <a:latin typeface="Arial" panose="020B0604020202020204" pitchFamily="34" charset="0"/>
+                <a:cs typeface="Arial" panose="020B0604020202020204" pitchFamily="34" charset="0"/>
+              </a:rPr>
+              <a:t> </a:t>
+            </a:r>
+            <a:br>
+              <a:rPr lang="en-US" sz="1400" b="1">
+                <a:solidFill>
+                  <a:srgbClr val="002060"/>
+                </a:solidFill>
+                <a:latin typeface="Arial" panose="020B0604020202020204" pitchFamily="34" charset="0"/>
+                <a:cs typeface="Arial" panose="020B0604020202020204" pitchFamily="34" charset="0"/>
+              </a:rPr>
+            </a:br>
+            <a:r>
+              <a:rPr lang="en-US" sz="1400">
+                <a:solidFill>
+                  <a:srgbClr val="FF0000"/>
+                </a:solidFill>
+                <a:latin typeface="Arial" panose="020B0604020202020204" pitchFamily="34" charset="0"/>
+                <a:cs typeface="Arial" panose="020B0604020202020204" pitchFamily="34" charset="0"/>
+              </a:rPr>
+              <a:t> </a:t>
+            </a:r>
+            <a:r>
+              <a:rPr lang="en-US" sz="1400">
+                <a:solidFill>
+                  <a:srgbClr val="ED7D31">
+                    <a:lumMod val="50000"/>
+                  </a:srgbClr>
+                </a:solidFill>
+                <a:latin typeface="Arial" panose="020B0604020202020204" pitchFamily="34" charset="0"/>
+                <a:cs typeface="Arial" panose="020B0604020202020204" pitchFamily="34" charset="0"/>
+              </a:rPr>
+              <a:t>Quản lý  Cửa hàng</a:t>
+            </a:r>
+            <a:r>
+              <a:rPr lang="en-US" sz="1400" b="1">
+                <a:solidFill>
+                  <a:srgbClr val="ED7D31">
+                    <a:lumMod val="50000"/>
+                  </a:srgbClr>
+                </a:solidFill>
+                <a:latin typeface="Arial" panose="020B0604020202020204" pitchFamily="34" charset="0"/>
+                <a:cs typeface="Arial" panose="020B0604020202020204" pitchFamily="34" charset="0"/>
+              </a:rPr>
               <a:t>: </a:t>
             </a:r>
             <a:r>
-              <a:rPr lang="en-US" dirty="0" err="1"/>
-              <a:t>Tên</a:t>
-            </a:r>
-            <a:r>
-              <a:rPr lang="en-US" dirty="0"/>
+              <a:rPr lang="en-US" sz="1400">
+                <a:solidFill>
+                  <a:srgbClr val="FF0000"/>
+                </a:solidFill>
+                <a:latin typeface="Arial" panose="020B0604020202020204" pitchFamily="34" charset="0"/>
+                <a:cs typeface="Arial" panose="020B0604020202020204" pitchFamily="34" charset="0"/>
+              </a:rPr>
+              <a:t>Xem </a:t>
+            </a:r>
+            <a:r>
+              <a:rPr lang="en-US" sz="1400">
+                <a:solidFill>
+                  <a:srgbClr val="002060"/>
+                </a:solidFill>
+                <a:latin typeface="Arial" panose="020B0604020202020204" pitchFamily="34" charset="0"/>
+                <a:cs typeface="Arial" panose="020B0604020202020204" pitchFamily="34" charset="0"/>
+              </a:rPr>
               <a:t> </a:t>
             </a:r>
             <a:r>
-              <a:rPr lang="en-US" dirty="0" err="1"/>
-              <a:t>phim</a:t>
-            </a:r>
-            <a:r>
-              <a:rPr lang="en-US" dirty="0"/>
-              <a:t>, Ca </a:t>
-            </a:r>
-            <a:r>
-              <a:rPr lang="en-US" dirty="0" err="1"/>
-              <a:t>chiếu</a:t>
-            </a:r>
-            <a:r>
-              <a:rPr lang="en-US" dirty="0"/>
-              <a:t>, </a:t>
-            </a:r>
-            <a:r>
-              <a:rPr lang="en-US" dirty="0" err="1"/>
-              <a:t>Ngày</a:t>
-            </a:r>
-            <a:r>
-              <a:rPr lang="en-US" dirty="0"/>
+              <a:rPr lang="en-US" sz="1400" b="1">
+                <a:solidFill>
+                  <a:srgbClr val="002060"/>
+                </a:solidFill>
+                <a:latin typeface="Arial" panose="020B0604020202020204" pitchFamily="34" charset="0"/>
+                <a:cs typeface="Arial" panose="020B0604020202020204" pitchFamily="34" charset="0"/>
+              </a:rPr>
+              <a:t>Tivi</a:t>
+            </a:r>
+            <a:r>
+              <a:rPr lang="en-US" sz="1400">
+                <a:solidFill>
+                  <a:srgbClr val="002060"/>
+                </a:solidFill>
+                <a:latin typeface="Arial" panose="020B0604020202020204" pitchFamily="34" charset="0"/>
+                <a:cs typeface="Arial" panose="020B0604020202020204" pitchFamily="34" charset="0"/>
+              </a:rPr>
+              <a:t> (Tên,  Đơn giá Bán , Số lượng Tồn ,Doanh thu)</a:t>
+            </a:r>
+            <a:r>
+              <a:rPr lang="en-US" sz="1400">
+                <a:solidFill>
+                  <a:prstClr val="black"/>
+                </a:solidFill>
+                <a:latin typeface="Arial" panose="020B0604020202020204" pitchFamily="34" charset="0"/>
+                <a:cs typeface="Arial" panose="020B0604020202020204" pitchFamily="34" charset="0"/>
+              </a:rPr>
               <a:t> </a:t>
             </a:r>
-            <a:r>
-              <a:rPr lang="en-US" dirty="0" err="1"/>
-              <a:t>chiếu</a:t>
-            </a:r>
-            <a:endParaRPr lang="en-US" dirty="0"/>
-          </a:p>
-          <a:p>
-            <a:pPr lvl="1"/>
-            <a:r>
-              <a:rPr lang="en-US" dirty="0" err="1"/>
-              <a:t>Bộ</a:t>
-            </a:r>
-            <a:r>
-              <a:rPr lang="en-US" dirty="0"/>
+            <a:endParaRPr lang="en-US" sz="1400">
+              <a:solidFill>
+                <a:prstClr val="black"/>
+              </a:solidFill>
+              <a:latin typeface="Arial" panose="020B0604020202020204" pitchFamily="34" charset="0"/>
+              <a:cs typeface="Arial" panose="020B0604020202020204" pitchFamily="34" charset="0"/>
+            </a:endParaRPr>
+          </a:p>
+          <a:p>
+            <a:pPr lvl="0">
+              <a:defRPr/>
+            </a:pPr>
+            <a:r>
+              <a:rPr lang="en-US" sz="1400" b="1">
+                <a:solidFill>
+                  <a:srgbClr val="002060"/>
+                </a:solidFill>
+                <a:latin typeface="Arial" panose="020B0604020202020204" pitchFamily="34" charset="0"/>
+                <a:cs typeface="Arial" panose="020B0604020202020204" pitchFamily="34" charset="0"/>
+              </a:rPr>
               <a:t> </a:t>
             </a:r>
             <a:r>
-              <a:rPr lang="en-US" dirty="0" err="1"/>
-              <a:t>phận</a:t>
-            </a:r>
-            <a:r>
-              <a:rPr lang="en-US" dirty="0"/>
+              <a:rPr lang="en-US" sz="1400">
+                <a:solidFill>
+                  <a:prstClr val="black"/>
+                </a:solidFill>
+                <a:latin typeface="Arial" panose="020B0604020202020204" pitchFamily="34" charset="0"/>
+                <a:cs typeface="Arial" panose="020B0604020202020204" pitchFamily="34" charset="0"/>
+              </a:rPr>
+              <a:t> + </a:t>
+            </a:r>
+            <a:r>
+              <a:rPr lang="en-US" sz="1400" b="1">
+                <a:solidFill>
+                  <a:srgbClr val="002060"/>
+                </a:solidFill>
+                <a:latin typeface="Arial" panose="020B0604020202020204" pitchFamily="34" charset="0"/>
+                <a:cs typeface="Arial" panose="020B0604020202020204" pitchFamily="34" charset="0"/>
+              </a:rPr>
+              <a:t>Nhóm Tivi</a:t>
+            </a:r>
+            <a:r>
+              <a:rPr lang="en-US" sz="1400">
+                <a:solidFill>
+                  <a:srgbClr val="002060"/>
+                </a:solidFill>
+                <a:latin typeface="Arial" panose="020B0604020202020204" pitchFamily="34" charset="0"/>
+                <a:cs typeface="Arial" panose="020B0604020202020204" pitchFamily="34" charset="0"/>
+              </a:rPr>
+              <a:t> (Tên,Số lượng Tồn, Doanh thu )</a:t>
+            </a:r>
+            <a:r>
+              <a:rPr lang="en-US" sz="1400">
+                <a:solidFill>
+                  <a:prstClr val="black"/>
+                </a:solidFill>
+                <a:latin typeface="Arial" panose="020B0604020202020204" pitchFamily="34" charset="0"/>
+                <a:cs typeface="Arial" panose="020B0604020202020204" pitchFamily="34" charset="0"/>
+              </a:rPr>
+              <a:t>+ </a:t>
+            </a:r>
+            <a:r>
+              <a:rPr lang="en-US" sz="1400" b="1">
+                <a:solidFill>
+                  <a:srgbClr val="002060"/>
+                </a:solidFill>
+                <a:latin typeface="Arial" panose="020B0604020202020204" pitchFamily="34" charset="0"/>
+                <a:cs typeface="Arial" panose="020B0604020202020204" pitchFamily="34" charset="0"/>
+              </a:rPr>
+              <a:t>Nhân viên bán hàng </a:t>
+            </a:r>
+            <a:r>
+              <a:rPr lang="en-US" sz="1400">
+                <a:solidFill>
+                  <a:srgbClr val="002060"/>
+                </a:solidFill>
+                <a:latin typeface="Arial" panose="020B0604020202020204" pitchFamily="34" charset="0"/>
+                <a:cs typeface="Arial" panose="020B0604020202020204" pitchFamily="34" charset="0"/>
+              </a:rPr>
+              <a:t>( Họ tên , Doanh thu ) </a:t>
+            </a:r>
+            <a:endParaRPr lang="en-US" sz="1400">
+              <a:solidFill>
+                <a:srgbClr val="002060"/>
+              </a:solidFill>
+              <a:latin typeface="Arial" panose="020B0604020202020204" pitchFamily="34" charset="0"/>
+              <a:cs typeface="Arial" panose="020B0604020202020204" pitchFamily="34" charset="0"/>
+            </a:endParaRPr>
+          </a:p>
+          <a:p>
+            <a:pPr lvl="0">
+              <a:defRPr/>
+            </a:pPr>
+            <a:r>
+              <a:rPr lang="en-US" sz="1400" b="1">
+                <a:solidFill>
+                  <a:srgbClr val="002060"/>
+                </a:solidFill>
+                <a:latin typeface="Arial" panose="020B0604020202020204" pitchFamily="34" charset="0"/>
+                <a:cs typeface="Arial" panose="020B0604020202020204" pitchFamily="34" charset="0"/>
+              </a:rPr>
               <a:t> </a:t>
             </a:r>
             <a:r>
-              <a:rPr lang="en-US" dirty="0" err="1"/>
-              <a:t>quản</a:t>
-            </a:r>
-            <a:r>
-              <a:rPr lang="en-US" dirty="0"/>
-              <a:t> </a:t>
-            </a:r>
-            <a:r>
-              <a:rPr lang="en-US" dirty="0" err="1"/>
-              <a:t>lý</a:t>
-            </a:r>
-            <a:r>
-              <a:rPr lang="en-US" dirty="0"/>
-              <a:t>:</a:t>
-            </a:r>
-          </a:p>
-          <a:p>
-            <a:pPr lvl="2"/>
-            <a:r>
-              <a:rPr lang="en-US" dirty="0"/>
-              <a:t>Tra </a:t>
-            </a:r>
-            <a:r>
-              <a:rPr lang="en-US" dirty="0" err="1"/>
-              <a:t>cứu</a:t>
-            </a:r>
-            <a:r>
-              <a:rPr lang="en-US" dirty="0"/>
-              <a:t> </a:t>
-            </a:r>
-            <a:r>
-              <a:rPr lang="en-US" dirty="0" err="1"/>
-              <a:t>xuất</a:t>
-            </a:r>
-            <a:r>
-              <a:rPr lang="en-US" dirty="0"/>
-              <a:t> </a:t>
-            </a:r>
-            <a:r>
-              <a:rPr lang="en-US" dirty="0" err="1"/>
-              <a:t>chiếu</a:t>
-            </a:r>
-            <a:r>
-              <a:rPr lang="en-US" dirty="0"/>
-              <a:t> </a:t>
-            </a:r>
-            <a:r>
-              <a:rPr lang="en-US" dirty="0" err="1"/>
-              <a:t>phim</a:t>
-            </a:r>
-            <a:r>
-              <a:rPr lang="en-US" dirty="0"/>
-              <a:t> </a:t>
-            </a:r>
-            <a:r>
-              <a:rPr lang="en-US" dirty="0" err="1"/>
-              <a:t>theo</a:t>
-            </a:r>
-            <a:r>
-              <a:rPr lang="en-US" dirty="0"/>
-              <a:t> </a:t>
-            </a:r>
-            <a:r>
-              <a:rPr lang="en-US" dirty="0" err="1"/>
-              <a:t>các</a:t>
-            </a:r>
-            <a:r>
-              <a:rPr lang="en-US" dirty="0"/>
-              <a:t> </a:t>
-            </a:r>
-            <a:r>
-              <a:rPr lang="en-US" dirty="0" err="1"/>
-              <a:t>tiêu</a:t>
-            </a:r>
-            <a:r>
-              <a:rPr lang="en-US" dirty="0"/>
-              <a:t> </a:t>
-            </a:r>
-            <a:r>
-              <a:rPr lang="en-US" dirty="0" err="1"/>
-              <a:t>chí</a:t>
-            </a:r>
-            <a:r>
-              <a:rPr lang="en-US" dirty="0"/>
-              <a:t> : </a:t>
-            </a:r>
-            <a:r>
-              <a:rPr lang="en-US" dirty="0" err="1"/>
-              <a:t>Tên</a:t>
-            </a:r>
-            <a:r>
-              <a:rPr lang="en-US" dirty="0"/>
-              <a:t> </a:t>
-            </a:r>
-            <a:r>
-              <a:rPr lang="en-US" dirty="0" err="1"/>
-              <a:t>phim</a:t>
-            </a:r>
-            <a:r>
-              <a:rPr lang="en-US" dirty="0"/>
-              <a:t>, Ca </a:t>
-            </a:r>
-            <a:r>
-              <a:rPr lang="en-US" dirty="0" err="1"/>
-              <a:t>chiếu</a:t>
-            </a:r>
-            <a:r>
-              <a:rPr lang="en-US" dirty="0"/>
-              <a:t>, </a:t>
-            </a:r>
-            <a:r>
-              <a:rPr lang="en-US" dirty="0" err="1"/>
-              <a:t>Ngày</a:t>
-            </a:r>
-            <a:r>
-              <a:rPr lang="en-US" dirty="0"/>
-              <a:t> </a:t>
-            </a:r>
-            <a:r>
-              <a:rPr lang="en-US" dirty="0" err="1"/>
-              <a:t>chiếu</a:t>
-            </a:r>
-            <a:endParaRPr lang="en-US" dirty="0"/>
-          </a:p>
-          <a:p>
-            <a:pPr lvl="2"/>
-            <a:r>
-              <a:rPr lang="en-US" dirty="0" err="1"/>
-              <a:t>Lập</a:t>
-            </a:r>
-            <a:r>
-              <a:rPr lang="en-US" dirty="0"/>
-              <a:t> </a:t>
-            </a:r>
-            <a:r>
-              <a:rPr lang="en-US" dirty="0" err="1"/>
-              <a:t>báo</a:t>
-            </a:r>
-            <a:r>
-              <a:rPr lang="en-US" dirty="0"/>
-              <a:t> </a:t>
-            </a:r>
-            <a:r>
-              <a:rPr lang="en-US" dirty="0" err="1"/>
-              <a:t>cáo</a:t>
-            </a:r>
-            <a:r>
-              <a:rPr lang="en-US" dirty="0"/>
-              <a:t> </a:t>
-            </a:r>
-            <a:r>
-              <a:rPr lang="en-US" dirty="0" err="1"/>
-              <a:t>thông</a:t>
-            </a:r>
-            <a:r>
-              <a:rPr lang="en-US" dirty="0"/>
-              <a:t> </a:t>
-            </a:r>
-            <a:r>
-              <a:rPr lang="en-US" dirty="0" err="1"/>
-              <a:t>kê</a:t>
-            </a:r>
-            <a:r>
-              <a:rPr lang="en-US" dirty="0"/>
-              <a:t> </a:t>
-            </a:r>
-            <a:r>
-              <a:rPr lang="en-US" dirty="0" err="1"/>
-              <a:t>vé</a:t>
-            </a:r>
-            <a:r>
-              <a:rPr lang="en-US" dirty="0"/>
-              <a:t> </a:t>
-            </a:r>
-            <a:r>
-              <a:rPr lang="en-US" dirty="0" err="1"/>
-              <a:t>bán</a:t>
-            </a:r>
-            <a:r>
-              <a:rPr lang="en-US" dirty="0"/>
-              <a:t> (BM2)</a:t>
-            </a:r>
-          </a:p>
-          <a:p>
-            <a:pPr lvl="1"/>
-            <a:r>
-              <a:rPr lang="en-US" dirty="0" err="1"/>
-              <a:t>Khách</a:t>
-            </a:r>
-            <a:r>
-              <a:rPr lang="en-US" dirty="0"/>
-              <a:t> hang:</a:t>
-            </a:r>
-          </a:p>
-          <a:p>
-            <a:pPr lvl="2"/>
-            <a:r>
-              <a:rPr lang="en-US" dirty="0"/>
-              <a:t>Tra </a:t>
-            </a:r>
-            <a:r>
-              <a:rPr lang="en-US" dirty="0" err="1"/>
-              <a:t>cứu</a:t>
-            </a:r>
-            <a:r>
-              <a:rPr lang="en-US" dirty="0"/>
-              <a:t> </a:t>
-            </a:r>
-            <a:r>
-              <a:rPr lang="en-US" dirty="0" err="1"/>
-              <a:t>phim</a:t>
-            </a:r>
-            <a:endParaRPr lang="en-US" dirty="0"/>
-          </a:p>
-          <a:p>
-            <a:pPr lvl="2"/>
-            <a:endParaRPr lang="en-US" dirty="0"/>
-          </a:p>
-          <a:p>
-            <a:r>
-              <a:rPr lang="en-US" dirty="0" err="1"/>
-              <a:t>Yêu</a:t>
-            </a:r>
-            <a:r>
-              <a:rPr lang="en-US" dirty="0"/>
-              <a:t> </a:t>
-            </a:r>
-            <a:r>
-              <a:rPr lang="en-US" dirty="0" err="1"/>
-              <a:t>cầu</a:t>
-            </a:r>
-            <a:r>
-              <a:rPr lang="en-US" dirty="0"/>
-              <a:t> phi </a:t>
-            </a:r>
-            <a:r>
-              <a:rPr lang="en-US" dirty="0" err="1"/>
-              <a:t>chức</a:t>
-            </a:r>
-            <a:r>
-              <a:rPr lang="en-US" dirty="0"/>
-              <a:t> </a:t>
-            </a:r>
-            <a:r>
-              <a:rPr lang="en-US" dirty="0" err="1"/>
-              <a:t>năng</a:t>
-            </a:r>
-            <a:r>
-              <a:rPr lang="en-US" dirty="0"/>
-              <a:t>:</a:t>
-            </a:r>
+              <a:rPr lang="en-US" sz="1400">
+                <a:solidFill>
+                  <a:srgbClr val="002060"/>
+                </a:solidFill>
+                <a:latin typeface="Arial" panose="020B0604020202020204" pitchFamily="34" charset="0"/>
+                <a:cs typeface="Arial" panose="020B0604020202020204" pitchFamily="34" charset="0"/>
+              </a:rPr>
+              <a:t>Doanh thu, Số lượng tồn</a:t>
+            </a:r>
+            <a:r>
+              <a:rPr lang="en-US" sz="1400">
+                <a:latin typeface="Arial" panose="020B0604020202020204" pitchFamily="34" charset="0"/>
+                <a:cs typeface="Arial" panose="020B0604020202020204" pitchFamily="34" charset="0"/>
+              </a:rPr>
+              <a:t> của  </a:t>
+            </a:r>
+            <a:r>
+              <a:rPr lang="en-US" sz="1400" b="1">
+                <a:solidFill>
+                  <a:srgbClr val="002060"/>
+                </a:solidFill>
+                <a:latin typeface="Arial" panose="020B0604020202020204" pitchFamily="34" charset="0"/>
+                <a:cs typeface="Arial" panose="020B0604020202020204" pitchFamily="34" charset="0"/>
+              </a:rPr>
+              <a:t>Toàn bộ Cửa hàng </a:t>
+            </a:r>
+            <a:endParaRPr lang="en-US" sz="1600" b="1">
+              <a:solidFill>
+                <a:schemeClr val="accent6">
+                  <a:lumMod val="50000"/>
+                </a:schemeClr>
+              </a:solidFill>
+              <a:latin typeface="Arial" panose="020B0604020202020204" pitchFamily="34" charset="0"/>
+              <a:cs typeface="Arial" panose="020B0604020202020204" pitchFamily="34" charset="0"/>
+            </a:endParaRPr>
+          </a:p>
+        </p:txBody>
+      </p:sp>
+      <p:sp>
+        <p:nvSpPr>
+          <p:cNvPr id="69" name="Rounded Rectangle 68">
+            <a:hlinkClick r:id="rId1" action="ppaction://hlinksldjump"/>
+          </p:cNvPr>
+          <p:cNvSpPr/>
+          <p:nvPr/>
+        </p:nvSpPr>
+        <p:spPr>
+          <a:xfrm>
+            <a:off x="3287943" y="108820"/>
+            <a:ext cx="4021664" cy="754401"/>
+          </a:xfrm>
+          <a:prstGeom prst="roundRect">
+            <a:avLst/>
+          </a:prstGeom>
+          <a:solidFill>
+            <a:srgbClr val="002060"/>
+          </a:solidFill>
+          <a:ln w="38100" cap="rnd">
+            <a:solidFill>
+              <a:schemeClr val="bg1"/>
+            </a:solidFill>
+          </a:ln>
+          <a:effectLst>
+            <a:outerShdw blurRad="482600" dir="5400000" sx="89000" sy="89000" algn="ctr" rotWithShape="0">
+              <a:srgbClr val="000000">
+                <a:alpha val="49000"/>
+              </a:srgbClr>
+            </a:outerShdw>
+          </a:effectLst>
+          <a:scene3d>
+            <a:camera prst="orthographicFront"/>
+            <a:lightRig rig="twoPt" dir="t"/>
+          </a:scene3d>
+          <a:sp3d extrusionH="12700" prstMaterial="translucentPowder">
+            <a:bevelB w="165100" prst="coolSlant"/>
+          </a:sp3d>
+        </p:spPr>
+        <p:style>
+          <a:lnRef idx="2">
+            <a:schemeClr val="accent1">
+              <a:shade val="50000"/>
+            </a:schemeClr>
+          </a:lnRef>
+          <a:fillRef idx="1">
+            <a:schemeClr val="accent1"/>
+          </a:fillRef>
+          <a:effectRef idx="0">
+            <a:schemeClr val="accent1"/>
+          </a:effectRef>
+          <a:fontRef idx="minor">
+            <a:schemeClr val="lt1"/>
+          </a:fontRef>
+        </p:style>
+        <p:txBody>
+          <a:bodyPr rtlCol="0" anchor="ctr"/>
+          <a:lstStyle/>
+          <a:p>
+            <a:pPr algn="ctr"/>
+            <a:r>
+              <a:rPr lang="vi-VN" altLang="en-US" sz="1600" b="1">
+                <a:solidFill>
+                  <a:prstClr val="white"/>
+                </a:solidFill>
+                <a:latin typeface="Arial" panose="020B0604020202020204" pitchFamily="34" charset="0"/>
+                <a:cs typeface="Arial" panose="020B0604020202020204" pitchFamily="34" charset="0"/>
+              </a:rPr>
+              <a:t>Bán vé xem phim</a:t>
+            </a:r>
+            <a:r>
+              <a:rPr lang="en-US" sz="1600" b="1">
+                <a:solidFill>
+                  <a:prstClr val="white"/>
+                </a:solidFill>
+                <a:latin typeface="Arial" panose="020B0604020202020204" pitchFamily="34" charset="0"/>
+                <a:cs typeface="Arial" panose="020B0604020202020204" pitchFamily="34" charset="0"/>
+              </a:rPr>
+              <a:t> 1 </a:t>
+            </a:r>
+            <a:endParaRPr lang="en-US" sz="1600" b="1">
+              <a:solidFill>
+                <a:prstClr val="white"/>
+              </a:solidFill>
+              <a:latin typeface="Arial" panose="020B0604020202020204" pitchFamily="34" charset="0"/>
+              <a:cs typeface="Arial" panose="020B0604020202020204" pitchFamily="34" charset="0"/>
+            </a:endParaRPr>
+          </a:p>
+          <a:p>
+            <a:pPr algn="ctr"/>
+            <a:r>
+              <a:rPr lang="en-US" sz="1600">
+                <a:solidFill>
+                  <a:prstClr val="white"/>
+                </a:solidFill>
+                <a:latin typeface="Arial" panose="020B0604020202020204" pitchFamily="34" charset="0"/>
+                <a:cs typeface="Arial" panose="020B0604020202020204" pitchFamily="34" charset="0"/>
+              </a:rPr>
+              <a:t>( Mã số : </a:t>
+            </a:r>
+            <a:r>
+              <a:rPr lang="vi-VN" altLang="en-US" sz="1600">
+                <a:solidFill>
+                  <a:prstClr val="white"/>
+                </a:solidFill>
+                <a:latin typeface="Arial" panose="020B0604020202020204" pitchFamily="34" charset="0"/>
+                <a:cs typeface="Arial" panose="020B0604020202020204" pitchFamily="34" charset="0"/>
+              </a:rPr>
+              <a:t>Xem_Phim</a:t>
+            </a:r>
+            <a:r>
+              <a:rPr lang="en-US" sz="1600">
+                <a:solidFill>
+                  <a:prstClr val="white"/>
+                </a:solidFill>
+                <a:latin typeface="Arial" panose="020B0604020202020204" pitchFamily="34" charset="0"/>
+                <a:cs typeface="Arial" panose="020B0604020202020204" pitchFamily="34" charset="0"/>
+              </a:rPr>
+              <a:t>_1)</a:t>
+            </a:r>
+            <a:endParaRPr lang="en-US" sz="1600">
+              <a:solidFill>
+                <a:prstClr val="white"/>
+              </a:solidFill>
+              <a:latin typeface="Arial" panose="020B0604020202020204" pitchFamily="34" charset="0"/>
+              <a:cs typeface="Arial" panose="020B0604020202020204" pitchFamily="34" charset="0"/>
+            </a:endParaRPr>
+          </a:p>
+          <a:p>
+            <a:pPr algn="ctr"/>
+            <a:r>
+              <a:rPr lang="en-US" sz="1600" b="1">
+                <a:solidFill>
+                  <a:srgbClr val="FFFF00"/>
+                </a:solidFill>
+                <a:latin typeface="Arial" panose="020B0604020202020204" pitchFamily="34" charset="0"/>
+                <a:cs typeface="Arial" panose="020B0604020202020204" pitchFamily="34" charset="0"/>
+              </a:rPr>
+              <a:t>Ngữ cảnh và Yêu cầu của Ứng dụng</a:t>
+            </a:r>
+            <a:endParaRPr lang="vi-VN" sz="1600">
+              <a:solidFill>
+                <a:srgbClr val="FFFF00"/>
+              </a:solidFill>
+              <a:latin typeface="Arial" panose="020B0604020202020204" pitchFamily="34" charset="0"/>
+              <a:cs typeface="Arial" panose="020B0604020202020204" pitchFamily="34" charset="0"/>
+            </a:endParaRPr>
+          </a:p>
+        </p:txBody>
+      </p:sp>
+      <p:sp>
+        <p:nvSpPr>
+          <p:cNvPr id="36" name="TextBox 35">
+            <a:hlinkClick r:id="" action="ppaction://noaction"/>
+          </p:cNvPr>
+          <p:cNvSpPr txBox="1"/>
+          <p:nvPr/>
+        </p:nvSpPr>
+        <p:spPr>
+          <a:xfrm>
+            <a:off x="7924267" y="2611895"/>
+            <a:ext cx="2978648" cy="1384995"/>
+          </a:xfrm>
+          <a:prstGeom prst="rect">
+            <a:avLst/>
+          </a:prstGeom>
+          <a:solidFill>
+            <a:schemeClr val="bg1"/>
+          </a:solidFill>
+          <a:ln>
+            <a:solidFill>
+              <a:schemeClr val="accent1"/>
+            </a:solidFill>
+          </a:ln>
+        </p:spPr>
+        <p:txBody>
+          <a:bodyPr wrap="square" rtlCol="0">
+            <a:spAutoFit/>
+          </a:bodyPr>
+          <a:lstStyle/>
+          <a:p>
+            <a:pPr fontAlgn="auto">
+              <a:spcBef>
+                <a:spcPts val="0"/>
+              </a:spcBef>
+              <a:spcAft>
+                <a:spcPts val="0"/>
+              </a:spcAft>
+              <a:defRPr/>
+            </a:pPr>
+            <a:r>
+              <a:rPr lang="en-US" sz="1400">
+                <a:latin typeface="Arial" panose="020B0604020202020204" pitchFamily="34" charset="0"/>
+                <a:cs typeface="Arial" panose="020B0604020202020204" pitchFamily="34" charset="0"/>
+              </a:rPr>
+              <a:t>                </a:t>
+            </a:r>
+            <a:r>
+              <a:rPr lang="en-US" sz="1400" b="1">
+                <a:latin typeface="Arial" panose="020B0604020202020204" pitchFamily="34" charset="0"/>
+                <a:cs typeface="Arial" panose="020B0604020202020204" pitchFamily="34" charset="0"/>
+              </a:rPr>
+              <a:t>Phiếu Bán </a:t>
+            </a:r>
+            <a:br>
+              <a:rPr lang="en-US" sz="1400">
+                <a:latin typeface="Arial" panose="020B0604020202020204" pitchFamily="34" charset="0"/>
+                <a:cs typeface="Arial" panose="020B0604020202020204" pitchFamily="34" charset="0"/>
+              </a:rPr>
+            </a:br>
+            <a:r>
+              <a:rPr lang="en-US" sz="1400">
+                <a:latin typeface="Arial" panose="020B0604020202020204" pitchFamily="34" charset="0"/>
+                <a:cs typeface="Arial" panose="020B0604020202020204" pitchFamily="34" charset="0"/>
+              </a:rPr>
+              <a:t>Họ tên :.....</a:t>
+            </a:r>
+            <a:br>
+              <a:rPr lang="en-US" sz="1400">
+                <a:latin typeface="Arial" panose="020B0604020202020204" pitchFamily="34" charset="0"/>
+                <a:cs typeface="Arial" panose="020B0604020202020204" pitchFamily="34" charset="0"/>
+              </a:rPr>
+            </a:br>
+            <a:r>
+              <a:rPr lang="en-US" sz="1400">
+                <a:latin typeface="Arial" panose="020B0604020202020204" pitchFamily="34" charset="0"/>
+                <a:cs typeface="Arial" panose="020B0604020202020204" pitchFamily="34" charset="0"/>
+              </a:rPr>
+              <a:t>Ngày : .......Tổng tiền :........</a:t>
+            </a:r>
+            <a:endParaRPr lang="en-US" sz="1400">
+              <a:latin typeface="Arial" panose="020B0604020202020204" pitchFamily="34" charset="0"/>
+              <a:cs typeface="Arial" panose="020B0604020202020204" pitchFamily="34" charset="0"/>
+            </a:endParaRPr>
+          </a:p>
+          <a:p>
+            <a:pPr fontAlgn="auto">
+              <a:spcBef>
+                <a:spcPts val="0"/>
+              </a:spcBef>
+              <a:spcAft>
+                <a:spcPts val="0"/>
+              </a:spcAft>
+              <a:defRPr/>
+            </a:pPr>
+            <a:r>
+              <a:rPr lang="en-US" sz="1400">
+                <a:solidFill>
+                  <a:prstClr val="black"/>
+                </a:solidFill>
+                <a:latin typeface="Arial" panose="020B0604020202020204" pitchFamily="34" charset="0"/>
+                <a:cs typeface="Arial" panose="020B0604020202020204" pitchFamily="34" charset="0"/>
+              </a:rPr>
+              <a:t>Tivi   Số lượng   Đơn giá   Tiền </a:t>
+            </a:r>
+            <a:br>
+              <a:rPr lang="en-US" sz="1400">
+                <a:solidFill>
+                  <a:prstClr val="black"/>
+                </a:solidFill>
+                <a:latin typeface="Arial" panose="020B0604020202020204" pitchFamily="34" charset="0"/>
+                <a:cs typeface="Arial" panose="020B0604020202020204" pitchFamily="34" charset="0"/>
+              </a:rPr>
+            </a:br>
+            <a:r>
+              <a:rPr lang="en-US" sz="1400">
+                <a:solidFill>
+                  <a:prstClr val="black"/>
+                </a:solidFill>
+                <a:latin typeface="Arial" panose="020B0604020202020204" pitchFamily="34" charset="0"/>
+                <a:cs typeface="Arial" panose="020B0604020202020204" pitchFamily="34" charset="0"/>
+              </a:rPr>
+              <a:t>......</a:t>
+            </a:r>
+            <a:endParaRPr lang="en-US" sz="1400">
+              <a:solidFill>
+                <a:prstClr val="black"/>
+              </a:solidFill>
+              <a:latin typeface="Arial" panose="020B0604020202020204" pitchFamily="34" charset="0"/>
+              <a:cs typeface="Arial" panose="020B0604020202020204" pitchFamily="34" charset="0"/>
+            </a:endParaRPr>
+          </a:p>
+          <a:p>
+            <a:pPr fontAlgn="auto">
+              <a:spcBef>
+                <a:spcPts val="0"/>
+              </a:spcBef>
+              <a:spcAft>
+                <a:spcPts val="0"/>
+              </a:spcAft>
+              <a:defRPr/>
+            </a:pPr>
+            <a:r>
+              <a:rPr lang="en-US" sz="1400">
+                <a:solidFill>
+                  <a:prstClr val="black"/>
+                </a:solidFill>
+                <a:latin typeface="Arial" panose="020B0604020202020204" pitchFamily="34" charset="0"/>
+                <a:cs typeface="Arial" panose="020B0604020202020204" pitchFamily="34" charset="0"/>
+              </a:rPr>
+              <a:t>.....</a:t>
+            </a:r>
+            <a:endParaRPr lang="en-US" sz="1400">
+              <a:solidFill>
+                <a:prstClr val="black"/>
+              </a:solidFill>
+              <a:latin typeface="Arial" panose="020B0604020202020204" pitchFamily="34" charset="0"/>
+              <a:cs typeface="Arial" panose="020B0604020202020204" pitchFamily="34" charset="0"/>
+            </a:endParaRPr>
+          </a:p>
+        </p:txBody>
+      </p:sp>
+      <p:sp>
+        <p:nvSpPr>
+          <p:cNvPr id="37" name="TextBox 36">
+            <a:hlinkClick r:id="" action="ppaction://noaction"/>
+          </p:cNvPr>
+          <p:cNvSpPr txBox="1"/>
+          <p:nvPr/>
+        </p:nvSpPr>
+        <p:spPr>
+          <a:xfrm>
+            <a:off x="7924267" y="4146165"/>
+            <a:ext cx="2950630" cy="1169551"/>
+          </a:xfrm>
+          <a:prstGeom prst="rect">
+            <a:avLst/>
+          </a:prstGeom>
+          <a:solidFill>
+            <a:schemeClr val="bg1"/>
+          </a:solidFill>
+          <a:ln>
+            <a:solidFill>
+              <a:schemeClr val="accent1"/>
+            </a:solidFill>
+          </a:ln>
+        </p:spPr>
+        <p:txBody>
+          <a:bodyPr wrap="square" rtlCol="0">
+            <a:spAutoFit/>
+          </a:bodyPr>
+          <a:lstStyle/>
+          <a:p>
+            <a:pPr fontAlgn="auto">
+              <a:spcBef>
+                <a:spcPts val="0"/>
+              </a:spcBef>
+              <a:spcAft>
+                <a:spcPts val="0"/>
+              </a:spcAft>
+              <a:defRPr/>
+            </a:pPr>
+            <a:r>
+              <a:rPr lang="en-US" sz="1400">
+                <a:latin typeface="Arial" panose="020B0604020202020204" pitchFamily="34" charset="0"/>
+                <a:cs typeface="Arial" panose="020B0604020202020204" pitchFamily="34" charset="0"/>
+              </a:rPr>
+              <a:t>              </a:t>
+            </a:r>
+            <a:r>
+              <a:rPr lang="en-US" sz="1400" b="1">
+                <a:latin typeface="Arial" panose="020B0604020202020204" pitchFamily="34" charset="0"/>
+                <a:cs typeface="Arial" panose="020B0604020202020204" pitchFamily="34" charset="0"/>
+              </a:rPr>
+              <a:t>Phiếu Nhập </a:t>
+            </a:r>
+            <a:br>
+              <a:rPr lang="en-US" sz="1400">
+                <a:latin typeface="Arial" panose="020B0604020202020204" pitchFamily="34" charset="0"/>
+                <a:cs typeface="Arial" panose="020B0604020202020204" pitchFamily="34" charset="0"/>
+              </a:rPr>
+            </a:br>
+            <a:r>
+              <a:rPr lang="en-US" sz="1400">
+                <a:latin typeface="Arial" panose="020B0604020202020204" pitchFamily="34" charset="0"/>
+                <a:cs typeface="Arial" panose="020B0604020202020204" pitchFamily="34" charset="0"/>
+              </a:rPr>
+              <a:t>Ngày :.......Tổng tiền :........</a:t>
+            </a:r>
+            <a:endParaRPr lang="en-US" sz="1400">
+              <a:latin typeface="Arial" panose="020B0604020202020204" pitchFamily="34" charset="0"/>
+              <a:cs typeface="Arial" panose="020B0604020202020204" pitchFamily="34" charset="0"/>
+            </a:endParaRPr>
+          </a:p>
+          <a:p>
+            <a:pPr fontAlgn="auto">
+              <a:spcBef>
+                <a:spcPts val="0"/>
+              </a:spcBef>
+              <a:spcAft>
+                <a:spcPts val="0"/>
+              </a:spcAft>
+              <a:defRPr/>
+            </a:pPr>
+            <a:r>
+              <a:rPr lang="en-US" sz="1400">
+                <a:solidFill>
+                  <a:prstClr val="black"/>
+                </a:solidFill>
+                <a:latin typeface="Arial" panose="020B0604020202020204" pitchFamily="34" charset="0"/>
+                <a:cs typeface="Arial" panose="020B0604020202020204" pitchFamily="34" charset="0"/>
+              </a:rPr>
+              <a:t>Tivi     Số lượng   Đơn giá   Tiền </a:t>
+            </a:r>
+            <a:br>
+              <a:rPr lang="en-US" sz="1400">
+                <a:solidFill>
+                  <a:prstClr val="black"/>
+                </a:solidFill>
+                <a:latin typeface="Arial" panose="020B0604020202020204" pitchFamily="34" charset="0"/>
+                <a:cs typeface="Arial" panose="020B0604020202020204" pitchFamily="34" charset="0"/>
+              </a:rPr>
+            </a:br>
+            <a:r>
+              <a:rPr lang="en-US" sz="1400">
+                <a:solidFill>
+                  <a:prstClr val="black"/>
+                </a:solidFill>
+                <a:latin typeface="Arial" panose="020B0604020202020204" pitchFamily="34" charset="0"/>
+                <a:cs typeface="Arial" panose="020B0604020202020204" pitchFamily="34" charset="0"/>
+              </a:rPr>
+              <a:t>......</a:t>
+            </a:r>
+            <a:endParaRPr lang="en-US" sz="1400">
+              <a:solidFill>
+                <a:prstClr val="black"/>
+              </a:solidFill>
+              <a:latin typeface="Arial" panose="020B0604020202020204" pitchFamily="34" charset="0"/>
+              <a:cs typeface="Arial" panose="020B0604020202020204" pitchFamily="34" charset="0"/>
+            </a:endParaRPr>
+          </a:p>
+          <a:p>
+            <a:pPr fontAlgn="auto">
+              <a:spcBef>
+                <a:spcPts val="0"/>
+              </a:spcBef>
+              <a:spcAft>
+                <a:spcPts val="0"/>
+              </a:spcAft>
+              <a:defRPr/>
+            </a:pPr>
+            <a:r>
+              <a:rPr lang="en-US" sz="1400">
+                <a:solidFill>
+                  <a:prstClr val="black"/>
+                </a:solidFill>
+                <a:latin typeface="Arial" panose="020B0604020202020204" pitchFamily="34" charset="0"/>
+                <a:cs typeface="Arial" panose="020B0604020202020204" pitchFamily="34" charset="0"/>
+              </a:rPr>
+              <a:t>......</a:t>
+            </a:r>
+            <a:endParaRPr lang="en-US" sz="1400">
+              <a:solidFill>
+                <a:prstClr val="black"/>
+              </a:solidFill>
+              <a:latin typeface="Arial" panose="020B0604020202020204" pitchFamily="34" charset="0"/>
+              <a:cs typeface="Arial" panose="020B0604020202020204" pitchFamily="34" charset="0"/>
+            </a:endParaRPr>
+          </a:p>
+        </p:txBody>
+      </p:sp>
+      <p:sp>
+        <p:nvSpPr>
+          <p:cNvPr id="38" name="TextBox 37">
+            <a:hlinkClick r:id="" action="ppaction://noaction"/>
+          </p:cNvPr>
+          <p:cNvSpPr txBox="1"/>
+          <p:nvPr/>
+        </p:nvSpPr>
+        <p:spPr>
+          <a:xfrm>
+            <a:off x="244894" y="6296865"/>
+            <a:ext cx="5545529" cy="307777"/>
+          </a:xfrm>
+          <a:prstGeom prst="rect">
+            <a:avLst/>
+          </a:prstGeom>
+          <a:solidFill>
+            <a:schemeClr val="bg1"/>
+          </a:solidFill>
+          <a:ln>
+            <a:solidFill>
+              <a:schemeClr val="accent1"/>
+            </a:solidFill>
+          </a:ln>
+        </p:spPr>
+        <p:txBody>
+          <a:bodyPr wrap="square" rtlCol="0">
+            <a:spAutoFit/>
+          </a:bodyPr>
+          <a:lstStyle/>
+          <a:p>
+            <a:pPr fontAlgn="auto">
+              <a:spcBef>
+                <a:spcPts val="0"/>
+              </a:spcBef>
+              <a:spcAft>
+                <a:spcPts val="0"/>
+              </a:spcAft>
+              <a:defRPr/>
+            </a:pPr>
+            <a:r>
+              <a:rPr lang="en-US" sz="1400" b="1">
+                <a:solidFill>
+                  <a:srgbClr val="0000FF"/>
+                </a:solidFill>
+                <a:latin typeface="Arial" panose="020B0604020202020204" pitchFamily="34" charset="0"/>
+                <a:cs typeface="Arial" panose="020B0604020202020204" pitchFamily="34" charset="0"/>
+              </a:rPr>
+              <a:t>Giới hạn </a:t>
+            </a:r>
+            <a:r>
+              <a:rPr lang="en-US" sz="1400">
+                <a:latin typeface="Arial" panose="020B0604020202020204" pitchFamily="34" charset="0"/>
+                <a:cs typeface="Arial" panose="020B0604020202020204" pitchFamily="34" charset="0"/>
+              </a:rPr>
+              <a:t>:  Doanh thu là Doanh thu của Ngày hiện hành </a:t>
+            </a:r>
+            <a:endParaRPr lang="en-US" sz="1400">
+              <a:solidFill>
+                <a:prstClr val="black"/>
+              </a:solidFill>
+              <a:latin typeface="Arial" panose="020B0604020202020204" pitchFamily="34" charset="0"/>
+              <a:cs typeface="Arial" panose="020B0604020202020204" pitchFamily="34" charset="0"/>
+            </a:endParaRPr>
           </a:p>
         </p:txBody>
       </p:sp>
     </p:spTree>
-    <p:extLst>
-      <p:ext uri="{BB962C8B-B14F-4D97-AF65-F5344CB8AC3E}">
-        <p14:creationId xmlns:p14="http://schemas.microsoft.com/office/powerpoint/2010/main" val="2311936810"/>
-      </p:ext>
-    </p:extLst>
-  </p:cSld>
-  <p:clrMapOvr>
-    <a:masterClrMapping/>
-  </p:clrMapOvr>
-</p:sld>
-</file>
-
-<file path=ppt/slides/slide3.xml><?xml version="1.0" encoding="utf-8"?>
-<p:sld xmlns:a="http://schemas.openxmlformats.org/drawingml/2006/main" xmlns:r="http://schemas.openxmlformats.org/officeDocument/2006/relationships" xmlns:p="http://schemas.openxmlformats.org/presentationml/2006/main">
-  <p:cSld>
-    <p:spTree>
-      <p:nvGrpSpPr>
-        <p:cNvPr id="1" name="">
-          <a:extLst>
-            <a:ext uri="{FF2B5EF4-FFF2-40B4-BE49-F238E27FC236}">
-              <a16:creationId xmlns:a16="http://schemas.microsoft.com/office/drawing/2014/main" id="{57B07734-A542-1EEC-3DF6-ABA43285F987}"/>
-            </a:ext>
-          </a:extLst>
-        </p:cNvPr>
-        <p:cNvGrpSpPr/>
-        <p:nvPr/>
-      </p:nvGrpSpPr>
-      <p:grpSpPr>
-        <a:xfrm>
-          <a:off x="0" y="0"/>
-          <a:ext cx="0" cy="0"/>
-          <a:chOff x="0" y="0"/>
-          <a:chExt cx="0" cy="0"/>
-        </a:xfrm>
-      </p:grpSpPr>
-      <p:sp>
-        <p:nvSpPr>
-          <p:cNvPr id="2" name="Title 1">
-            <a:extLst>
-              <a:ext uri="{FF2B5EF4-FFF2-40B4-BE49-F238E27FC236}">
-                <a16:creationId xmlns:a16="http://schemas.microsoft.com/office/drawing/2014/main" id="{23E2DC3F-75D4-33AE-3C78-E965E65DBC36}"/>
-              </a:ext>
-            </a:extLst>
-          </p:cNvPr>
-          <p:cNvSpPr>
-            <a:spLocks noGrp="1"/>
-          </p:cNvSpPr>
-          <p:nvPr>
-            <p:ph type="title"/>
-          </p:nvPr>
-        </p:nvSpPr>
-        <p:spPr/>
-        <p:txBody>
-          <a:bodyPr/>
-          <a:lstStyle/>
-          <a:p>
-            <a:r>
-              <a:rPr lang="en-US" dirty="0" err="1"/>
-              <a:t>Yêu</a:t>
-            </a:r>
-            <a:r>
-              <a:rPr lang="en-US" dirty="0"/>
-              <a:t> </a:t>
-            </a:r>
-            <a:r>
-              <a:rPr lang="en-US" dirty="0" err="1"/>
-              <a:t>cầu</a:t>
-            </a:r>
-            <a:endParaRPr lang="en-US" dirty="0"/>
-          </a:p>
-        </p:txBody>
-      </p:sp>
-      <p:sp>
-        <p:nvSpPr>
-          <p:cNvPr id="3" name="Content Placeholder 2">
-            <a:extLst>
-              <a:ext uri="{FF2B5EF4-FFF2-40B4-BE49-F238E27FC236}">
-                <a16:creationId xmlns:a16="http://schemas.microsoft.com/office/drawing/2014/main" id="{01111829-B773-E5DA-E0CE-A019B62EAC24}"/>
-              </a:ext>
-            </a:extLst>
-          </p:cNvPr>
-          <p:cNvSpPr>
-            <a:spLocks noGrp="1"/>
-          </p:cNvSpPr>
-          <p:nvPr>
-            <p:ph idx="1"/>
-          </p:nvPr>
-        </p:nvSpPr>
-        <p:spPr/>
-        <p:txBody>
-          <a:bodyPr/>
-          <a:lstStyle/>
-          <a:p>
-            <a:r>
-              <a:rPr lang="en-US" dirty="0" err="1"/>
-              <a:t>Yêu</a:t>
-            </a:r>
-            <a:r>
-              <a:rPr lang="en-US" dirty="0"/>
-              <a:t> </a:t>
-            </a:r>
-            <a:r>
-              <a:rPr lang="en-US" dirty="0" err="1"/>
-              <a:t>cầu</a:t>
-            </a:r>
-            <a:r>
-              <a:rPr lang="en-US" dirty="0"/>
-              <a:t> </a:t>
-            </a:r>
-            <a:r>
-              <a:rPr lang="en-US" dirty="0" err="1"/>
-              <a:t>chức</a:t>
-            </a:r>
-            <a:r>
-              <a:rPr lang="en-US" dirty="0"/>
-              <a:t> </a:t>
-            </a:r>
-            <a:r>
-              <a:rPr lang="en-US" dirty="0" err="1"/>
-              <a:t>năng</a:t>
-            </a:r>
-            <a:endParaRPr lang="en-US" dirty="0"/>
-          </a:p>
-          <a:p>
-            <a:r>
-              <a:rPr lang="en-US" dirty="0" err="1"/>
-              <a:t>Yêu</a:t>
-            </a:r>
-            <a:r>
-              <a:rPr lang="en-US" dirty="0"/>
-              <a:t> </a:t>
-            </a:r>
-            <a:r>
-              <a:rPr lang="en-US" dirty="0" err="1"/>
-              <a:t>cầu</a:t>
-            </a:r>
-            <a:r>
-              <a:rPr lang="en-US" dirty="0"/>
-              <a:t> phi </a:t>
-            </a:r>
-            <a:r>
-              <a:rPr lang="en-US" dirty="0" err="1"/>
-              <a:t>chức</a:t>
-            </a:r>
-            <a:r>
-              <a:rPr lang="en-US" dirty="0"/>
-              <a:t> </a:t>
-            </a:r>
-            <a:r>
-              <a:rPr lang="en-US" dirty="0" err="1"/>
-              <a:t>năng</a:t>
-            </a:r>
-            <a:r>
-              <a:rPr lang="en-US" dirty="0"/>
-              <a:t>:</a:t>
-            </a:r>
-          </a:p>
-          <a:p>
-            <a:pPr lvl="1"/>
-            <a:r>
-              <a:rPr lang="en-US" dirty="0"/>
-              <a:t>Quản </a:t>
-            </a:r>
-            <a:r>
-              <a:rPr lang="en-US" dirty="0" err="1"/>
-              <a:t>lý</a:t>
-            </a:r>
-            <a:r>
-              <a:rPr lang="en-US" dirty="0"/>
-              <a:t> </a:t>
-            </a:r>
-            <a:r>
-              <a:rPr lang="en-US" dirty="0" err="1"/>
-              <a:t>rạp</a:t>
-            </a:r>
-            <a:r>
-              <a:rPr lang="en-US" dirty="0"/>
-              <a:t> </a:t>
-            </a:r>
-            <a:r>
-              <a:rPr lang="en-US" dirty="0" err="1"/>
-              <a:t>chiếu</a:t>
-            </a:r>
-            <a:r>
-              <a:rPr lang="en-US" dirty="0"/>
-              <a:t> </a:t>
-            </a:r>
-            <a:r>
-              <a:rPr lang="en-US" dirty="0" err="1"/>
-              <a:t>phim</a:t>
-            </a:r>
-            <a:r>
-              <a:rPr lang="en-US" dirty="0"/>
-              <a:t>, </a:t>
-            </a:r>
-            <a:r>
-              <a:rPr lang="en-US" dirty="0" err="1"/>
-              <a:t>phòng</a:t>
-            </a:r>
-            <a:r>
-              <a:rPr lang="en-US" dirty="0"/>
-              <a:t> </a:t>
-            </a:r>
-            <a:r>
-              <a:rPr lang="en-US" dirty="0" err="1"/>
-              <a:t>chiếu</a:t>
-            </a:r>
-            <a:r>
-              <a:rPr lang="en-US" dirty="0"/>
-              <a:t>, </a:t>
-            </a:r>
-            <a:r>
-              <a:rPr lang="en-US" dirty="0" err="1"/>
-              <a:t>xuất</a:t>
-            </a:r>
-            <a:r>
-              <a:rPr lang="en-US" dirty="0"/>
-              <a:t> </a:t>
-            </a:r>
-            <a:r>
-              <a:rPr lang="en-US" dirty="0" err="1"/>
-              <a:t>chiếu</a:t>
-            </a:r>
-            <a:endParaRPr lang="en-US" dirty="0"/>
-          </a:p>
-          <a:p>
-            <a:pPr lvl="1"/>
-            <a:r>
-              <a:rPr lang="en-US" dirty="0"/>
-              <a:t>Quản </a:t>
-            </a:r>
-            <a:r>
-              <a:rPr lang="en-US" dirty="0" err="1"/>
-              <a:t>lý</a:t>
-            </a:r>
-            <a:r>
-              <a:rPr lang="en-US" dirty="0"/>
-              <a:t> </a:t>
-            </a:r>
-            <a:r>
-              <a:rPr lang="en-US" dirty="0" err="1"/>
-              <a:t>nhân</a:t>
-            </a:r>
-            <a:r>
-              <a:rPr lang="en-US" dirty="0"/>
-              <a:t> </a:t>
-            </a:r>
-            <a:r>
-              <a:rPr lang="en-US" dirty="0" err="1"/>
-              <a:t>sự</a:t>
-            </a:r>
-            <a:r>
-              <a:rPr lang="en-US" dirty="0"/>
-              <a:t>: </a:t>
-            </a:r>
-            <a:r>
-              <a:rPr lang="en-US" dirty="0" err="1"/>
-              <a:t>nhân</a:t>
-            </a:r>
-            <a:r>
-              <a:rPr lang="en-US" dirty="0"/>
-              <a:t> </a:t>
-            </a:r>
-            <a:r>
-              <a:rPr lang="en-US" dirty="0" err="1"/>
-              <a:t>viên</a:t>
-            </a:r>
-            <a:r>
-              <a:rPr lang="en-US" dirty="0"/>
-              <a:t>, </a:t>
-            </a:r>
-            <a:r>
-              <a:rPr lang="en-US" dirty="0" err="1"/>
-              <a:t>quản</a:t>
-            </a:r>
-            <a:r>
-              <a:rPr lang="en-US" dirty="0"/>
-              <a:t> </a:t>
-            </a:r>
-            <a:r>
-              <a:rPr lang="en-US" dirty="0" err="1"/>
-              <a:t>lý</a:t>
-            </a:r>
-            <a:r>
-              <a:rPr lang="en-US" dirty="0"/>
-              <a:t>, </a:t>
-            </a:r>
-            <a:r>
-              <a:rPr lang="en-US" dirty="0" err="1"/>
-              <a:t>khách</a:t>
-            </a:r>
-            <a:r>
-              <a:rPr lang="en-US" dirty="0"/>
-              <a:t> hang</a:t>
-            </a:r>
-          </a:p>
-          <a:p>
-            <a:pPr lvl="1"/>
-            <a:r>
-              <a:rPr lang="en-US" dirty="0"/>
-              <a:t>Quản </a:t>
-            </a:r>
-            <a:r>
-              <a:rPr lang="en-US" dirty="0" err="1"/>
-              <a:t>lý</a:t>
-            </a:r>
-            <a:r>
-              <a:rPr lang="en-US" dirty="0"/>
-              <a:t> ca </a:t>
-            </a:r>
-            <a:r>
-              <a:rPr lang="en-US" dirty="0" err="1"/>
-              <a:t>chiếu</a:t>
-            </a:r>
-            <a:r>
-              <a:rPr lang="en-US" dirty="0"/>
-              <a:t>, </a:t>
-            </a:r>
-            <a:r>
-              <a:rPr lang="en-US" dirty="0" err="1"/>
-              <a:t>phim</a:t>
-            </a:r>
-            <a:r>
-              <a:rPr lang="en-US" dirty="0"/>
-              <a:t>, </a:t>
-            </a:r>
-            <a:r>
-              <a:rPr lang="en-US" dirty="0" err="1"/>
-              <a:t>loại</a:t>
-            </a:r>
-            <a:r>
-              <a:rPr lang="en-US" dirty="0"/>
-              <a:t> </a:t>
-            </a:r>
-            <a:r>
-              <a:rPr lang="en-US" dirty="0" err="1"/>
-              <a:t>ghế</a:t>
-            </a:r>
-            <a:r>
-              <a:rPr lang="en-US" dirty="0"/>
-              <a:t>, </a:t>
-            </a:r>
-            <a:r>
-              <a:rPr lang="en-US" dirty="0" err="1"/>
-              <a:t>giá</a:t>
-            </a:r>
-            <a:r>
-              <a:rPr lang="en-US" dirty="0"/>
-              <a:t> </a:t>
-            </a:r>
-            <a:r>
-              <a:rPr lang="en-US" dirty="0" err="1"/>
-              <a:t>vé</a:t>
-            </a:r>
-            <a:endParaRPr lang="en-US" dirty="0"/>
-          </a:p>
-          <a:p>
-            <a:pPr lvl="1"/>
-            <a:r>
-              <a:rPr lang="en-US" dirty="0"/>
-              <a:t>Quản </a:t>
-            </a:r>
-            <a:r>
-              <a:rPr lang="en-US" dirty="0" err="1"/>
-              <a:t>lý</a:t>
-            </a:r>
-            <a:r>
-              <a:rPr lang="en-US" dirty="0"/>
-              <a:t> </a:t>
-            </a:r>
-            <a:r>
-              <a:rPr lang="en-US" dirty="0" err="1"/>
-              <a:t>mua</a:t>
-            </a:r>
-            <a:r>
-              <a:rPr lang="en-US" dirty="0"/>
-              <a:t> </a:t>
-            </a:r>
-            <a:r>
-              <a:rPr lang="en-US" dirty="0" err="1"/>
-              <a:t>vé</a:t>
-            </a:r>
-            <a:r>
-              <a:rPr lang="en-US" dirty="0"/>
-              <a:t>, </a:t>
-            </a:r>
-            <a:r>
-              <a:rPr lang="en-US" dirty="0" err="1"/>
-              <a:t>khách</a:t>
-            </a:r>
-            <a:r>
-              <a:rPr lang="en-US" dirty="0"/>
-              <a:t> </a:t>
-            </a:r>
-            <a:r>
-              <a:rPr lang="en-US" dirty="0" err="1"/>
-              <a:t>hàng</a:t>
-            </a:r>
-            <a:r>
-              <a:rPr lang="en-US" dirty="0"/>
-              <a:t>, ca </a:t>
-            </a:r>
-            <a:r>
-              <a:rPr lang="en-US" dirty="0" err="1"/>
-              <a:t>chiếu</a:t>
-            </a:r>
-            <a:endParaRPr lang="en-US" dirty="0"/>
-          </a:p>
-          <a:p>
-            <a:pPr lvl="1"/>
-            <a:endParaRPr lang="en-US" dirty="0"/>
-          </a:p>
-        </p:txBody>
-      </p:sp>
-    </p:spTree>
-    <p:extLst>
-      <p:ext uri="{BB962C8B-B14F-4D97-AF65-F5344CB8AC3E}">
-        <p14:creationId xmlns:p14="http://schemas.microsoft.com/office/powerpoint/2010/main" val="805754639"/>
-      </p:ext>
-    </p:extLst>
-  </p:cSld>
-  <p:clrMapOvr>
-    <a:masterClrMapping/>
-  </p:clrMapOvr>
-</p:sld>
-</file>
-
-<file path=ppt/slides/slide4.xml><?xml version="1.0" encoding="utf-8"?>
-<p:sld xmlns:a="http://schemas.openxmlformats.org/drawingml/2006/main" xmlns:r="http://schemas.openxmlformats.org/officeDocument/2006/relationships" xmlns:p="http://schemas.openxmlformats.org/presentationml/2006/main">
-  <p:cSld>
-    <p:spTree>
-      <p:nvGrpSpPr>
-        <p:cNvPr id="1" name="">
-          <a:extLst>
-            <a:ext uri="{FF2B5EF4-FFF2-40B4-BE49-F238E27FC236}">
-              <a16:creationId xmlns:a16="http://schemas.microsoft.com/office/drawing/2014/main" id="{7082E970-A793-BA22-6454-2679C5EBE779}"/>
-            </a:ext>
-          </a:extLst>
-        </p:cNvPr>
-        <p:cNvGrpSpPr/>
-        <p:nvPr/>
-      </p:nvGrpSpPr>
-      <p:grpSpPr>
-        <a:xfrm>
-          <a:off x="0" y="0"/>
-          <a:ext cx="0" cy="0"/>
-          <a:chOff x="0" y="0"/>
-          <a:chExt cx="0" cy="0"/>
-        </a:xfrm>
-      </p:grpSpPr>
-      <p:sp>
-        <p:nvSpPr>
-          <p:cNvPr id="2" name="Title 1">
-            <a:extLst>
-              <a:ext uri="{FF2B5EF4-FFF2-40B4-BE49-F238E27FC236}">
-                <a16:creationId xmlns:a16="http://schemas.microsoft.com/office/drawing/2014/main" id="{5AB31AA8-85F1-6572-2358-522D38F63FAD}"/>
-              </a:ext>
-            </a:extLst>
-          </p:cNvPr>
-          <p:cNvSpPr>
-            <a:spLocks noGrp="1"/>
-          </p:cNvSpPr>
-          <p:nvPr>
-            <p:ph type="title"/>
-          </p:nvPr>
-        </p:nvSpPr>
-        <p:spPr/>
-        <p:txBody>
-          <a:bodyPr/>
-          <a:lstStyle/>
-          <a:p>
-            <a:r>
-              <a:rPr lang="en-US" dirty="0" err="1"/>
-              <a:t>Hồ</a:t>
-            </a:r>
-            <a:r>
-              <a:rPr lang="en-US" dirty="0"/>
-              <a:t> </a:t>
-            </a:r>
-            <a:r>
-              <a:rPr lang="en-US" dirty="0" err="1"/>
-              <a:t>sơ</a:t>
-            </a:r>
-            <a:r>
-              <a:rPr lang="en-US" dirty="0"/>
-              <a:t> </a:t>
-            </a:r>
-            <a:r>
-              <a:rPr lang="en-US" dirty="0" err="1"/>
-              <a:t>phân</a:t>
-            </a:r>
-            <a:r>
-              <a:rPr lang="en-US" dirty="0"/>
-              <a:t> </a:t>
-            </a:r>
-            <a:r>
-              <a:rPr lang="en-US" dirty="0" err="1"/>
-              <a:t>tích</a:t>
-            </a:r>
-            <a:r>
-              <a:rPr lang="en-US" dirty="0"/>
-              <a:t> </a:t>
-            </a:r>
-            <a:r>
-              <a:rPr lang="en-US" dirty="0" err="1"/>
-              <a:t>yêu</a:t>
-            </a:r>
-            <a:r>
-              <a:rPr lang="en-US" dirty="0"/>
-              <a:t> </a:t>
-            </a:r>
-            <a:r>
-              <a:rPr lang="en-US" dirty="0" err="1"/>
-              <a:t>cầu</a:t>
-            </a:r>
-            <a:endParaRPr lang="en-US" dirty="0"/>
-          </a:p>
-        </p:txBody>
-      </p:sp>
-      <p:sp>
-        <p:nvSpPr>
-          <p:cNvPr id="3" name="Content Placeholder 2">
-            <a:extLst>
-              <a:ext uri="{FF2B5EF4-FFF2-40B4-BE49-F238E27FC236}">
-                <a16:creationId xmlns:a16="http://schemas.microsoft.com/office/drawing/2014/main" id="{5E619C8E-8A63-0697-1E59-EFA440E9ED18}"/>
-              </a:ext>
-            </a:extLst>
-          </p:cNvPr>
-          <p:cNvSpPr>
-            <a:spLocks noGrp="1"/>
-          </p:cNvSpPr>
-          <p:nvPr>
-            <p:ph idx="1"/>
-          </p:nvPr>
-        </p:nvSpPr>
-        <p:spPr/>
-        <p:txBody>
-          <a:bodyPr/>
-          <a:lstStyle/>
-          <a:p>
-            <a:r>
-              <a:rPr lang="en-US" dirty="0" err="1"/>
-              <a:t>Sơ</a:t>
-            </a:r>
-            <a:r>
-              <a:rPr lang="en-US" dirty="0"/>
-              <a:t> </a:t>
-            </a:r>
-            <a:r>
-              <a:rPr lang="en-US" dirty="0" err="1"/>
-              <a:t>đồ</a:t>
-            </a:r>
-            <a:r>
-              <a:rPr lang="en-US" dirty="0"/>
-              <a:t> </a:t>
-            </a:r>
-            <a:r>
-              <a:rPr lang="en-US" dirty="0" err="1"/>
-              <a:t>sử</a:t>
-            </a:r>
-            <a:r>
-              <a:rPr lang="en-US" dirty="0"/>
-              <a:t> </a:t>
-            </a:r>
-            <a:r>
-              <a:rPr lang="en-US" dirty="0" err="1"/>
-              <a:t>dụng</a:t>
-            </a:r>
-            <a:endParaRPr lang="en-US" dirty="0"/>
-          </a:p>
-          <a:p>
-            <a:r>
-              <a:rPr lang="en-US" dirty="0" err="1"/>
-              <a:t>Sơ</a:t>
-            </a:r>
-            <a:r>
-              <a:rPr lang="en-US" dirty="0"/>
-              <a:t> </a:t>
-            </a:r>
-            <a:r>
-              <a:rPr lang="en-US" dirty="0" err="1"/>
-              <a:t>đồ</a:t>
-            </a:r>
-            <a:r>
-              <a:rPr lang="en-US" dirty="0"/>
-              <a:t> </a:t>
-            </a:r>
-            <a:r>
-              <a:rPr lang="en-US" dirty="0" err="1"/>
-              <a:t>lớp</a:t>
-            </a:r>
-            <a:r>
-              <a:rPr lang="en-US" dirty="0"/>
-              <a:t> </a:t>
-            </a:r>
-            <a:r>
-              <a:rPr lang="en-US" dirty="0" err="1"/>
-              <a:t>đối</a:t>
-            </a:r>
-            <a:r>
-              <a:rPr lang="en-US" dirty="0"/>
-              <a:t> </a:t>
-            </a:r>
-            <a:r>
-              <a:rPr lang="en-US" dirty="0" err="1"/>
-              <a:t>tượng</a:t>
-            </a:r>
-            <a:endParaRPr lang="en-US" dirty="0"/>
-          </a:p>
-        </p:txBody>
-      </p:sp>
-    </p:spTree>
-    <p:extLst>
-      <p:ext uri="{BB962C8B-B14F-4D97-AF65-F5344CB8AC3E}">
-        <p14:creationId xmlns:p14="http://schemas.microsoft.com/office/powerpoint/2010/main" val="1538809231"/>
-      </p:ext>
-    </p:extLst>
-  </p:cSld>
-  <p:clrMapOvr>
-    <a:masterClrMapping/>
-  </p:clrMapOvr>
-</p:sld>
-</file>
-
-<file path=ppt/slides/slide5.xml><?xml version="1.0" encoding="utf-8"?>
-<p:sld xmlns:a="http://schemas.openxmlformats.org/drawingml/2006/main" xmlns:r="http://schemas.openxmlformats.org/officeDocument/2006/relationships" xmlns:p="http://schemas.openxmlformats.org/presentationml/2006/main">
-  <p:cSld>
-    <p:spTree>
-      <p:nvGrpSpPr>
-        <p:cNvPr id="1" name="">
-          <a:extLst>
-            <a:ext uri="{FF2B5EF4-FFF2-40B4-BE49-F238E27FC236}">
-              <a16:creationId xmlns:a16="http://schemas.microsoft.com/office/drawing/2014/main" id="{0EEF9B53-85DC-526A-D662-79A1C4D4DA81}"/>
-            </a:ext>
-          </a:extLst>
-        </p:cNvPr>
-        <p:cNvGrpSpPr/>
-        <p:nvPr/>
-      </p:nvGrpSpPr>
-      <p:grpSpPr>
-        <a:xfrm>
-          <a:off x="0" y="0"/>
-          <a:ext cx="0" cy="0"/>
-          <a:chOff x="0" y="0"/>
-          <a:chExt cx="0" cy="0"/>
-        </a:xfrm>
-      </p:grpSpPr>
-      <p:sp>
-        <p:nvSpPr>
-          <p:cNvPr id="2" name="Title 1">
-            <a:extLst>
-              <a:ext uri="{FF2B5EF4-FFF2-40B4-BE49-F238E27FC236}">
-                <a16:creationId xmlns:a16="http://schemas.microsoft.com/office/drawing/2014/main" id="{308EA29C-7634-B13C-4E55-B809B4B749DE}"/>
-              </a:ext>
-            </a:extLst>
-          </p:cNvPr>
-          <p:cNvSpPr>
-            <a:spLocks noGrp="1"/>
-          </p:cNvSpPr>
-          <p:nvPr>
-            <p:ph type="title"/>
-          </p:nvPr>
-        </p:nvSpPr>
-        <p:spPr/>
-        <p:txBody>
-          <a:bodyPr/>
-          <a:lstStyle/>
-          <a:p>
-            <a:r>
-              <a:rPr lang="en-US" dirty="0" err="1"/>
-              <a:t>Phân</a:t>
-            </a:r>
-            <a:r>
-              <a:rPr lang="en-US" dirty="0"/>
-              <a:t> </a:t>
-            </a:r>
-            <a:r>
-              <a:rPr lang="en-US" dirty="0" err="1"/>
-              <a:t>tích</a:t>
-            </a:r>
-            <a:r>
-              <a:rPr lang="en-US" dirty="0"/>
-              <a:t> </a:t>
-            </a:r>
-            <a:r>
-              <a:rPr lang="en-US" dirty="0" err="1"/>
-              <a:t>yêu</a:t>
-            </a:r>
-            <a:r>
-              <a:rPr lang="en-US" dirty="0"/>
-              <a:t> </a:t>
-            </a:r>
-            <a:r>
-              <a:rPr lang="en-US" dirty="0" err="1"/>
-              <a:t>cầu</a:t>
-            </a:r>
-            <a:endParaRPr lang="en-US" dirty="0"/>
-          </a:p>
-        </p:txBody>
-      </p:sp>
-      <p:sp>
-        <p:nvSpPr>
-          <p:cNvPr id="3" name="Content Placeholder 2">
-            <a:extLst>
-              <a:ext uri="{FF2B5EF4-FFF2-40B4-BE49-F238E27FC236}">
-                <a16:creationId xmlns:a16="http://schemas.microsoft.com/office/drawing/2014/main" id="{938C9037-D970-5A76-8D5C-E51D4149CC75}"/>
-              </a:ext>
-            </a:extLst>
-          </p:cNvPr>
-          <p:cNvSpPr>
-            <a:spLocks noGrp="1"/>
-          </p:cNvSpPr>
-          <p:nvPr>
-            <p:ph idx="1"/>
-          </p:nvPr>
-        </p:nvSpPr>
-        <p:spPr/>
-        <p:txBody>
-          <a:bodyPr/>
-          <a:lstStyle/>
-          <a:p>
-            <a:r>
-              <a:rPr lang="en-US" dirty="0"/>
-              <a:t>Các </a:t>
-            </a:r>
-            <a:r>
-              <a:rPr lang="en-US" dirty="0" err="1"/>
-              <a:t>bước</a:t>
-            </a:r>
-            <a:r>
-              <a:rPr lang="en-US" dirty="0"/>
-              <a:t> </a:t>
-            </a:r>
-            <a:r>
-              <a:rPr lang="en-US" dirty="0" err="1"/>
-              <a:t>thực</a:t>
-            </a:r>
-            <a:r>
-              <a:rPr lang="en-US" dirty="0"/>
-              <a:t> </a:t>
-            </a:r>
-            <a:r>
-              <a:rPr lang="en-US" dirty="0" err="1"/>
-              <a:t>hiện</a:t>
-            </a:r>
-            <a:endParaRPr lang="en-US" dirty="0"/>
-          </a:p>
-          <a:p>
-            <a:r>
-              <a:rPr lang="en-US" dirty="0"/>
-              <a:t>Phương </a:t>
-            </a:r>
-            <a:r>
-              <a:rPr lang="en-US" dirty="0" err="1"/>
-              <a:t>pháp</a:t>
-            </a:r>
-            <a:r>
-              <a:rPr lang="en-US" dirty="0"/>
-              <a:t> </a:t>
-            </a:r>
-            <a:r>
-              <a:rPr lang="en-US" dirty="0" err="1"/>
-              <a:t>phân</a:t>
-            </a:r>
-            <a:r>
-              <a:rPr lang="en-US" dirty="0"/>
-              <a:t> </a:t>
-            </a:r>
-            <a:r>
-              <a:rPr lang="en-US" dirty="0" err="1"/>
-              <a:t>tích</a:t>
-            </a:r>
-            <a:r>
-              <a:rPr lang="en-US" dirty="0"/>
-              <a:t> </a:t>
-            </a:r>
-            <a:r>
-              <a:rPr lang="en-US" dirty="0" err="1"/>
-              <a:t>yêu</a:t>
-            </a:r>
-            <a:r>
-              <a:rPr lang="en-US" dirty="0"/>
-              <a:t> </a:t>
-            </a:r>
-            <a:r>
-              <a:rPr lang="en-US" dirty="0" err="1"/>
-              <a:t>cầu</a:t>
-            </a:r>
-            <a:endParaRPr lang="en-US" dirty="0"/>
-          </a:p>
-        </p:txBody>
-      </p:sp>
-    </p:spTree>
-    <p:extLst>
-      <p:ext uri="{BB962C8B-B14F-4D97-AF65-F5344CB8AC3E}">
-        <p14:creationId xmlns:p14="http://schemas.microsoft.com/office/powerpoint/2010/main" val="4044006521"/>
-      </p:ext>
-    </p:extLst>
   </p:cSld>
   <p:clrMapOvr>
     <a:masterClrMapping/>
@@ -4795,7 +5413,7 @@
     </a:clrScheme>
     <a:fontScheme name="Office">
       <a:majorFont>
-        <a:latin typeface="Calibri Light" panose="020F0302020204030204"/>
+        <a:latin typeface="Calibri Light"/>
         <a:ea typeface=""/>
         <a:cs typeface=""/>
         <a:font script="Jpan" typeface="游ゴシック Light"/>
@@ -4828,26 +5446,9 @@
         <a:font script="Viet" typeface="Times New Roman"/>
         <a:font script="Uigh" typeface="Microsoft Uighur"/>
         <a:font script="Geor" typeface="Sylfaen"/>
-        <a:font script="Armn" typeface="Arial"/>
-        <a:font script="Bugi" typeface="Leelawadee UI"/>
-        <a:font script="Bopo" typeface="Microsoft JhengHei"/>
-        <a:font script="Java" typeface="Javanese Text"/>
-        <a:font script="Lisu" typeface="Segoe UI"/>
-        <a:font script="Mymr" typeface="Myanmar Text"/>
-        <a:font script="Nkoo" typeface="Ebrima"/>
-        <a:font script="Olck" typeface="Nirmala UI"/>
-        <a:font script="Osma" typeface="Ebrima"/>
-        <a:font script="Phag" typeface="Phagspa"/>
-        <a:font script="Syrn" typeface="Estrangelo Edessa"/>
-        <a:font script="Syrj" typeface="Estrangelo Edessa"/>
-        <a:font script="Syre" typeface="Estrangelo Edessa"/>
-        <a:font script="Sora" typeface="Nirmala UI"/>
-        <a:font script="Tale" typeface="Microsoft Tai Le"/>
-        <a:font script="Talu" typeface="Microsoft New Tai Lue"/>
-        <a:font script="Tfng" typeface="Ebrima"/>
       </a:majorFont>
       <a:minorFont>
-        <a:latin typeface="Calibri" panose="020F0502020204030204"/>
+        <a:latin typeface="Calibri"/>
         <a:ea typeface=""/>
         <a:cs typeface=""/>
         <a:font script="Jpan" typeface="游ゴシック"/>
@@ -4880,23 +5481,6 @@
         <a:font script="Viet" typeface="Arial"/>
         <a:font script="Uigh" typeface="Microsoft Uighur"/>
         <a:font script="Geor" typeface="Sylfaen"/>
-        <a:font script="Armn" typeface="Arial"/>
-        <a:font script="Bugi" typeface="Leelawadee UI"/>
-        <a:font script="Bopo" typeface="Microsoft JhengHei"/>
-        <a:font script="Java" typeface="Javanese Text"/>
-        <a:font script="Lisu" typeface="Segoe UI"/>
-        <a:font script="Mymr" typeface="Myanmar Text"/>
-        <a:font script="Nkoo" typeface="Ebrima"/>
-        <a:font script="Olck" typeface="Nirmala UI"/>
-        <a:font script="Osma" typeface="Ebrima"/>
-        <a:font script="Phag" typeface="Phagspa"/>
-        <a:font script="Syrn" typeface="Estrangelo Edessa"/>
-        <a:font script="Syrj" typeface="Estrangelo Edessa"/>
-        <a:font script="Syre" typeface="Estrangelo Edessa"/>
-        <a:font script="Sora" typeface="Nirmala UI"/>
-        <a:font script="Tale" typeface="Microsoft Tai Le"/>
-        <a:font script="Talu" typeface="Microsoft New Tai Lue"/>
-        <a:font script="Tfng" typeface="Ebrima"/>
       </a:minorFont>
     </a:fontScheme>
     <a:fmtScheme name="Office">
@@ -5037,8 +5621,265 @@
       </a:bgFillStyleLst>
     </a:fmtScheme>
   </a:themeElements>
-  <a:objectDefaults/>
-  <a:extraClrSchemeLst/>
+  <a:extLst>
+    <a:ext uri="{05A4C25C-085E-4340-85A3-A5531E510DB2}">
+      <thm15:themeFamily xmlns:thm15="http://schemas.microsoft.com/office/thememl/2012/main" name="Office Theme" id="{62F939B6-93AF-4DB8-9C6B-D6C7DFDC589F}" vid="{4A3C46E8-61CC-4603-A589-7422A47A8E4A}"/>
+    </a:ext>
+  </a:extLst>
+</a:theme>
+</file>
+
+<file path=ppt/theme/theme2.xml><?xml version="1.0" encoding="utf-8"?>
+<a:theme xmlns:a="http://schemas.openxmlformats.org/drawingml/2006/main" name="Office Theme">
+  <a:themeElements>
+    <a:clrScheme name="Office">
+      <a:dk1>
+        <a:sysClr val="windowText" lastClr="000000"/>
+      </a:dk1>
+      <a:lt1>
+        <a:sysClr val="window" lastClr="FFFFFF"/>
+      </a:lt1>
+      <a:dk2>
+        <a:srgbClr val="44546A"/>
+      </a:dk2>
+      <a:lt2>
+        <a:srgbClr val="E7E6E6"/>
+      </a:lt2>
+      <a:accent1>
+        <a:srgbClr val="5B9BD5"/>
+      </a:accent1>
+      <a:accent2>
+        <a:srgbClr val="ED7D31"/>
+      </a:accent2>
+      <a:accent3>
+        <a:srgbClr val="A5A5A5"/>
+      </a:accent3>
+      <a:accent4>
+        <a:srgbClr val="FFC000"/>
+      </a:accent4>
+      <a:accent5>
+        <a:srgbClr val="4472C4"/>
+      </a:accent5>
+      <a:accent6>
+        <a:srgbClr val="70AD47"/>
+      </a:accent6>
+      <a:hlink>
+        <a:srgbClr val="0563C1"/>
+      </a:hlink>
+      <a:folHlink>
+        <a:srgbClr val="954F72"/>
+      </a:folHlink>
+    </a:clrScheme>
+    <a:fontScheme name="Office">
+      <a:majorFont>
+        <a:latin typeface="Calibri Light"/>
+        <a:ea typeface=""/>
+        <a:cs typeface=""/>
+        <a:font script="Jpan" typeface="ＭＳ Ｐゴシック"/>
+        <a:font script="Hang" typeface="맑은 고딕"/>
+        <a:font script="Hans" typeface="宋体"/>
+        <a:font script="Hant" typeface="新細明體"/>
+        <a:font script="Arab" typeface="Times New Roman"/>
+        <a:font script="Hebr" typeface="Times New Roman"/>
+        <a:font script="Thai" typeface="Angsana New"/>
+        <a:font script="Ethi" typeface="Nyala"/>
+        <a:font script="Beng" typeface="Vrinda"/>
+        <a:font script="Gujr" typeface="Shruti"/>
+        <a:font script="Khmr" typeface="MoolBoran"/>
+        <a:font script="Knda" typeface="Tunga"/>
+        <a:font script="Guru" typeface="Raavi"/>
+        <a:font script="Cans" typeface="Euphemia"/>
+        <a:font script="Cher" typeface="Plantagenet Cherokee"/>
+        <a:font script="Yiii" typeface="Microsoft Yi Baiti"/>
+        <a:font script="Tibt" typeface="Microsoft Himalaya"/>
+        <a:font script="Thaa" typeface="MV Boli"/>
+        <a:font script="Deva" typeface="Mangal"/>
+        <a:font script="Telu" typeface="Gautami"/>
+        <a:font script="Taml" typeface="Latha"/>
+        <a:font script="Syrc" typeface="Estrangelo Edessa"/>
+        <a:font script="Orya" typeface="Kalinga"/>
+        <a:font script="Mlym" typeface="Kartika"/>
+        <a:font script="Laoo" typeface="DokChampa"/>
+        <a:font script="Sinh" typeface="Iskoola Pota"/>
+        <a:font script="Mong" typeface="Mongolian Baiti"/>
+        <a:font script="Viet" typeface="Times New Roman"/>
+        <a:font script="Uigh" typeface="Microsoft Uighur"/>
+        <a:font script="Geor" typeface="Sylfaen"/>
+      </a:majorFont>
+      <a:minorFont>
+        <a:latin typeface="Calibri"/>
+        <a:ea typeface=""/>
+        <a:cs typeface=""/>
+        <a:font script="Jpan" typeface="ＭＳ Ｐゴシック"/>
+        <a:font script="Hang" typeface="맑은 고딕"/>
+        <a:font script="Hans" typeface="宋体"/>
+        <a:font script="Hant" typeface="新細明體"/>
+        <a:font script="Arab" typeface="Arial"/>
+        <a:font script="Hebr" typeface="Arial"/>
+        <a:font script="Thai" typeface="Cordia New"/>
+        <a:font script="Ethi" typeface="Nyala"/>
+        <a:font script="Beng" typeface="Vrinda"/>
+        <a:font script="Gujr" typeface="Shruti"/>
+        <a:font script="Khmr" typeface="DaunPenh"/>
+        <a:font script="Knda" typeface="Tunga"/>
+        <a:font script="Guru" typeface="Raavi"/>
+        <a:font script="Cans" typeface="Euphemia"/>
+        <a:font script="Cher" typeface="Plantagenet Cherokee"/>
+        <a:font script="Yiii" typeface="Microsoft Yi Baiti"/>
+        <a:font script="Tibt" typeface="Microsoft Himalaya"/>
+        <a:font script="Thaa" typeface="MV Boli"/>
+        <a:font script="Deva" typeface="Mangal"/>
+        <a:font script="Telu" typeface="Gautami"/>
+        <a:font script="Taml" typeface="Latha"/>
+        <a:font script="Syrc" typeface="Estrangelo Edessa"/>
+        <a:font script="Orya" typeface="Kalinga"/>
+        <a:font script="Mlym" typeface="Kartika"/>
+        <a:font script="Laoo" typeface="DokChampa"/>
+        <a:font script="Sinh" typeface="Iskoola Pota"/>
+        <a:font script="Mong" typeface="Mongolian Baiti"/>
+        <a:font script="Viet" typeface="Arial"/>
+        <a:font script="Uigh" typeface="Microsoft Uighur"/>
+        <a:font script="Geor" typeface="Sylfaen"/>
+      </a:minorFont>
+    </a:fontScheme>
+    <a:fmtScheme name="Office">
+      <a:fillStyleLst>
+        <a:solidFill>
+          <a:schemeClr val="phClr"/>
+        </a:solidFill>
+        <a:gradFill rotWithShape="1">
+          <a:gsLst>
+            <a:gs pos="0">
+              <a:schemeClr val="phClr">
+                <a:lumMod val="110000"/>
+                <a:satMod val="105000"/>
+                <a:tint val="67000"/>
+              </a:schemeClr>
+            </a:gs>
+            <a:gs pos="50000">
+              <a:schemeClr val="phClr">
+                <a:lumMod val="105000"/>
+                <a:satMod val="103000"/>
+                <a:tint val="73000"/>
+              </a:schemeClr>
+            </a:gs>
+            <a:gs pos="100000">
+              <a:schemeClr val="phClr">
+                <a:lumMod val="105000"/>
+                <a:satMod val="109000"/>
+                <a:tint val="81000"/>
+              </a:schemeClr>
+            </a:gs>
+          </a:gsLst>
+          <a:lin ang="5400000" scaled="0"/>
+        </a:gradFill>
+        <a:gradFill rotWithShape="1">
+          <a:gsLst>
+            <a:gs pos="0">
+              <a:schemeClr val="phClr">
+                <a:satMod val="103000"/>
+                <a:lumMod val="102000"/>
+                <a:tint val="94000"/>
+              </a:schemeClr>
+            </a:gs>
+            <a:gs pos="50000">
+              <a:schemeClr val="phClr">
+                <a:satMod val="110000"/>
+                <a:lumMod val="100000"/>
+                <a:shade val="100000"/>
+              </a:schemeClr>
+            </a:gs>
+            <a:gs pos="100000">
+              <a:schemeClr val="phClr">
+                <a:lumMod val="99000"/>
+                <a:satMod val="120000"/>
+                <a:shade val="78000"/>
+              </a:schemeClr>
+            </a:gs>
+          </a:gsLst>
+          <a:lin ang="5400000" scaled="0"/>
+        </a:gradFill>
+      </a:fillStyleLst>
+      <a:lnStyleLst>
+        <a:ln w="6350" cap="flat" cmpd="sng" algn="ctr">
+          <a:solidFill>
+            <a:schemeClr val="phClr"/>
+          </a:solidFill>
+          <a:prstDash val="solid"/>
+          <a:miter lim="800000"/>
+        </a:ln>
+        <a:ln w="12700" cap="flat" cmpd="sng" algn="ctr">
+          <a:solidFill>
+            <a:schemeClr val="phClr"/>
+          </a:solidFill>
+          <a:prstDash val="solid"/>
+          <a:miter lim="800000"/>
+        </a:ln>
+        <a:ln w="19050" cap="flat" cmpd="sng" algn="ctr">
+          <a:solidFill>
+            <a:schemeClr val="phClr"/>
+          </a:solidFill>
+          <a:prstDash val="solid"/>
+          <a:miter lim="800000"/>
+        </a:ln>
+      </a:lnStyleLst>
+      <a:effectStyleLst>
+        <a:effectStyle>
+          <a:effectLst/>
+        </a:effectStyle>
+        <a:effectStyle>
+          <a:effectLst/>
+        </a:effectStyle>
+        <a:effectStyle>
+          <a:effectLst>
+            <a:outerShdw blurRad="57150" dist="19050" dir="5400000" algn="ctr" rotWithShape="0">
+              <a:srgbClr val="000000">
+                <a:alpha val="63000"/>
+              </a:srgbClr>
+            </a:outerShdw>
+          </a:effectLst>
+        </a:effectStyle>
+      </a:effectStyleLst>
+      <a:bgFillStyleLst>
+        <a:solidFill>
+          <a:schemeClr val="phClr"/>
+        </a:solidFill>
+        <a:solidFill>
+          <a:schemeClr val="phClr">
+            <a:tint val="95000"/>
+            <a:satMod val="170000"/>
+          </a:schemeClr>
+        </a:solidFill>
+        <a:gradFill rotWithShape="1">
+          <a:gsLst>
+            <a:gs pos="0">
+              <a:schemeClr val="phClr">
+                <a:tint val="93000"/>
+                <a:satMod val="150000"/>
+                <a:shade val="98000"/>
+                <a:lumMod val="102000"/>
+              </a:schemeClr>
+            </a:gs>
+            <a:gs pos="50000">
+              <a:schemeClr val="phClr">
+                <a:tint val="98000"/>
+                <a:satMod val="130000"/>
+                <a:shade val="90000"/>
+                <a:lumMod val="103000"/>
+              </a:schemeClr>
+            </a:gs>
+            <a:gs pos="100000">
+              <a:schemeClr val="phClr">
+                <a:shade val="63000"/>
+                <a:satMod val="120000"/>
+              </a:schemeClr>
+            </a:gs>
+          </a:gsLst>
+          <a:lin ang="5400000" scaled="0"/>
+        </a:gradFill>
+      </a:bgFillStyleLst>
+    </a:fmtScheme>
+  </a:themeElements>
   <a:extLst>
     <a:ext uri="{05A4C25C-085E-4340-85A3-A5531E510DB2}">
       <thm15:themeFamily xmlns:thm15="http://schemas.microsoft.com/office/thememl/2012/main" name="Office Theme" id="{62F939B6-93AF-4DB8-9C6B-D6C7DFDC589F}" vid="{4A3C46E8-61CC-4603-A589-7422A47A8E4A}"/>

--- a/Phan_tich_yeu_cau.pptx
+++ b/Phan_tich_yeu_cau.pptx
@@ -3412,7 +3412,7 @@
         </p:blipFill>
         <p:spPr>
           <a:xfrm>
-            <a:off x="0" y="689658"/>
+            <a:off x="0" y="488363"/>
             <a:ext cx="12192000" cy="5478684"/>
           </a:xfrm>
           <a:prstGeom prst="rect">
@@ -3764,7 +3764,7 @@
         <p:spPr>
           <a:xfrm>
             <a:off x="156069" y="2612065"/>
-            <a:ext cx="7644648" cy="3753485"/>
+            <a:ext cx="7644648" cy="2245360"/>
           </a:xfrm>
           <a:prstGeom prst="rect">
             <a:avLst/>
@@ -3826,7 +3826,7 @@
               <a:t> </a:t>
             </a:r>
             <a:r>
-              <a:rPr lang="en-US" sz="1400">
+              <a:rPr lang="vi-VN" altLang="en-US" sz="1400">
                 <a:solidFill>
                   <a:schemeClr val="accent2">
                     <a:lumMod val="50000"/>
@@ -3835,10 +3835,10 @@
                 <a:latin typeface="Arial" panose="020B0604020202020204" pitchFamily="34" charset="0"/>
                 <a:cs typeface="Arial" panose="020B0604020202020204" pitchFamily="34" charset="0"/>
               </a:rPr>
-              <a:t>Khách tham quan </a:t>
-            </a:r>
-            <a:r>
-              <a:rPr lang="en-US" sz="1400" b="1">
+              <a:t>-K</a:t>
+            </a:r>
+            <a:r>
+              <a:rPr lang="en-US" sz="1400">
                 <a:solidFill>
                   <a:schemeClr val="accent2">
                     <a:lumMod val="50000"/>
@@ -3847,6 +3847,18 @@
                 <a:latin typeface="Arial" panose="020B0604020202020204" pitchFamily="34" charset="0"/>
                 <a:cs typeface="Arial" panose="020B0604020202020204" pitchFamily="34" charset="0"/>
               </a:rPr>
+              <a:t>hách tham quan </a:t>
+            </a:r>
+            <a:r>
+              <a:rPr lang="en-US" sz="1400" b="1">
+                <a:solidFill>
+                  <a:schemeClr val="accent2">
+                    <a:lumMod val="50000"/>
+                  </a:schemeClr>
+                </a:solidFill>
+                <a:latin typeface="Arial" panose="020B0604020202020204" pitchFamily="34" charset="0"/>
+                <a:cs typeface="Arial" panose="020B0604020202020204" pitchFamily="34" charset="0"/>
+              </a:rPr>
               <a:t>: </a:t>
             </a:r>
             <a:r>
@@ -3857,24 +3869,38 @@
                 <a:latin typeface="Arial" panose="020B0604020202020204" pitchFamily="34" charset="0"/>
                 <a:cs typeface="Arial" panose="020B0604020202020204" pitchFamily="34" charset="0"/>
               </a:rPr>
-              <a:t>Xem </a:t>
+              <a:t>Xem / Tra cứu</a:t>
             </a:r>
             <a:r>
               <a:rPr lang="en-US" sz="1400">
-                <a:solidFill>
-                  <a:srgbClr val="002060"/>
-                </a:solidFill>
-                <a:latin typeface="Arial" panose="020B0604020202020204" pitchFamily="34" charset="0"/>
-                <a:cs typeface="Arial" panose="020B0604020202020204" pitchFamily="34" charset="0"/>
-              </a:rPr>
-              <a:t>  </a:t>
+                <a:latin typeface="Arial" panose="020B0604020202020204" pitchFamily="34" charset="0"/>
+                <a:cs typeface="Arial" panose="020B0604020202020204" pitchFamily="34" charset="0"/>
+              </a:rPr>
+              <a:t> </a:t>
+            </a:r>
+            <a:r>
+              <a:rPr lang="en-US" sz="1400" b="1">
+                <a:solidFill>
+                  <a:srgbClr val="00B0F0"/>
+                </a:solidFill>
+                <a:latin typeface="Arial Bold" panose="020B0604020202020204" charset="0"/>
+                <a:cs typeface="Arial Bold" panose="020B0604020202020204" charset="0"/>
+              </a:rPr>
+              <a:t>Phim </a:t>
             </a:r>
             <a:r>
               <a:rPr lang="en-US" sz="1400">
                 <a:latin typeface="Arial" panose="020B0604020202020204" pitchFamily="34" charset="0"/>
                 <a:cs typeface="Arial" panose="020B0604020202020204" pitchFamily="34" charset="0"/>
               </a:rPr>
-              <a:t>Xem / Tra cứu Phim (Tên phim, Mô tả, Ảnh bìa, Trạng thái "Đang chiếu")</a:t>
+              <a:t>(Tên phim, Mô tả, Ảnh bìa, </a:t>
+            </a:r>
+            <a:r>
+              <a:rPr lang="vi-VN" altLang="en-US" sz="1400">
+                <a:latin typeface="Arial" panose="020B0604020202020204" pitchFamily="34" charset="0"/>
+                <a:cs typeface="Arial" panose="020B0604020202020204" pitchFamily="34" charset="0"/>
+              </a:rPr>
+              <a:t>Thời lượng)</a:t>
             </a:r>
             <a:endParaRPr lang="en-US" sz="1400">
               <a:latin typeface="Arial" panose="020B0604020202020204" pitchFamily="34" charset="0"/>
@@ -3894,6 +3920,19 @@
                 <a:cs typeface="Arial" panose="020B0604020202020204" pitchFamily="34" charset="0"/>
               </a:rPr>
               <a:t> </a:t>
+            </a:r>
+            <a:r>
+              <a:rPr lang="vi-VN" altLang="en-US" sz="1400">
+                <a:solidFill>
+                  <a:schemeClr val="accent2">
+                    <a:lumMod val="50000"/>
+                  </a:schemeClr>
+                </a:solidFill>
+                <a:latin typeface="Arial" panose="020B0604020202020204" pitchFamily="34" charset="0"/>
+                <a:cs typeface="Arial" panose="020B0604020202020204" pitchFamily="34" charset="0"/>
+                <a:sym typeface="+mn-ea"/>
+              </a:rPr>
+              <a:t>-</a:t>
             </a:r>
             <a:r>
               <a:rPr lang="en-US" sz="1400">
@@ -3946,43 +3985,80 @@
               <a:t>	</a:t>
             </a:r>
             <a:r>
+              <a:rPr lang="en-US" sz="1400">
+                <a:solidFill>
+                  <a:srgbClr val="FF0000"/>
+                </a:solidFill>
+                <a:latin typeface="Arial" panose="020B0604020202020204" pitchFamily="34" charset="0"/>
+                <a:cs typeface="Arial" panose="020B0604020202020204" pitchFamily="34" charset="0"/>
+              </a:rPr>
+              <a:t>Xem / Tra cứu</a:t>
+            </a:r>
+            <a:r>
+              <a:rPr lang="en-US" sz="1400">
+                <a:latin typeface="Arial" panose="020B0604020202020204" pitchFamily="34" charset="0"/>
+                <a:cs typeface="Arial" panose="020B0604020202020204" pitchFamily="34" charset="0"/>
+              </a:rPr>
+              <a:t> </a:t>
+            </a:r>
+            <a:r>
               <a:rPr lang="en-US" sz="1400" b="1">
                 <a:solidFill>
-                  <a:srgbClr val="ED7D31">
-                    <a:lumMod val="50000"/>
-                  </a:srgbClr>
-                </a:solidFill>
-                <a:latin typeface="Arial" panose="020B0604020202020204" pitchFamily="34" charset="0"/>
-                <a:cs typeface="Arial" panose="020B0604020202020204" pitchFamily="34" charset="0"/>
-              </a:rPr>
-              <a:t> </a:t>
+                  <a:srgbClr val="00B0F0"/>
+                </a:solidFill>
+                <a:latin typeface="Arial Bold" panose="020B0604020202020204" charset="0"/>
+                <a:cs typeface="Arial Bold" panose="020B0604020202020204" charset="0"/>
+              </a:rPr>
+              <a:t>Suất chiếu</a:t>
             </a:r>
             <a:r>
               <a:rPr lang="en-US" sz="1400">
-                <a:solidFill>
-                  <a:srgbClr val="FF0000"/>
-                </a:solidFill>
-                <a:latin typeface="Arial" panose="020B0604020202020204" pitchFamily="34" charset="0"/>
-                <a:cs typeface="Arial" panose="020B0604020202020204" pitchFamily="34" charset="0"/>
-              </a:rPr>
-              <a:t>Xem </a:t>
+                <a:latin typeface="Arial" panose="020B0604020202020204" pitchFamily="34" charset="0"/>
+                <a:cs typeface="Arial" panose="020B0604020202020204" pitchFamily="34" charset="0"/>
+              </a:rPr>
+              <a:t> (Tên phim, </a:t>
+            </a:r>
+            <a:r>
+              <a:rPr lang="vi-VN" altLang="en-US" sz="1400">
+                <a:latin typeface="Arial" panose="020B0604020202020204" pitchFamily="34" charset="0"/>
+                <a:cs typeface="Arial" panose="020B0604020202020204" pitchFamily="34" charset="0"/>
+              </a:rPr>
+              <a:t>Phòng chiếu, Ngày</a:t>
             </a:r>
             <a:r>
               <a:rPr lang="en-US" sz="1400">
-                <a:solidFill>
-                  <a:srgbClr val="002060"/>
-                </a:solidFill>
-                <a:latin typeface="Arial" panose="020B0604020202020204" pitchFamily="34" charset="0"/>
-                <a:cs typeface="Arial" panose="020B0604020202020204" pitchFamily="34" charset="0"/>
-              </a:rPr>
-              <a:t>  </a:t>
+                <a:latin typeface="Arial" panose="020B0604020202020204" pitchFamily="34" charset="0"/>
+                <a:cs typeface="Arial" panose="020B0604020202020204" pitchFamily="34" charset="0"/>
+              </a:rPr>
+              <a:t> chiếu, </a:t>
+            </a:r>
+            <a:r>
+              <a:rPr lang="vi-VN" altLang="en-US" sz="1400">
+                <a:latin typeface="Arial" panose="020B0604020202020204" pitchFamily="34" charset="0"/>
+                <a:cs typeface="Arial" panose="020B0604020202020204" pitchFamily="34" charset="0"/>
+              </a:rPr>
+              <a:t>Ca </a:t>
             </a:r>
             <a:r>
               <a:rPr lang="en-US" sz="1400">
                 <a:latin typeface="Arial" panose="020B0604020202020204" pitchFamily="34" charset="0"/>
                 <a:cs typeface="Arial" panose="020B0604020202020204" pitchFamily="34" charset="0"/>
               </a:rPr>
-              <a:t>Xem / Tra cứu Suất chiếu (Tên phim, Ca chiếu, Ngày chiếu)</a:t>
+              <a:t>chiếu</a:t>
+            </a:r>
+            <a:r>
+              <a:rPr lang="vi-VN" altLang="en-US" sz="1400">
+                <a:latin typeface="Arial" panose="020B0604020202020204" pitchFamily="34" charset="0"/>
+                <a:cs typeface="Arial" panose="020B0604020202020204" pitchFamily="34" charset="0"/>
+              </a:rPr>
+              <a:t>, 			Giá vé, Số lượng vé còn lại</a:t>
+            </a:r>
+            <a:r>
+              <a:rPr lang="en-US" sz="1400">
+                <a:latin typeface="Arial" panose="020B0604020202020204" pitchFamily="34" charset="0"/>
+                <a:cs typeface="Arial" panose="020B0604020202020204" pitchFamily="34" charset="0"/>
+              </a:rPr>
+              <a:t>)</a:t>
             </a:r>
             <a:endParaRPr lang="en-US" sz="1400">
               <a:latin typeface="Arial" panose="020B0604020202020204" pitchFamily="34" charset="0"/>
@@ -3998,11 +4074,77 @@
                 <a:latin typeface="Arial" panose="020B0604020202020204" pitchFamily="34" charset="0"/>
                 <a:cs typeface="Arial" panose="020B0604020202020204" pitchFamily="34" charset="0"/>
               </a:rPr>
-              <a:t>	Bán vé (theo Suất chiếu đã chọn) tạo ra Vé Bán</a:t>
-            </a:r>
-            <a:endParaRPr lang="vi-VN" altLang="en-US" sz="1400">
+              <a:t>	</a:t>
+            </a:r>
+            <a:r>
+              <a:rPr lang="vi-VN" altLang="en-US" sz="1400">
+                <a:solidFill>
+                  <a:srgbClr val="FF0000"/>
+                </a:solidFill>
+                <a:latin typeface="Arial" panose="020B0604020202020204" pitchFamily="34" charset="0"/>
+                <a:cs typeface="Arial" panose="020B0604020202020204" pitchFamily="34" charset="0"/>
+              </a:rPr>
+              <a:t>Bán vé</a:t>
+            </a:r>
+            <a:r>
+              <a:rPr lang="vi-VN" altLang="en-US" sz="1400">
+                <a:latin typeface="Arial" panose="020B0604020202020204" pitchFamily="34" charset="0"/>
+                <a:cs typeface="Arial" panose="020B0604020202020204" pitchFamily="34" charset="0"/>
+              </a:rPr>
+              <a:t> (theo </a:t>
+            </a:r>
+            <a:r>
+              <a:rPr lang="vi-VN" altLang="en-US" sz="1400" b="1">
+                <a:solidFill>
+                  <a:srgbClr val="00B0F0"/>
+                </a:solidFill>
+                <a:latin typeface="Arial Bold" panose="020B0604020202020204" charset="0"/>
+                <a:cs typeface="Arial Bold" panose="020B0604020202020204" charset="0"/>
+              </a:rPr>
+              <a:t>Suất chiếu</a:t>
+            </a:r>
+            <a:r>
+              <a:rPr lang="vi-VN" altLang="en-US" sz="1400">
+                <a:latin typeface="Arial" panose="020B0604020202020204" pitchFamily="34" charset="0"/>
+                <a:cs typeface="Arial" panose="020B0604020202020204" pitchFamily="34" charset="0"/>
+              </a:rPr>
+              <a:t> đã chọn) tạo ra </a:t>
+            </a:r>
+            <a:r>
+              <a:rPr lang="vi-VN" altLang="en-US" sz="1400" b="1">
+                <a:solidFill>
+                  <a:srgbClr val="00B0F0"/>
+                </a:solidFill>
+                <a:latin typeface="Arial Bold" panose="020B0604020202020204" charset="0"/>
+                <a:cs typeface="Arial Bold" panose="020B0604020202020204" charset="0"/>
+              </a:rPr>
+              <a:t>Vé</a:t>
+            </a:r>
+            <a:r>
+              <a:rPr lang="vi-VN" altLang="en-US" sz="1400">
+                <a:latin typeface="Arial" panose="020B0604020202020204" pitchFamily="34" charset="0"/>
+                <a:cs typeface="Arial" panose="020B0604020202020204" pitchFamily="34" charset="0"/>
+              </a:rPr>
+              <a:t> Bán</a:t>
+            </a:r>
+            <a:r>
+              <a:rPr lang="en-US" sz="1400" b="1">
+                <a:solidFill>
+                  <a:prstClr val="black"/>
+                </a:solidFill>
+                <a:latin typeface="Arial" panose="020B0604020202020204" pitchFamily="34" charset="0"/>
+                <a:cs typeface="Arial" panose="020B0604020202020204" pitchFamily="34" charset="0"/>
+                <a:sym typeface="+mn-ea"/>
+              </a:rPr>
+              <a:t> </a:t>
+            </a:r>
+            <a:endParaRPr lang="en-US" sz="1400" b="1">
+              <a:solidFill>
+                <a:prstClr val="black"/>
+              </a:solidFill>
               <a:latin typeface="Arial" panose="020B0604020202020204" pitchFamily="34" charset="0"/>
               <a:cs typeface="Arial" panose="020B0604020202020204" pitchFamily="34" charset="0"/>
+              <a:sym typeface="+mn-ea"/>
             </a:endParaRPr>
           </a:p>
           <a:p>
@@ -4010,40 +4152,17 @@
               <a:defRPr/>
             </a:pPr>
             <a:r>
-              <a:rPr lang="en-US" sz="1400" b="1">
-                <a:solidFill>
-                  <a:srgbClr val="002060"/>
-                </a:solidFill>
-                <a:latin typeface="Arial" panose="020B0604020202020204" pitchFamily="34" charset="0"/>
-                <a:cs typeface="Arial" panose="020B0604020202020204" pitchFamily="34" charset="0"/>
-              </a:rPr>
-              <a:t>                                     </a:t>
-            </a:r>
-            <a:r>
-              <a:rPr lang="en-US" sz="1400">
-                <a:latin typeface="Arial" panose="020B0604020202020204" pitchFamily="34" charset="0"/>
-                <a:cs typeface="Arial" panose="020B0604020202020204" pitchFamily="34" charset="0"/>
-              </a:rPr>
-              <a:t> </a:t>
-            </a:r>
-            <a:endParaRPr lang="en-US" sz="1400">
-              <a:latin typeface="Arial" panose="020B0604020202020204" pitchFamily="34" charset="0"/>
-              <a:cs typeface="Arial" panose="020B0604020202020204" pitchFamily="34" charset="0"/>
-            </a:endParaRPr>
-          </a:p>
-          <a:p>
-            <a:pPr>
-              <a:defRPr/>
-            </a:pPr>
-            <a:r>
-              <a:rPr lang="en-US" sz="1400">
-                <a:solidFill>
-                  <a:srgbClr val="FF0000"/>
-                </a:solidFill>
-                <a:latin typeface="Arial" panose="020B0604020202020204" pitchFamily="34" charset="0"/>
-                <a:cs typeface="Arial" panose="020B0604020202020204" pitchFamily="34" charset="0"/>
-              </a:rPr>
-              <a:t> </a:t>
+              <a:rPr lang="vi-VN" altLang="en-US" sz="1400">
+                <a:solidFill>
+                  <a:schemeClr val="accent2">
+                    <a:lumMod val="50000"/>
+                  </a:schemeClr>
+                </a:solidFill>
+                <a:latin typeface="Arial" panose="020B0604020202020204" pitchFamily="34" charset="0"/>
+                <a:cs typeface="Arial" panose="020B0604020202020204" pitchFamily="34" charset="0"/>
+                <a:sym typeface="+mn-ea"/>
+              </a:rPr>
+              <a:t>-</a:t>
             </a:r>
             <a:r>
               <a:rPr lang="en-US" sz="1400">
@@ -4054,11 +4173,12 @@
                 </a:solidFill>
                 <a:latin typeface="Arial" panose="020B0604020202020204" pitchFamily="34" charset="0"/>
                 <a:cs typeface="Arial" panose="020B0604020202020204" pitchFamily="34" charset="0"/>
-              </a:rPr>
-              <a:t>Quản lý  Nhập hàng </a:t>
-            </a:r>
-            <a:r>
-              <a:rPr lang="en-US" sz="1400" b="1">
+                <a:sym typeface="+mn-ea"/>
+              </a:rPr>
+              <a:t>Nhân viên </a:t>
+            </a:r>
+            <a:r>
+              <a:rPr lang="vi-VN" altLang="en-US" sz="1400">
                 <a:solidFill>
                   <a:srgbClr val="ED7D31">
                     <a:lumMod val="50000"/>
@@ -4066,144 +4186,50 @@
                 </a:solidFill>
                 <a:latin typeface="Arial" panose="020B0604020202020204" pitchFamily="34" charset="0"/>
                 <a:cs typeface="Arial" panose="020B0604020202020204" pitchFamily="34" charset="0"/>
-              </a:rPr>
-              <a:t>: </a:t>
+                <a:sym typeface="+mn-ea"/>
+              </a:rPr>
+              <a:t>Quản lý</a:t>
             </a:r>
             <a:r>
               <a:rPr lang="en-US" sz="1400">
                 <a:solidFill>
-                  <a:srgbClr val="FF0000"/>
-                </a:solidFill>
-                <a:latin typeface="Arial" panose="020B0604020202020204" pitchFamily="34" charset="0"/>
-                <a:cs typeface="Arial" panose="020B0604020202020204" pitchFamily="34" charset="0"/>
-              </a:rPr>
-              <a:t>Xem </a:t>
+                  <a:srgbClr val="ED7D31">
+                    <a:lumMod val="50000"/>
+                  </a:srgbClr>
+                </a:solidFill>
+                <a:latin typeface="Arial" panose="020B0604020202020204" pitchFamily="34" charset="0"/>
+                <a:cs typeface="Arial" panose="020B0604020202020204" pitchFamily="34" charset="0"/>
+                <a:sym typeface="+mn-ea"/>
+              </a:rPr>
+              <a:t> (Bộ phận </a:t>
+            </a:r>
+            <a:r>
+              <a:rPr lang="vi-VN" altLang="en-US" sz="1400">
+                <a:solidFill>
+                  <a:srgbClr val="ED7D31">
+                    <a:lumMod val="50000"/>
+                  </a:srgbClr>
+                </a:solidFill>
+                <a:latin typeface="Arial" panose="020B0604020202020204" pitchFamily="34" charset="0"/>
+                <a:cs typeface="Arial" panose="020B0604020202020204" pitchFamily="34" charset="0"/>
+                <a:sym typeface="+mn-ea"/>
+              </a:rPr>
+              <a:t>Quản lý</a:t>
             </a:r>
             <a:r>
               <a:rPr lang="en-US" sz="1400">
                 <a:solidFill>
-                  <a:srgbClr val="002060"/>
-                </a:solidFill>
-                <a:latin typeface="Arial" panose="020B0604020202020204" pitchFamily="34" charset="0"/>
-                <a:cs typeface="Arial" panose="020B0604020202020204" pitchFamily="34" charset="0"/>
-              </a:rPr>
-              <a:t>  </a:t>
-            </a:r>
-            <a:r>
-              <a:rPr lang="en-US" sz="1400" b="1">
-                <a:solidFill>
-                  <a:srgbClr val="002060"/>
-                </a:solidFill>
-                <a:latin typeface="Arial" panose="020B0604020202020204" pitchFamily="34" charset="0"/>
-                <a:cs typeface="Arial" panose="020B0604020202020204" pitchFamily="34" charset="0"/>
-              </a:rPr>
-              <a:t>Tivi</a:t>
-            </a:r>
-            <a:r>
-              <a:rPr lang="en-US" sz="1400">
-                <a:solidFill>
-                  <a:srgbClr val="002060"/>
-                </a:solidFill>
-                <a:latin typeface="Arial" panose="020B0604020202020204" pitchFamily="34" charset="0"/>
-                <a:cs typeface="Arial" panose="020B0604020202020204" pitchFamily="34" charset="0"/>
-              </a:rPr>
-              <a:t> (Tên,  Đơn giá Nhập, Số lượng Tồn)</a:t>
-            </a:r>
-            <a:r>
-              <a:rPr lang="en-US" sz="1400">
-                <a:latin typeface="Arial" panose="020B0604020202020204" pitchFamily="34" charset="0"/>
-                <a:cs typeface="Arial" panose="020B0604020202020204" pitchFamily="34" charset="0"/>
-              </a:rPr>
-              <a:t> </a:t>
-            </a:r>
-            <a:br>
-              <a:rPr lang="en-US" sz="1400">
-                <a:latin typeface="Arial" panose="020B0604020202020204" pitchFamily="34" charset="0"/>
-                <a:cs typeface="Arial" panose="020B0604020202020204" pitchFamily="34" charset="0"/>
-              </a:rPr>
-            </a:br>
-            <a:r>
-              <a:rPr lang="en-US" sz="1400">
-                <a:latin typeface="Arial" panose="020B0604020202020204" pitchFamily="34" charset="0"/>
-                <a:cs typeface="Arial" panose="020B0604020202020204" pitchFamily="34" charset="0"/>
-              </a:rPr>
-              <a:t>                      +  </a:t>
-            </a:r>
-            <a:r>
-              <a:rPr lang="en-US" sz="1400" b="1">
-                <a:solidFill>
-                  <a:srgbClr val="002060"/>
-                </a:solidFill>
-                <a:latin typeface="Arial" panose="020B0604020202020204" pitchFamily="34" charset="0"/>
-                <a:cs typeface="Arial" panose="020B0604020202020204" pitchFamily="34" charset="0"/>
-              </a:rPr>
-              <a:t>Nhóm Tivi</a:t>
-            </a:r>
-            <a:r>
-              <a:rPr lang="en-US" sz="1400">
-                <a:solidFill>
-                  <a:srgbClr val="002060"/>
-                </a:solidFill>
-                <a:latin typeface="Arial" panose="020B0604020202020204" pitchFamily="34" charset="0"/>
-                <a:cs typeface="Arial" panose="020B0604020202020204" pitchFamily="34" charset="0"/>
-              </a:rPr>
-              <a:t> (Tên, Số lượng Tồn)</a:t>
-            </a:r>
-            <a:r>
-              <a:rPr lang="en-US" sz="1400">
-                <a:latin typeface="Arial" panose="020B0604020202020204" pitchFamily="34" charset="0"/>
-                <a:cs typeface="Arial" panose="020B0604020202020204" pitchFamily="34" charset="0"/>
-              </a:rPr>
-              <a:t> </a:t>
-            </a:r>
-            <a:r>
-              <a:rPr lang="en-US" sz="1400" b="1">
-                <a:solidFill>
-                  <a:srgbClr val="002060"/>
-                </a:solidFill>
-                <a:latin typeface="Arial" panose="020B0604020202020204" pitchFamily="34" charset="0"/>
-                <a:cs typeface="Arial" panose="020B0604020202020204" pitchFamily="34" charset="0"/>
-              </a:rPr>
-              <a:t> </a:t>
-            </a:r>
-            <a:r>
-              <a:rPr lang="en-US" sz="1400">
-                <a:solidFill>
-                  <a:srgbClr val="FF0000"/>
-                </a:solidFill>
-                <a:latin typeface="Arial" panose="020B0604020202020204" pitchFamily="34" charset="0"/>
-                <a:cs typeface="Arial" panose="020B0604020202020204" pitchFamily="34" charset="0"/>
-              </a:rPr>
-              <a:t>Cập nhật </a:t>
-            </a:r>
-            <a:r>
-              <a:rPr lang="en-US" sz="1400">
-                <a:solidFill>
-                  <a:srgbClr val="002060"/>
-                </a:solidFill>
-                <a:latin typeface="Arial" panose="020B0604020202020204" pitchFamily="34" charset="0"/>
-                <a:cs typeface="Arial" panose="020B0604020202020204" pitchFamily="34" charset="0"/>
-              </a:rPr>
-              <a:t>Đơn giá Nhập  </a:t>
-            </a:r>
-            <a:r>
-              <a:rPr lang="en-US" sz="1400" b="1">
-                <a:solidFill>
-                  <a:srgbClr val="002060"/>
-                </a:solidFill>
-                <a:latin typeface="Arial" panose="020B0604020202020204" pitchFamily="34" charset="0"/>
-                <a:cs typeface="Arial" panose="020B0604020202020204" pitchFamily="34" charset="0"/>
-              </a:rPr>
-              <a:t>Tivi  </a:t>
-            </a:r>
-            <a:r>
-              <a:rPr lang="en-US" sz="1400">
-                <a:latin typeface="Arial" panose="020B0604020202020204" pitchFamily="34" charset="0"/>
-                <a:cs typeface="Arial" panose="020B0604020202020204" pitchFamily="34" charset="0"/>
-              </a:rPr>
-              <a:t> </a:t>
-            </a:r>
-            <a:endParaRPr lang="en-US" sz="1400" b="1">
+                  <a:srgbClr val="ED7D31">
+                    <a:lumMod val="50000"/>
+                  </a:srgbClr>
+                </a:solidFill>
+                <a:latin typeface="Arial" panose="020B0604020202020204" pitchFamily="34" charset="0"/>
+                <a:cs typeface="Arial" panose="020B0604020202020204" pitchFamily="34" charset="0"/>
+                <a:sym typeface="+mn-ea"/>
+              </a:rPr>
+              <a:t>): </a:t>
+            </a:r>
+            <a:endParaRPr lang="en-US" sz="1400">
               <a:solidFill>
                 <a:srgbClr val="ED7D31">
                   <a:lumMod val="50000"/>
@@ -4218,75 +4244,103 @@
               <a:defRPr/>
             </a:pPr>
             <a:r>
+              <a:rPr lang="vi-VN" altLang="en-US" sz="1400">
+                <a:solidFill>
+                  <a:srgbClr val="ED7D31">
+                    <a:lumMod val="50000"/>
+                  </a:srgbClr>
+                </a:solidFill>
+                <a:latin typeface="Arial" panose="020B0604020202020204" pitchFamily="34" charset="0"/>
+                <a:cs typeface="Arial" panose="020B0604020202020204" pitchFamily="34" charset="0"/>
+                <a:sym typeface="+mn-ea"/>
+              </a:rPr>
+              <a:t>	</a:t>
+            </a:r>
+            <a:r>
               <a:rPr lang="en-US" sz="1400">
                 <a:solidFill>
-                  <a:schemeClr val="accent2">
-                    <a:lumMod val="50000"/>
-                  </a:schemeClr>
-                </a:solidFill>
-                <a:latin typeface="Arial" panose="020B0604020202020204" pitchFamily="34" charset="0"/>
-                <a:cs typeface="Arial" panose="020B0604020202020204" pitchFamily="34" charset="0"/>
-              </a:rPr>
-              <a:t> Nhân viên Bán hàng  </a:t>
+                  <a:srgbClr val="FF0000"/>
+                </a:solidFill>
+                <a:latin typeface="Arial" panose="020B0604020202020204" pitchFamily="34" charset="0"/>
+                <a:cs typeface="Arial" panose="020B0604020202020204" pitchFamily="34" charset="0"/>
+                <a:sym typeface="+mn-ea"/>
+              </a:rPr>
+              <a:t>Xem / Tra cứu</a:t>
+            </a:r>
+            <a:r>
+              <a:rPr lang="en-US" sz="1400">
+                <a:latin typeface="Arial" panose="020B0604020202020204" pitchFamily="34" charset="0"/>
+                <a:cs typeface="Arial" panose="020B0604020202020204" pitchFamily="34" charset="0"/>
+                <a:sym typeface="+mn-ea"/>
+              </a:rPr>
+              <a:t> </a:t>
             </a:r>
             <a:r>
               <a:rPr lang="en-US" sz="1400" b="1">
                 <a:solidFill>
-                  <a:schemeClr val="accent2">
-                    <a:lumMod val="50000"/>
-                  </a:schemeClr>
-                </a:solidFill>
-                <a:latin typeface="Arial" panose="020B0604020202020204" pitchFamily="34" charset="0"/>
-                <a:cs typeface="Arial" panose="020B0604020202020204" pitchFamily="34" charset="0"/>
-              </a:rPr>
-              <a:t>: </a:t>
+                  <a:srgbClr val="00B0F0"/>
+                </a:solidFill>
+                <a:latin typeface="Arial Bold" panose="020B0604020202020204" charset="0"/>
+                <a:cs typeface="Arial Bold" panose="020B0604020202020204" charset="0"/>
+                <a:sym typeface="+mn-ea"/>
+              </a:rPr>
+              <a:t>Suất chiếu</a:t>
             </a:r>
             <a:r>
               <a:rPr lang="en-US" sz="1400">
-                <a:solidFill>
-                  <a:srgbClr val="FF0000"/>
-                </a:solidFill>
-                <a:latin typeface="Arial" panose="020B0604020202020204" pitchFamily="34" charset="0"/>
-                <a:cs typeface="Arial" panose="020B0604020202020204" pitchFamily="34" charset="0"/>
-              </a:rPr>
-              <a:t>Xem </a:t>
+                <a:latin typeface="Arial" panose="020B0604020202020204" pitchFamily="34" charset="0"/>
+                <a:cs typeface="Arial" panose="020B0604020202020204" pitchFamily="34" charset="0"/>
+                <a:sym typeface="+mn-ea"/>
+              </a:rPr>
+              <a:t> (Tên phim, </a:t>
+            </a:r>
+            <a:r>
+              <a:rPr lang="vi-VN" altLang="en-US" sz="1400">
+                <a:latin typeface="Arial" panose="020B0604020202020204" pitchFamily="34" charset="0"/>
+                <a:cs typeface="Arial" panose="020B0604020202020204" pitchFamily="34" charset="0"/>
+                <a:sym typeface="+mn-ea"/>
+              </a:rPr>
+              <a:t>Phòng chiếu, Ngày</a:t>
             </a:r>
             <a:r>
               <a:rPr lang="en-US" sz="1400">
-                <a:solidFill>
-                  <a:srgbClr val="002060"/>
-                </a:solidFill>
-                <a:latin typeface="Arial" panose="020B0604020202020204" pitchFamily="34" charset="0"/>
-                <a:cs typeface="Arial" panose="020B0604020202020204" pitchFamily="34" charset="0"/>
-              </a:rPr>
-              <a:t>  </a:t>
-            </a:r>
-            <a:r>
-              <a:rPr lang="en-US" sz="1400" b="1">
-                <a:solidFill>
-                  <a:srgbClr val="002060"/>
-                </a:solidFill>
-                <a:latin typeface="Arial" panose="020B0604020202020204" pitchFamily="34" charset="0"/>
-                <a:cs typeface="Arial" panose="020B0604020202020204" pitchFamily="34" charset="0"/>
-              </a:rPr>
-              <a:t>Tivi</a:t>
+                <a:latin typeface="Arial" panose="020B0604020202020204" pitchFamily="34" charset="0"/>
+                <a:cs typeface="Arial" panose="020B0604020202020204" pitchFamily="34" charset="0"/>
+                <a:sym typeface="+mn-ea"/>
+              </a:rPr>
+              <a:t> chiếu, </a:t>
+            </a:r>
+            <a:r>
+              <a:rPr lang="vi-VN" altLang="en-US" sz="1400">
+                <a:latin typeface="Arial" panose="020B0604020202020204" pitchFamily="34" charset="0"/>
+                <a:cs typeface="Arial" panose="020B0604020202020204" pitchFamily="34" charset="0"/>
+                <a:sym typeface="+mn-ea"/>
+              </a:rPr>
+              <a:t>Ca </a:t>
             </a:r>
             <a:r>
               <a:rPr lang="en-US" sz="1400">
-                <a:solidFill>
-                  <a:srgbClr val="002060"/>
-                </a:solidFill>
-                <a:latin typeface="Arial" panose="020B0604020202020204" pitchFamily="34" charset="0"/>
-                <a:cs typeface="Arial" panose="020B0604020202020204" pitchFamily="34" charset="0"/>
-              </a:rPr>
-              <a:t> (Tên,  Đơn giá Bán,Số lượng Tồn ,Doanh thu)</a:t>
+                <a:latin typeface="Arial" panose="020B0604020202020204" pitchFamily="34" charset="0"/>
+                <a:cs typeface="Arial" panose="020B0604020202020204" pitchFamily="34" charset="0"/>
+                <a:sym typeface="+mn-ea"/>
+              </a:rPr>
+              <a:t>chiếu</a:t>
+            </a:r>
+            <a:r>
+              <a:rPr lang="vi-VN" altLang="en-US" sz="1400">
+                <a:latin typeface="Arial" panose="020B0604020202020204" pitchFamily="34" charset="0"/>
+                <a:cs typeface="Arial" panose="020B0604020202020204" pitchFamily="34" charset="0"/>
+                <a:sym typeface="+mn-ea"/>
+              </a:rPr>
+              <a:t>, 			Giá vé, Số lượng vé còn lại</a:t>
             </a:r>
             <a:r>
               <a:rPr lang="en-US" sz="1400">
                 <a:latin typeface="Arial" panose="020B0604020202020204" pitchFamily="34" charset="0"/>
                 <a:cs typeface="Arial" panose="020B0604020202020204" pitchFamily="34" charset="0"/>
-              </a:rPr>
-              <a:t> </a:t>
+                <a:sym typeface="+mn-ea"/>
+              </a:rPr>
+              <a:t>)</a:t>
             </a:r>
             <a:endParaRPr lang="en-US" sz="1400">
               <a:latin typeface="Arial" panose="020B0604020202020204" pitchFamily="34" charset="0"/>
@@ -4298,538 +4352,99 @@
               <a:defRPr/>
             </a:pPr>
             <a:r>
-              <a:rPr lang="en-US" sz="1400">
+              <a:rPr lang="vi-VN" altLang="en-US" sz="1400">
+                <a:latin typeface="Arial" panose="020B0604020202020204" pitchFamily="34" charset="0"/>
+                <a:cs typeface="Arial" panose="020B0604020202020204" pitchFamily="34" charset="0"/>
+                <a:sym typeface="+mn-ea"/>
+              </a:rPr>
+              <a:t>	</a:t>
+            </a:r>
+            <a:r>
+              <a:rPr lang="vi-VN" altLang="en-US" sz="1400">
                 <a:solidFill>
                   <a:srgbClr val="FF0000"/>
                 </a:solidFill>
                 <a:latin typeface="Arial" panose="020B0604020202020204" pitchFamily="34" charset="0"/>
                 <a:cs typeface="Arial" panose="020B0604020202020204" pitchFamily="34" charset="0"/>
-              </a:rPr>
-              <a:t>                             </a:t>
-            </a:r>
-            <a:r>
-              <a:rPr lang="en-US" sz="1400">
-                <a:latin typeface="Arial" panose="020B0604020202020204" pitchFamily="34" charset="0"/>
-                <a:cs typeface="Arial" panose="020B0604020202020204" pitchFamily="34" charset="0"/>
-              </a:rPr>
-              <a:t>+</a:t>
-            </a:r>
-            <a:r>
-              <a:rPr lang="en-US" sz="1400">
-                <a:solidFill>
-                  <a:srgbClr val="FF0000"/>
-                </a:solidFill>
-                <a:latin typeface="Arial" panose="020B0604020202020204" pitchFamily="34" charset="0"/>
-                <a:cs typeface="Arial" panose="020B0604020202020204" pitchFamily="34" charset="0"/>
-              </a:rPr>
-              <a:t> </a:t>
-            </a:r>
-            <a:r>
-              <a:rPr lang="en-US" sz="1400">
-                <a:solidFill>
-                  <a:srgbClr val="002060"/>
-                </a:solidFill>
-                <a:latin typeface="Arial" panose="020B0604020202020204" pitchFamily="34" charset="0"/>
-                <a:cs typeface="Arial" panose="020B0604020202020204" pitchFamily="34" charset="0"/>
-              </a:rPr>
-              <a:t> Doanh thu </a:t>
-            </a:r>
-            <a:r>
-              <a:rPr lang="en-US" sz="1400">
-                <a:latin typeface="Arial" panose="020B0604020202020204" pitchFamily="34" charset="0"/>
-                <a:cs typeface="Arial" panose="020B0604020202020204" pitchFamily="34" charset="0"/>
-              </a:rPr>
-              <a:t>của </a:t>
-            </a:r>
-            <a:r>
-              <a:rPr lang="en-US" sz="1400" b="1">
-                <a:solidFill>
-                  <a:srgbClr val="002060"/>
-                </a:solidFill>
-                <a:latin typeface="Arial" panose="020B0604020202020204" pitchFamily="34" charset="0"/>
-                <a:cs typeface="Arial" panose="020B0604020202020204" pitchFamily="34" charset="0"/>
-              </a:rPr>
-              <a:t>chính mình   </a:t>
-            </a:r>
-            <a:r>
-              <a:rPr lang="en-US" sz="1400">
-                <a:solidFill>
-                  <a:srgbClr val="FF0000"/>
-                </a:solidFill>
-                <a:latin typeface="Arial" panose="020B0604020202020204" pitchFamily="34" charset="0"/>
-                <a:cs typeface="Arial" panose="020B0604020202020204" pitchFamily="34" charset="0"/>
-              </a:rPr>
-              <a:t>Bán </a:t>
-            </a:r>
-            <a:r>
-              <a:rPr lang="en-US" sz="1400" b="1">
-                <a:solidFill>
-                  <a:srgbClr val="002060"/>
-                </a:solidFill>
-                <a:latin typeface="Arial" panose="020B0604020202020204" pitchFamily="34" charset="0"/>
-                <a:cs typeface="Arial" panose="020B0604020202020204" pitchFamily="34" charset="0"/>
-              </a:rPr>
-              <a:t>Tivi</a:t>
-            </a:r>
-            <a:r>
-              <a:rPr lang="en-US" sz="1400" b="1">
-                <a:solidFill>
-                  <a:srgbClr val="FF0000"/>
-                </a:solidFill>
-                <a:latin typeface="Arial" panose="020B0604020202020204" pitchFamily="34" charset="0"/>
-                <a:cs typeface="Arial" panose="020B0604020202020204" pitchFamily="34" charset="0"/>
-              </a:rPr>
-              <a:t> </a:t>
-            </a:r>
-            <a:r>
-              <a:rPr lang="en-US" sz="1400">
-                <a:solidFill>
-                  <a:srgbClr val="FF0000"/>
-                </a:solidFill>
-                <a:latin typeface="Arial" panose="020B0604020202020204" pitchFamily="34" charset="0"/>
-                <a:cs typeface="Arial" panose="020B0604020202020204" pitchFamily="34" charset="0"/>
-              </a:rPr>
-              <a:t> </a:t>
-            </a:r>
-            <a:r>
-              <a:rPr lang="en-US" sz="1400">
-                <a:latin typeface="Arial" panose="020B0604020202020204" pitchFamily="34" charset="0"/>
-                <a:cs typeface="Arial" panose="020B0604020202020204" pitchFamily="34" charset="0"/>
-              </a:rPr>
-              <a:t>theo Phiếu Bán </a:t>
-            </a:r>
-            <a:br>
-              <a:rPr lang="en-US" sz="1400">
-                <a:latin typeface="Arial" panose="020B0604020202020204" pitchFamily="34" charset="0"/>
-                <a:cs typeface="Arial" panose="020B0604020202020204" pitchFamily="34" charset="0"/>
-              </a:rPr>
-            </a:br>
-            <a:r>
-              <a:rPr lang="en-US" sz="1400">
-                <a:solidFill>
-                  <a:srgbClr val="FF0000"/>
-                </a:solidFill>
-                <a:latin typeface="Arial" panose="020B0604020202020204" pitchFamily="34" charset="0"/>
-                <a:cs typeface="Arial" panose="020B0604020202020204" pitchFamily="34" charset="0"/>
-              </a:rPr>
-              <a:t> </a:t>
-            </a:r>
-            <a:r>
-              <a:rPr lang="en-US" sz="1400">
-                <a:solidFill>
-                  <a:srgbClr val="ED7D31">
-                    <a:lumMod val="50000"/>
-                  </a:srgbClr>
-                </a:solidFill>
-                <a:latin typeface="Arial" panose="020B0604020202020204" pitchFamily="34" charset="0"/>
-                <a:cs typeface="Arial" panose="020B0604020202020204" pitchFamily="34" charset="0"/>
-              </a:rPr>
-              <a:t>Quản lý  Bán hàng </a:t>
-            </a:r>
-            <a:r>
-              <a:rPr lang="en-US" sz="1400" b="1">
-                <a:solidFill>
-                  <a:srgbClr val="ED7D31">
-                    <a:lumMod val="50000"/>
-                  </a:srgbClr>
-                </a:solidFill>
-                <a:latin typeface="Arial" panose="020B0604020202020204" pitchFamily="34" charset="0"/>
-                <a:cs typeface="Arial" panose="020B0604020202020204" pitchFamily="34" charset="0"/>
-              </a:rPr>
-              <a:t>:  </a:t>
-            </a:r>
-            <a:r>
-              <a:rPr lang="en-US" sz="1400">
-                <a:solidFill>
-                  <a:srgbClr val="FF0000"/>
-                </a:solidFill>
-                <a:latin typeface="Arial" panose="020B0604020202020204" pitchFamily="34" charset="0"/>
-                <a:cs typeface="Arial" panose="020B0604020202020204" pitchFamily="34" charset="0"/>
-              </a:rPr>
-              <a:t>Xem </a:t>
-            </a:r>
-            <a:r>
-              <a:rPr lang="en-US" sz="1400">
-                <a:solidFill>
-                  <a:srgbClr val="002060"/>
-                </a:solidFill>
-                <a:latin typeface="Arial" panose="020B0604020202020204" pitchFamily="34" charset="0"/>
-                <a:cs typeface="Arial" panose="020B0604020202020204" pitchFamily="34" charset="0"/>
-              </a:rPr>
-              <a:t> </a:t>
-            </a:r>
-            <a:r>
-              <a:rPr lang="en-US" sz="1400" b="1">
-                <a:solidFill>
-                  <a:srgbClr val="002060"/>
-                </a:solidFill>
-                <a:latin typeface="Arial" panose="020B0604020202020204" pitchFamily="34" charset="0"/>
-                <a:cs typeface="Arial" panose="020B0604020202020204" pitchFamily="34" charset="0"/>
-              </a:rPr>
-              <a:t>Tivi</a:t>
-            </a:r>
-            <a:r>
-              <a:rPr lang="en-US" sz="1400">
-                <a:solidFill>
-                  <a:srgbClr val="002060"/>
-                </a:solidFill>
-                <a:latin typeface="Arial" panose="020B0604020202020204" pitchFamily="34" charset="0"/>
-                <a:cs typeface="Arial" panose="020B0604020202020204" pitchFamily="34" charset="0"/>
-              </a:rPr>
-              <a:t> (Tên,  Đơn giá Bán , Số lượng Tồn ,Doanh thu)</a:t>
-            </a:r>
-            <a:r>
-              <a:rPr lang="en-US" sz="1400">
-                <a:latin typeface="Arial" panose="020B0604020202020204" pitchFamily="34" charset="0"/>
-                <a:cs typeface="Arial" panose="020B0604020202020204" pitchFamily="34" charset="0"/>
-              </a:rPr>
-              <a:t> </a:t>
-            </a:r>
-            <a:endParaRPr lang="en-US" sz="1400">
-              <a:latin typeface="Arial" panose="020B0604020202020204" pitchFamily="34" charset="0"/>
-              <a:cs typeface="Arial" panose="020B0604020202020204" pitchFamily="34" charset="0"/>
-            </a:endParaRPr>
-          </a:p>
-          <a:p>
-            <a:pPr lvl="0">
-              <a:defRPr/>
-            </a:pPr>
-            <a:r>
-              <a:rPr lang="en-US" sz="1400" b="1">
-                <a:solidFill>
-                  <a:srgbClr val="002060"/>
-                </a:solidFill>
-                <a:latin typeface="Arial" panose="020B0604020202020204" pitchFamily="34" charset="0"/>
-                <a:cs typeface="Arial" panose="020B0604020202020204" pitchFamily="34" charset="0"/>
-              </a:rPr>
-              <a:t> </a:t>
-            </a:r>
-            <a:r>
-              <a:rPr lang="en-US" sz="1400">
-                <a:latin typeface="Arial" panose="020B0604020202020204" pitchFamily="34" charset="0"/>
-                <a:cs typeface="Arial" panose="020B0604020202020204" pitchFamily="34" charset="0"/>
-              </a:rPr>
-              <a:t> + </a:t>
-            </a:r>
-            <a:r>
-              <a:rPr lang="en-US" sz="1400" b="1">
-                <a:solidFill>
-                  <a:srgbClr val="002060"/>
-                </a:solidFill>
-                <a:latin typeface="Arial" panose="020B0604020202020204" pitchFamily="34" charset="0"/>
-                <a:cs typeface="Arial" panose="020B0604020202020204" pitchFamily="34" charset="0"/>
-              </a:rPr>
-              <a:t>Nhóm Tivi</a:t>
-            </a:r>
-            <a:r>
-              <a:rPr lang="en-US" sz="1400">
-                <a:solidFill>
-                  <a:srgbClr val="002060"/>
-                </a:solidFill>
-                <a:latin typeface="Arial" panose="020B0604020202020204" pitchFamily="34" charset="0"/>
-                <a:cs typeface="Arial" panose="020B0604020202020204" pitchFamily="34" charset="0"/>
-              </a:rPr>
-              <a:t> (Tên,Số lượng Tồn, Doanh thu )</a:t>
-            </a:r>
-            <a:r>
-              <a:rPr lang="en-US" sz="1400">
-                <a:latin typeface="Arial" panose="020B0604020202020204" pitchFamily="34" charset="0"/>
-                <a:cs typeface="Arial" panose="020B0604020202020204" pitchFamily="34" charset="0"/>
-              </a:rPr>
-              <a:t>+ </a:t>
-            </a:r>
-            <a:r>
-              <a:rPr lang="en-US" sz="1400" b="1">
-                <a:solidFill>
-                  <a:srgbClr val="002060"/>
-                </a:solidFill>
-                <a:latin typeface="Arial" panose="020B0604020202020204" pitchFamily="34" charset="0"/>
-                <a:cs typeface="Arial" panose="020B0604020202020204" pitchFamily="34" charset="0"/>
-              </a:rPr>
-              <a:t>Nhân viên bán hàng </a:t>
-            </a:r>
-            <a:r>
-              <a:rPr lang="en-US" sz="1400">
-                <a:solidFill>
-                  <a:srgbClr val="002060"/>
-                </a:solidFill>
-                <a:latin typeface="Arial" panose="020B0604020202020204" pitchFamily="34" charset="0"/>
-                <a:cs typeface="Arial" panose="020B0604020202020204" pitchFamily="34" charset="0"/>
-              </a:rPr>
-              <a:t>( Họ tên , Doanh thu ) </a:t>
-            </a:r>
-            <a:r>
-              <a:rPr lang="en-US" sz="1400">
-                <a:solidFill>
-                  <a:srgbClr val="FF0000"/>
-                </a:solidFill>
-                <a:latin typeface="Arial" panose="020B0604020202020204" pitchFamily="34" charset="0"/>
-                <a:cs typeface="Arial" panose="020B0604020202020204" pitchFamily="34" charset="0"/>
-              </a:rPr>
-              <a:t>Cập nhật </a:t>
-            </a:r>
-            <a:r>
-              <a:rPr lang="en-US" sz="1400">
-                <a:solidFill>
-                  <a:srgbClr val="002060"/>
-                </a:solidFill>
-                <a:latin typeface="Arial" panose="020B0604020202020204" pitchFamily="34" charset="0"/>
-                <a:cs typeface="Arial" panose="020B0604020202020204" pitchFamily="34" charset="0"/>
-              </a:rPr>
-              <a:t>Đơn giá Bán T</a:t>
-            </a:r>
-            <a:r>
-              <a:rPr lang="en-US" sz="1400" b="1">
-                <a:solidFill>
-                  <a:srgbClr val="002060"/>
-                </a:solidFill>
-                <a:latin typeface="Arial" panose="020B0604020202020204" pitchFamily="34" charset="0"/>
-                <a:cs typeface="Arial" panose="020B0604020202020204" pitchFamily="34" charset="0"/>
-              </a:rPr>
-              <a:t>ivi</a:t>
-            </a:r>
-            <a:r>
-              <a:rPr lang="en-US" sz="1400">
-                <a:solidFill>
-                  <a:srgbClr val="002060"/>
-                </a:solidFill>
-                <a:latin typeface="Arial" panose="020B0604020202020204" pitchFamily="34" charset="0"/>
-                <a:cs typeface="Arial" panose="020B0604020202020204" pitchFamily="34" charset="0"/>
-              </a:rPr>
-              <a:t> </a:t>
-            </a:r>
-            <a:br>
-              <a:rPr lang="en-US" sz="1400" b="1">
-                <a:solidFill>
-                  <a:srgbClr val="002060"/>
-                </a:solidFill>
-                <a:latin typeface="Arial" panose="020B0604020202020204" pitchFamily="34" charset="0"/>
-                <a:cs typeface="Arial" panose="020B0604020202020204" pitchFamily="34" charset="0"/>
-              </a:rPr>
-            </a:br>
-            <a:r>
-              <a:rPr lang="en-US" sz="1400">
-                <a:solidFill>
-                  <a:srgbClr val="FF0000"/>
-                </a:solidFill>
-                <a:latin typeface="Arial" panose="020B0604020202020204" pitchFamily="34" charset="0"/>
-                <a:cs typeface="Arial" panose="020B0604020202020204" pitchFamily="34" charset="0"/>
-              </a:rPr>
-              <a:t> </a:t>
-            </a:r>
-            <a:r>
-              <a:rPr lang="en-US" sz="1400">
-                <a:solidFill>
-                  <a:srgbClr val="ED7D31">
-                    <a:lumMod val="50000"/>
-                  </a:srgbClr>
-                </a:solidFill>
-                <a:latin typeface="Arial" panose="020B0604020202020204" pitchFamily="34" charset="0"/>
-                <a:cs typeface="Arial" panose="020B0604020202020204" pitchFamily="34" charset="0"/>
-              </a:rPr>
-              <a:t>Quản lý  Cửa hàng</a:t>
-            </a:r>
-            <a:r>
-              <a:rPr lang="en-US" sz="1400" b="1">
-                <a:solidFill>
-                  <a:srgbClr val="ED7D31">
-                    <a:lumMod val="50000"/>
-                  </a:srgbClr>
-                </a:solidFill>
-                <a:latin typeface="Arial" panose="020B0604020202020204" pitchFamily="34" charset="0"/>
-                <a:cs typeface="Arial" panose="020B0604020202020204" pitchFamily="34" charset="0"/>
-              </a:rPr>
-              <a:t>: </a:t>
-            </a:r>
-            <a:r>
-              <a:rPr lang="en-US" sz="1400">
-                <a:solidFill>
-                  <a:srgbClr val="FF0000"/>
-                </a:solidFill>
-                <a:latin typeface="Arial" panose="020B0604020202020204" pitchFamily="34" charset="0"/>
-                <a:cs typeface="Arial" panose="020B0604020202020204" pitchFamily="34" charset="0"/>
-              </a:rPr>
-              <a:t>Xem </a:t>
-            </a:r>
-            <a:r>
-              <a:rPr lang="en-US" sz="1400">
-                <a:solidFill>
-                  <a:srgbClr val="002060"/>
-                </a:solidFill>
-                <a:latin typeface="Arial" panose="020B0604020202020204" pitchFamily="34" charset="0"/>
-                <a:cs typeface="Arial" panose="020B0604020202020204" pitchFamily="34" charset="0"/>
-              </a:rPr>
-              <a:t> </a:t>
-            </a:r>
-            <a:r>
-              <a:rPr lang="en-US" sz="1400" b="1">
-                <a:solidFill>
-                  <a:srgbClr val="002060"/>
-                </a:solidFill>
-                <a:latin typeface="Arial" panose="020B0604020202020204" pitchFamily="34" charset="0"/>
-                <a:cs typeface="Arial" panose="020B0604020202020204" pitchFamily="34" charset="0"/>
-              </a:rPr>
-              <a:t>Tivi</a:t>
-            </a:r>
-            <a:r>
-              <a:rPr lang="en-US" sz="1400">
-                <a:solidFill>
-                  <a:srgbClr val="002060"/>
-                </a:solidFill>
-                <a:latin typeface="Arial" panose="020B0604020202020204" pitchFamily="34" charset="0"/>
-                <a:cs typeface="Arial" panose="020B0604020202020204" pitchFamily="34" charset="0"/>
-              </a:rPr>
-              <a:t> (Tên,  Đơn giá Bán , Số lượng Tồn ,Doanh thu)</a:t>
-            </a:r>
-            <a:r>
-              <a:rPr lang="en-US" sz="1400">
-                <a:solidFill>
-                  <a:prstClr val="black"/>
-                </a:solidFill>
-                <a:latin typeface="Arial" panose="020B0604020202020204" pitchFamily="34" charset="0"/>
-                <a:cs typeface="Arial" panose="020B0604020202020204" pitchFamily="34" charset="0"/>
-              </a:rPr>
-              <a:t> </a:t>
-            </a:r>
-            <a:endParaRPr lang="en-US" sz="1400">
+                <a:sym typeface="+mn-ea"/>
+              </a:rPr>
+              <a:t>Lập báo cáo</a:t>
+            </a:r>
+            <a:r>
+              <a:rPr lang="vi-VN" altLang="en-US" sz="1400">
+                <a:latin typeface="Arial" panose="020B0604020202020204" pitchFamily="34" charset="0"/>
+                <a:cs typeface="Arial" panose="020B0604020202020204" pitchFamily="34" charset="0"/>
+                <a:sym typeface="+mn-ea"/>
+              </a:rPr>
+              <a:t> thống kê </a:t>
+            </a:r>
+            <a:r>
+              <a:rPr lang="vi-VN" altLang="en-US" sz="1400" b="1">
+                <a:solidFill>
+                  <a:srgbClr val="00B0F0"/>
+                </a:solidFill>
+                <a:latin typeface="Arial Bold" panose="020B0604020202020204" charset="0"/>
+                <a:cs typeface="Arial Bold" panose="020B0604020202020204" charset="0"/>
+                <a:sym typeface="+mn-ea"/>
+              </a:rPr>
+              <a:t>Vé</a:t>
+            </a:r>
+            <a:r>
+              <a:rPr lang="vi-VN" altLang="en-US" sz="1400">
+                <a:latin typeface="Arial" panose="020B0604020202020204" pitchFamily="34" charset="0"/>
+                <a:cs typeface="Arial" panose="020B0604020202020204" pitchFamily="34" charset="0"/>
+                <a:sym typeface="+mn-ea"/>
+              </a:rPr>
+              <a:t> đã bán theo </a:t>
+            </a:r>
+            <a:r>
+              <a:rPr lang="vi-VN" altLang="en-US" sz="1400" b="1">
+                <a:solidFill>
+                  <a:srgbClr val="00B0F0"/>
+                </a:solidFill>
+                <a:latin typeface="Arial Bold" panose="020B0604020202020204" charset="0"/>
+                <a:cs typeface="Arial Bold" panose="020B0604020202020204" charset="0"/>
+                <a:sym typeface="+mn-ea"/>
+              </a:rPr>
+              <a:t>Phim (BM1) </a:t>
+            </a:r>
+            <a:r>
+              <a:rPr lang="vi-VN" altLang="en-US" sz="1400">
+                <a:latin typeface="Arial" panose="020B0604020202020204" pitchFamily="34" charset="0"/>
+                <a:cs typeface="Arial" panose="020B0604020202020204" pitchFamily="34" charset="0"/>
+                <a:sym typeface="+mn-ea"/>
+              </a:rPr>
+              <a:t>hoặc </a:t>
+            </a:r>
+            <a:r>
+              <a:rPr lang="vi-VN" altLang="en-US" sz="1400" b="1">
+                <a:solidFill>
+                  <a:srgbClr val="00B0F0"/>
+                </a:solidFill>
+                <a:latin typeface="Arial Bold" panose="020B0604020202020204" charset="0"/>
+                <a:cs typeface="Arial Bold" panose="020B0604020202020204" charset="0"/>
+                <a:sym typeface="+mn-ea"/>
+              </a:rPr>
+              <a:t>Suất chiếu (</a:t>
+            </a:r>
+            <a:r>
+              <a:rPr lang="vi-VN" altLang="en-US" sz="1400" b="1">
+                <a:solidFill>
+                  <a:srgbClr val="00B0F0"/>
+                </a:solidFill>
+                <a:latin typeface="Arial Bold" panose="020B0604020202020204" charset="0"/>
+                <a:cs typeface="Arial Bold" panose="020B0604020202020204" charset="0"/>
+                <a:sym typeface="+mn-ea"/>
+              </a:rPr>
+              <a:t>BM2)</a:t>
+            </a:r>
+            <a:endParaRPr lang="vi-VN" altLang="en-US" sz="1400" b="1">
               <a:solidFill>
-                <a:prstClr val="black"/>
+                <a:srgbClr val="00B0F0"/>
               </a:solidFill>
-              <a:latin typeface="Arial" panose="020B0604020202020204" pitchFamily="34" charset="0"/>
-              <a:cs typeface="Arial" panose="020B0604020202020204" pitchFamily="34" charset="0"/>
-            </a:endParaRPr>
-          </a:p>
-          <a:p>
-            <a:pPr lvl="0">
-              <a:defRPr/>
-            </a:pPr>
-            <a:r>
-              <a:rPr lang="en-US" sz="1400" b="1">
-                <a:solidFill>
-                  <a:srgbClr val="002060"/>
-                </a:solidFill>
-                <a:latin typeface="Arial" panose="020B0604020202020204" pitchFamily="34" charset="0"/>
-                <a:cs typeface="Arial" panose="020B0604020202020204" pitchFamily="34" charset="0"/>
-              </a:rPr>
-              <a:t> </a:t>
-            </a:r>
-            <a:r>
-              <a:rPr lang="en-US" sz="1400">
-                <a:solidFill>
-                  <a:prstClr val="black"/>
-                </a:solidFill>
-                <a:latin typeface="Arial" panose="020B0604020202020204" pitchFamily="34" charset="0"/>
-                <a:cs typeface="Arial" panose="020B0604020202020204" pitchFamily="34" charset="0"/>
-              </a:rPr>
-              <a:t> + </a:t>
-            </a:r>
-            <a:r>
-              <a:rPr lang="en-US" sz="1400" b="1">
-                <a:solidFill>
-                  <a:srgbClr val="002060"/>
-                </a:solidFill>
-                <a:latin typeface="Arial" panose="020B0604020202020204" pitchFamily="34" charset="0"/>
-                <a:cs typeface="Arial" panose="020B0604020202020204" pitchFamily="34" charset="0"/>
-              </a:rPr>
-              <a:t>Nhóm Tivi</a:t>
-            </a:r>
-            <a:r>
-              <a:rPr lang="en-US" sz="1400">
-                <a:solidFill>
-                  <a:srgbClr val="002060"/>
-                </a:solidFill>
-                <a:latin typeface="Arial" panose="020B0604020202020204" pitchFamily="34" charset="0"/>
-                <a:cs typeface="Arial" panose="020B0604020202020204" pitchFamily="34" charset="0"/>
-              </a:rPr>
-              <a:t> (Tên,Số lượng Tồn, Doanh thu )</a:t>
-            </a:r>
-            <a:r>
-              <a:rPr lang="en-US" sz="1400">
-                <a:solidFill>
-                  <a:prstClr val="black"/>
-                </a:solidFill>
-                <a:latin typeface="Arial" panose="020B0604020202020204" pitchFamily="34" charset="0"/>
-                <a:cs typeface="Arial" panose="020B0604020202020204" pitchFamily="34" charset="0"/>
-              </a:rPr>
-              <a:t>+ </a:t>
-            </a:r>
-            <a:r>
-              <a:rPr lang="en-US" sz="1400" b="1">
-                <a:solidFill>
-                  <a:srgbClr val="002060"/>
-                </a:solidFill>
-                <a:latin typeface="Arial" panose="020B0604020202020204" pitchFamily="34" charset="0"/>
-                <a:cs typeface="Arial" panose="020B0604020202020204" pitchFamily="34" charset="0"/>
-              </a:rPr>
-              <a:t>Nhân viên bán hàng </a:t>
-            </a:r>
-            <a:r>
-              <a:rPr lang="en-US" sz="1400">
-                <a:solidFill>
-                  <a:srgbClr val="002060"/>
-                </a:solidFill>
-                <a:latin typeface="Arial" panose="020B0604020202020204" pitchFamily="34" charset="0"/>
-                <a:cs typeface="Arial" panose="020B0604020202020204" pitchFamily="34" charset="0"/>
-              </a:rPr>
-              <a:t>( Họ tên , Doanh thu ) </a:t>
-            </a:r>
-            <a:endParaRPr lang="en-US" sz="1400">
-              <a:solidFill>
-                <a:srgbClr val="002060"/>
-              </a:solidFill>
-              <a:latin typeface="Arial" panose="020B0604020202020204" pitchFamily="34" charset="0"/>
-              <a:cs typeface="Arial" panose="020B0604020202020204" pitchFamily="34" charset="0"/>
-            </a:endParaRPr>
-          </a:p>
-          <a:p>
-            <a:pPr lvl="0">
-              <a:defRPr/>
-            </a:pPr>
-            <a:r>
-              <a:rPr lang="en-US" sz="1400" b="1">
-                <a:solidFill>
-                  <a:srgbClr val="002060"/>
-                </a:solidFill>
-                <a:latin typeface="Arial" panose="020B0604020202020204" pitchFamily="34" charset="0"/>
-                <a:cs typeface="Arial" panose="020B0604020202020204" pitchFamily="34" charset="0"/>
-              </a:rPr>
-              <a:t> </a:t>
-            </a:r>
-            <a:r>
-              <a:rPr lang="en-US" sz="1400">
-                <a:solidFill>
-                  <a:srgbClr val="002060"/>
-                </a:solidFill>
-                <a:latin typeface="Arial" panose="020B0604020202020204" pitchFamily="34" charset="0"/>
-                <a:cs typeface="Arial" panose="020B0604020202020204" pitchFamily="34" charset="0"/>
-              </a:rPr>
-              <a:t>Doanh thu, Số lượng tồn</a:t>
-            </a:r>
-            <a:r>
-              <a:rPr lang="en-US" sz="1400">
-                <a:latin typeface="Arial" panose="020B0604020202020204" pitchFamily="34" charset="0"/>
-                <a:cs typeface="Arial" panose="020B0604020202020204" pitchFamily="34" charset="0"/>
-              </a:rPr>
-              <a:t> của  </a:t>
-            </a:r>
-            <a:r>
-              <a:rPr lang="en-US" sz="1400" b="1">
-                <a:solidFill>
-                  <a:srgbClr val="002060"/>
-                </a:solidFill>
-                <a:latin typeface="Arial" panose="020B0604020202020204" pitchFamily="34" charset="0"/>
-                <a:cs typeface="Arial" panose="020B0604020202020204" pitchFamily="34" charset="0"/>
-              </a:rPr>
-              <a:t>Toàn bộ Cửa hàng </a:t>
-            </a:r>
-            <a:endParaRPr lang="en-US" sz="1600" b="1">
-              <a:solidFill>
-                <a:schemeClr val="accent6">
-                  <a:lumMod val="50000"/>
-                </a:schemeClr>
-              </a:solidFill>
-              <a:latin typeface="Arial" panose="020B0604020202020204" pitchFamily="34" charset="0"/>
-              <a:cs typeface="Arial" panose="020B0604020202020204" pitchFamily="34" charset="0"/>
+              <a:latin typeface="Arial Bold" panose="020B0604020202020204" charset="0"/>
+              <a:cs typeface="Arial Bold" panose="020B0604020202020204" charset="0"/>
+              <a:sym typeface="+mn-ea"/>
             </a:endParaRPr>
           </a:p>
         </p:txBody>
@@ -4986,7 +4601,7 @@
       </p:sp>
       <p:sp>
         <p:nvSpPr>
-          <p:cNvPr id="36" name="TextBox 35">
+          <p:cNvPr id="2" name="TextBox 35">
             <a:hlinkClick r:id="" action="ppaction://noaction"/>
           </p:cNvPr>
           <p:cNvSpPr txBox="1"/>
@@ -4994,8 +4609,8 @@
         </p:nvSpPr>
         <p:spPr>
           <a:xfrm>
-            <a:off x="7924267" y="2611895"/>
-            <a:ext cx="2978648" cy="1384995"/>
+            <a:off x="8016977" y="2611895"/>
+            <a:ext cx="2978648" cy="1168400"/>
           </a:xfrm>
           <a:prstGeom prst="rect">
             <a:avLst/>
@@ -5013,7 +4628,6 @@
           <a:bodyPr wrap="square" rtlCol="0">
             <a:spAutoFit/>
           </a:bodyPr>
-          <a:lstStyle/>
           <a:p>
             <a:pPr fontAlgn="auto">
               <a:spcBef>
@@ -5029,42 +4643,16 @@
                 <a:latin typeface="Arial" panose="020B0604020202020204" pitchFamily="34" charset="0"/>
                 <a:cs typeface="Arial" panose="020B0604020202020204" pitchFamily="34" charset="0"/>
               </a:rPr>
-              <a:t>                </a:t>
-            </a:r>
-            <a:r>
-              <a:rPr lang="en-US" sz="1400" b="1">
-                <a:latin typeface="Arial" panose="020B0604020202020204" pitchFamily="34" charset="0"/>
-                <a:cs typeface="Arial" panose="020B0604020202020204" pitchFamily="34" charset="0"/>
-              </a:rPr>
-              <a:t>Phiếu Bán </a:t>
-            </a:r>
-            <a:br>
-              <a:rPr lang="en-US" sz="1400">
-                <a:latin typeface="Arial" panose="020B0604020202020204" pitchFamily="34" charset="0"/>
-                <a:cs typeface="Arial" panose="020B0604020202020204" pitchFamily="34" charset="0"/>
-              </a:rPr>
-            </a:br>
-            <a:r>
-              <a:rPr lang="en-US" sz="1400">
-                <a:latin typeface="Arial" panose="020B0604020202020204" pitchFamily="34" charset="0"/>
-                <a:cs typeface="Arial" panose="020B0604020202020204" pitchFamily="34" charset="0"/>
-              </a:rPr>
-              <a:t>Họ tên :.....</a:t>
-            </a:r>
-            <a:br>
-              <a:rPr lang="en-US" sz="1400">
-                <a:latin typeface="Arial" panose="020B0604020202020204" pitchFamily="34" charset="0"/>
-                <a:cs typeface="Arial" panose="020B0604020202020204" pitchFamily="34" charset="0"/>
-              </a:rPr>
-            </a:br>
-            <a:r>
-              <a:rPr lang="en-US" sz="1400">
-                <a:latin typeface="Arial" panose="020B0604020202020204" pitchFamily="34" charset="0"/>
-                <a:cs typeface="Arial" panose="020B0604020202020204" pitchFamily="34" charset="0"/>
-              </a:rPr>
-              <a:t>Ngày : .......Tổng tiền :........</a:t>
-            </a:r>
-            <a:endParaRPr lang="en-US" sz="1400">
+              <a:t>         </a:t>
+            </a:r>
+            <a:r>
+              <a:rPr lang="vi-VN" altLang="en-US" sz="1400" b="1">
+                <a:latin typeface="Arial" panose="020B0604020202020204" pitchFamily="34" charset="0"/>
+                <a:cs typeface="Arial" panose="020B0604020202020204" pitchFamily="34" charset="0"/>
+              </a:rPr>
+              <a:t>Thống kê theo Phim (BM1)</a:t>
+            </a:r>
+            <a:endParaRPr lang="vi-VN" altLang="en-US" sz="1400" b="1">
               <a:latin typeface="Arial" panose="020B0604020202020204" pitchFamily="34" charset="0"/>
               <a:cs typeface="Arial" panose="020B0604020202020204" pitchFamily="34" charset="0"/>
             </a:endParaRPr>
@@ -5079,34 +4667,32 @@
               </a:spcAft>
               <a:defRPr/>
             </a:pPr>
-            <a:r>
-              <a:rPr lang="en-US" sz="1400">
-                <a:solidFill>
-                  <a:prstClr val="black"/>
-                </a:solidFill>
-                <a:latin typeface="Arial" panose="020B0604020202020204" pitchFamily="34" charset="0"/>
-                <a:cs typeface="Arial" panose="020B0604020202020204" pitchFamily="34" charset="0"/>
-              </a:rPr>
-              <a:t>Tivi   Số lượng   Đơn giá   Tiền </a:t>
-            </a:r>
             <a:br>
               <a:rPr lang="en-US" sz="1400">
-                <a:solidFill>
-                  <a:prstClr val="black"/>
-                </a:solidFill>
                 <a:latin typeface="Arial" panose="020B0604020202020204" pitchFamily="34" charset="0"/>
                 <a:cs typeface="Arial" panose="020B0604020202020204" pitchFamily="34" charset="0"/>
               </a:rPr>
             </a:br>
             <a:r>
-              <a:rPr lang="en-US" sz="1400">
-                <a:solidFill>
-                  <a:prstClr val="black"/>
-                </a:solidFill>
-                <a:latin typeface="Arial" panose="020B0604020202020204" pitchFamily="34" charset="0"/>
-                <a:cs typeface="Arial" panose="020B0604020202020204" pitchFamily="34" charset="0"/>
-              </a:rPr>
-              <a:t>......</a:t>
+              <a:rPr lang="vi-VN" altLang="en-US" sz="1400" b="1">
+                <a:latin typeface="Arial Bold" panose="020B0604020202020204" charset="0"/>
+                <a:cs typeface="Arial Bold" panose="020B0604020202020204" charset="0"/>
+              </a:rPr>
+              <a:t>Tên phim</a:t>
+            </a:r>
+            <a:r>
+              <a:rPr lang="vi-VN" altLang="en-US" sz="1400">
+                <a:latin typeface="Arial" panose="020B0604020202020204" pitchFamily="34" charset="0"/>
+                <a:cs typeface="Arial" panose="020B0604020202020204" pitchFamily="34" charset="0"/>
+              </a:rPr>
+              <a:t>	</a:t>
+            </a:r>
+            <a:r>
+              <a:rPr lang="vi-VN" altLang="en-US" sz="1400" b="1">
+                <a:latin typeface="Arial Bold" panose="020B0604020202020204" charset="0"/>
+                <a:cs typeface="Arial Bold" panose="020B0604020202020204" charset="0"/>
+              </a:rPr>
+              <a:t>Tổng vé đã bán</a:t>
             </a:r>
             <a:endParaRPr lang="en-US" sz="1400">
               <a:solidFill>
@@ -5136,6 +4722,27 @@
               </a:rPr>
               <a:t>.....</a:t>
             </a:r>
+            <a:r>
+              <a:rPr lang="vi-VN" altLang="en-US" sz="1400">
+                <a:solidFill>
+                  <a:prstClr val="black"/>
+                </a:solidFill>
+                <a:latin typeface="Arial" panose="020B0604020202020204" pitchFamily="34" charset="0"/>
+                <a:cs typeface="Arial" panose="020B0604020202020204" pitchFamily="34" charset="0"/>
+              </a:rPr>
+              <a:t>	</a:t>
+            </a:r>
+            <a:r>
+              <a:rPr lang="en-US" sz="1400">
+                <a:solidFill>
+                  <a:prstClr val="black"/>
+                </a:solidFill>
+                <a:latin typeface="Arial" panose="020B0604020202020204" pitchFamily="34" charset="0"/>
+                <a:cs typeface="Arial" panose="020B0604020202020204" pitchFamily="34" charset="0"/>
+                <a:sym typeface="+mn-ea"/>
+              </a:rPr>
+              <a:t>.....</a:t>
+            </a:r>
             <a:endParaRPr lang="en-US" sz="1400">
               <a:solidFill>
                 <a:prstClr val="black"/>
@@ -5144,11 +4751,29 @@
               <a:cs typeface="Arial" panose="020B0604020202020204" pitchFamily="34" charset="0"/>
             </a:endParaRPr>
           </a:p>
-        </p:txBody>
-      </p:sp>
-      <p:sp>
-        <p:nvSpPr>
-          <p:cNvPr id="37" name="TextBox 36">
+          <a:p>
+            <a:pPr fontAlgn="auto">
+              <a:spcBef>
+                <a:spcPts val="0"/>
+              </a:spcBef>
+              <a:spcAft>
+                <a:spcPts val="0"/>
+              </a:spcAft>
+              <a:defRPr/>
+            </a:pPr>
+            <a:endParaRPr lang="vi-VN" altLang="en-US" sz="1400">
+              <a:solidFill>
+                <a:prstClr val="black"/>
+              </a:solidFill>
+              <a:latin typeface="Arial" panose="020B0604020202020204" pitchFamily="34" charset="0"/>
+              <a:cs typeface="Arial" panose="020B0604020202020204" pitchFamily="34" charset="0"/>
+            </a:endParaRPr>
+          </a:p>
+        </p:txBody>
+      </p:sp>
+      <p:sp>
+        <p:nvSpPr>
+          <p:cNvPr id="3" name="TextBox 35">
             <a:hlinkClick r:id="" action="ppaction://noaction"/>
           </p:cNvPr>
           <p:cNvSpPr txBox="1"/>
@@ -5156,8 +4781,8 @@
         </p:nvSpPr>
         <p:spPr>
           <a:xfrm>
-            <a:off x="7924267" y="4146165"/>
-            <a:ext cx="2950630" cy="1169551"/>
+            <a:off x="156210" y="5105400"/>
+            <a:ext cx="5506720" cy="1168400"/>
           </a:xfrm>
           <a:prstGeom prst="rect">
             <a:avLst/>
@@ -5175,7 +4800,6 @@
           <a:bodyPr wrap="square" rtlCol="0">
             <a:spAutoFit/>
           </a:bodyPr>
-          <a:lstStyle/>
           <a:p>
             <a:pPr fontAlgn="auto">
               <a:spcBef>
@@ -5191,29 +4815,23 @@
                 <a:latin typeface="Arial" panose="020B0604020202020204" pitchFamily="34" charset="0"/>
                 <a:cs typeface="Arial" panose="020B0604020202020204" pitchFamily="34" charset="0"/>
               </a:rPr>
-              <a:t>              </a:t>
-            </a:r>
-            <a:r>
-              <a:rPr lang="en-US" sz="1400" b="1">
-                <a:latin typeface="Arial" panose="020B0604020202020204" pitchFamily="34" charset="0"/>
-                <a:cs typeface="Arial" panose="020B0604020202020204" pitchFamily="34" charset="0"/>
-              </a:rPr>
-              <a:t>Phiếu Nhập </a:t>
-            </a:r>
-            <a:br>
-              <a:rPr lang="en-US" sz="1400">
-                <a:latin typeface="Arial" panose="020B0604020202020204" pitchFamily="34" charset="0"/>
-                <a:cs typeface="Arial" panose="020B0604020202020204" pitchFamily="34" charset="0"/>
-              </a:rPr>
-            </a:br>
-            <a:r>
-              <a:rPr lang="en-US" sz="1400">
-                <a:latin typeface="Arial" panose="020B0604020202020204" pitchFamily="34" charset="0"/>
-                <a:cs typeface="Arial" panose="020B0604020202020204" pitchFamily="34" charset="0"/>
-              </a:rPr>
-              <a:t>Ngày :.......Tổng tiền :........</a:t>
-            </a:r>
-            <a:endParaRPr lang="en-US" sz="1400">
+              <a:t>         </a:t>
+            </a:r>
+            <a:r>
+              <a:rPr lang="vi-VN" altLang="en-US" sz="1400" b="1">
+                <a:latin typeface="Arial" panose="020B0604020202020204" pitchFamily="34" charset="0"/>
+                <a:cs typeface="Arial" panose="020B0604020202020204" pitchFamily="34" charset="0"/>
+              </a:rPr>
+              <a:t>Thống kê theo Suất </a:t>
+            </a:r>
+            <a:r>
+              <a:rPr lang="vi-VN" altLang="en-US" sz="1400" b="1">
+                <a:latin typeface="Arial" panose="020B0604020202020204" pitchFamily="34" charset="0"/>
+                <a:cs typeface="Arial" panose="020B0604020202020204" pitchFamily="34" charset="0"/>
+              </a:rPr>
+              <a:t>chiếu (BM2)</a:t>
+            </a:r>
+            <a:endParaRPr lang="vi-VN" altLang="en-US" sz="1400" b="1">
               <a:latin typeface="Arial" panose="020B0604020202020204" pitchFamily="34" charset="0"/>
               <a:cs typeface="Arial" panose="020B0604020202020204" pitchFamily="34" charset="0"/>
             </a:endParaRPr>
@@ -5228,34 +4846,53 @@
               </a:spcAft>
               <a:defRPr/>
             </a:pPr>
-            <a:r>
-              <a:rPr lang="en-US" sz="1400">
-                <a:solidFill>
-                  <a:prstClr val="black"/>
-                </a:solidFill>
-                <a:latin typeface="Arial" panose="020B0604020202020204" pitchFamily="34" charset="0"/>
-                <a:cs typeface="Arial" panose="020B0604020202020204" pitchFamily="34" charset="0"/>
-              </a:rPr>
-              <a:t>Tivi     Số lượng   Đơn giá   Tiền </a:t>
-            </a:r>
             <a:br>
               <a:rPr lang="en-US" sz="1400">
-                <a:solidFill>
-                  <a:prstClr val="black"/>
-                </a:solidFill>
                 <a:latin typeface="Arial" panose="020B0604020202020204" pitchFamily="34" charset="0"/>
                 <a:cs typeface="Arial" panose="020B0604020202020204" pitchFamily="34" charset="0"/>
               </a:rPr>
             </a:br>
             <a:r>
-              <a:rPr lang="en-US" sz="1400">
-                <a:solidFill>
-                  <a:prstClr val="black"/>
-                </a:solidFill>
-                <a:latin typeface="Arial" panose="020B0604020202020204" pitchFamily="34" charset="0"/>
-                <a:cs typeface="Arial" panose="020B0604020202020204" pitchFamily="34" charset="0"/>
-              </a:rPr>
-              <a:t>......</a:t>
+              <a:rPr lang="vi-VN" altLang="en-US" sz="1400" b="1">
+                <a:latin typeface="Arial Bold" panose="020B0604020202020204" charset="0"/>
+                <a:cs typeface="Arial Bold" panose="020B0604020202020204" charset="0"/>
+              </a:rPr>
+              <a:t>Tên phim</a:t>
+            </a:r>
+            <a:r>
+              <a:rPr lang="vi-VN" altLang="en-US" sz="1400">
+                <a:latin typeface="Arial" panose="020B0604020202020204" pitchFamily="34" charset="0"/>
+                <a:cs typeface="Arial" panose="020B0604020202020204" pitchFamily="34" charset="0"/>
+              </a:rPr>
+              <a:t>	</a:t>
+            </a:r>
+            <a:r>
+              <a:rPr lang="vi-VN" altLang="en-US" sz="1400" b="1">
+                <a:latin typeface="Arial Bold" panose="020B0604020202020204" charset="0"/>
+                <a:cs typeface="Arial Bold" panose="020B0604020202020204" charset="0"/>
+              </a:rPr>
+              <a:t>Ngày chiế</a:t>
+            </a:r>
+            <a:r>
+              <a:rPr lang="vi-VN" altLang="en-US" sz="1400" b="1">
+                <a:latin typeface="Arial Bold" panose="020B0604020202020204" charset="0"/>
+                <a:cs typeface="Arial Bold" panose="020B0604020202020204" charset="0"/>
+              </a:rPr>
+              <a:t>u          Giò chiếu</a:t>
+            </a:r>
+            <a:r>
+              <a:rPr lang="vi-VN" altLang="en-US" sz="1400">
+                <a:latin typeface="Arial" panose="020B0604020202020204" pitchFamily="34" charset="0"/>
+                <a:cs typeface="Arial" panose="020B0604020202020204" pitchFamily="34" charset="0"/>
+              </a:rPr>
+              <a:t>	</a:t>
+            </a:r>
+            <a:r>
+              <a:rPr lang="vi-VN" altLang="en-US" sz="1400" b="1">
+                <a:latin typeface="Arial Bold" panose="020B0604020202020204" charset="0"/>
+                <a:cs typeface="Arial Bold" panose="020B0604020202020204" charset="0"/>
+              </a:rPr>
+              <a:t>Tổng vé đã bán</a:t>
             </a:r>
             <a:endParaRPr lang="en-US" sz="1400">
               <a:solidFill>
@@ -5283,7 +4920,72 @@
                 <a:latin typeface="Arial" panose="020B0604020202020204" pitchFamily="34" charset="0"/>
                 <a:cs typeface="Arial" panose="020B0604020202020204" pitchFamily="34" charset="0"/>
               </a:rPr>
-              <a:t>......</a:t>
+              <a:t>.....</a:t>
+            </a:r>
+            <a:r>
+              <a:rPr lang="vi-VN" altLang="en-US" sz="1400">
+                <a:solidFill>
+                  <a:prstClr val="black"/>
+                </a:solidFill>
+                <a:latin typeface="Arial" panose="020B0604020202020204" pitchFamily="34" charset="0"/>
+                <a:cs typeface="Arial" panose="020B0604020202020204" pitchFamily="34" charset="0"/>
+              </a:rPr>
+              <a:t>	</a:t>
+            </a:r>
+            <a:r>
+              <a:rPr lang="en-US" sz="1400">
+                <a:solidFill>
+                  <a:prstClr val="black"/>
+                </a:solidFill>
+                <a:latin typeface="Arial" panose="020B0604020202020204" pitchFamily="34" charset="0"/>
+                <a:cs typeface="Arial" panose="020B0604020202020204" pitchFamily="34" charset="0"/>
+                <a:sym typeface="+mn-ea"/>
+              </a:rPr>
+              <a:t>.....</a:t>
+            </a:r>
+            <a:r>
+              <a:rPr lang="vi-VN" altLang="en-US" sz="1400">
+                <a:solidFill>
+                  <a:prstClr val="black"/>
+                </a:solidFill>
+                <a:latin typeface="Arial" panose="020B0604020202020204" pitchFamily="34" charset="0"/>
+                <a:cs typeface="Arial" panose="020B0604020202020204" pitchFamily="34" charset="0"/>
+                <a:sym typeface="+mn-ea"/>
+              </a:rPr>
+              <a:t>	           </a:t>
+            </a:r>
+            <a:r>
+              <a:rPr lang="en-US" sz="1400">
+                <a:solidFill>
+                  <a:prstClr val="black"/>
+                </a:solidFill>
+                <a:latin typeface="Arial" panose="020B0604020202020204" pitchFamily="34" charset="0"/>
+                <a:cs typeface="Arial" panose="020B0604020202020204" pitchFamily="34" charset="0"/>
+                <a:sym typeface="+mn-ea"/>
+              </a:rPr>
+              <a:t>....</a:t>
+            </a:r>
+            <a:r>
+              <a:rPr lang="vi-VN" altLang="en-US" sz="1400">
+                <a:solidFill>
+                  <a:prstClr val="black"/>
+                </a:solidFill>
+                <a:latin typeface="Arial" panose="020B0604020202020204" pitchFamily="34" charset="0"/>
+                <a:cs typeface="Arial" panose="020B0604020202020204" pitchFamily="34" charset="0"/>
+                <a:sym typeface="+mn-ea"/>
+              </a:rPr>
+              <a:t>		</a:t>
+            </a:r>
+            <a:r>
+              <a:rPr lang="en-US" sz="1400">
+                <a:solidFill>
+                  <a:prstClr val="black"/>
+                </a:solidFill>
+                <a:latin typeface="Arial" panose="020B0604020202020204" pitchFamily="34" charset="0"/>
+                <a:cs typeface="Arial" panose="020B0604020202020204" pitchFamily="34" charset="0"/>
+                <a:sym typeface="+mn-ea"/>
+              </a:rPr>
+              <a:t>....</a:t>
             </a:r>
             <a:endParaRPr lang="en-US" sz="1400">
               <a:solidFill>
@@ -5293,38 +4995,6 @@
               <a:cs typeface="Arial" panose="020B0604020202020204" pitchFamily="34" charset="0"/>
             </a:endParaRPr>
           </a:p>
-        </p:txBody>
-      </p:sp>
-      <p:sp>
-        <p:nvSpPr>
-          <p:cNvPr id="38" name="TextBox 37">
-            <a:hlinkClick r:id="" action="ppaction://noaction"/>
-          </p:cNvPr>
-          <p:cNvSpPr txBox="1"/>
-          <p:nvPr/>
-        </p:nvSpPr>
-        <p:spPr>
-          <a:xfrm>
-            <a:off x="244894" y="6296865"/>
-            <a:ext cx="5545529" cy="307777"/>
-          </a:xfrm>
-          <a:prstGeom prst="rect">
-            <a:avLst/>
-          </a:prstGeom>
-          <a:solidFill>
-            <a:schemeClr val="bg1"/>
-          </a:solidFill>
-          <a:ln>
-            <a:solidFill>
-              <a:schemeClr val="accent1"/>
-            </a:solidFill>
-          </a:ln>
-        </p:spPr>
-        <p:txBody>
-          <a:bodyPr wrap="square" rtlCol="0">
-            <a:spAutoFit/>
-          </a:bodyPr>
-          <a:lstStyle/>
           <a:p>
             <a:pPr fontAlgn="auto">
               <a:spcBef>
@@ -5335,24 +5005,7 @@
               </a:spcAft>
               <a:defRPr/>
             </a:pPr>
-            <a:r>
-              <a:rPr lang="en-US" sz="1400" b="1">
-                <a:solidFill>
-                  <a:srgbClr val="0000FF"/>
-                </a:solidFill>
-                <a:latin typeface="Arial" panose="020B0604020202020204" pitchFamily="34" charset="0"/>
-                <a:cs typeface="Arial" panose="020B0604020202020204" pitchFamily="34" charset="0"/>
-              </a:rPr>
-              <a:t>Giới hạn </a:t>
-            </a:r>
-            <a:r>
-              <a:rPr lang="en-US" sz="1400">
-                <a:latin typeface="Arial" panose="020B0604020202020204" pitchFamily="34" charset="0"/>
-                <a:cs typeface="Arial" panose="020B0604020202020204" pitchFamily="34" charset="0"/>
-              </a:rPr>
-              <a:t>:  Doanh thu là Doanh thu của Ngày hiện hành </a:t>
-            </a:r>
-            <a:endParaRPr lang="en-US" sz="1400">
+            <a:endParaRPr lang="vi-VN" altLang="en-US" sz="1400">
               <a:solidFill>
                 <a:prstClr val="black"/>
               </a:solidFill>
